--- a/Vue Unit Test.pptx
+++ b/Vue Unit Test.pptx
@@ -10,11 +10,11 @@
   <p:sldIdLst>
     <p:sldId id="256" r:id="rId2"/>
     <p:sldId id="257" r:id="rId3"/>
-    <p:sldId id="259" r:id="rId4"/>
-    <p:sldId id="260" r:id="rId5"/>
-    <p:sldId id="263" r:id="rId6"/>
-    <p:sldId id="261" r:id="rId7"/>
-    <p:sldId id="262" r:id="rId8"/>
+    <p:sldId id="263" r:id="rId4"/>
+    <p:sldId id="259" r:id="rId5"/>
+    <p:sldId id="261" r:id="rId6"/>
+    <p:sldId id="262" r:id="rId7"/>
+    <p:sldId id="260" r:id="rId8"/>
     <p:sldId id="258" r:id="rId9"/>
     <p:sldId id="265" r:id="rId10"/>
     <p:sldId id="264" r:id="rId11"/>
@@ -516,7 +516,111 @@
           <a:lstStyle/>
           <a:p>
             <a:r>
-              <a:rPr lang="en-US" altLang="ko-KR" sz="1200" b="0" i="0" kern="1200" dirty="0" err="1" smtClean="0">
+              <a:rPr kumimoji="1" lang="en-US" altLang="ko-KR" dirty="0" smtClean="0"/>
+              <a:t>cross-</a:t>
+            </a:r>
+            <a:r>
+              <a:rPr kumimoji="1" lang="en-US" altLang="ko-KR" dirty="0" err="1" smtClean="0"/>
+              <a:t>env</a:t>
+            </a:r>
+            <a:r>
+              <a:rPr kumimoji="1" lang="en-US" altLang="ko-KR" dirty="0" smtClean="0"/>
+              <a:t> BABEL_ENV=test karma start test/unit/</a:t>
+            </a:r>
+            <a:r>
+              <a:rPr kumimoji="1" lang="en-US" altLang="ko-KR" dirty="0" err="1" smtClean="0"/>
+              <a:t>karma.conf.js</a:t>
+            </a:r>
+            <a:r>
+              <a:rPr kumimoji="1" lang="en-US" altLang="ko-KR" dirty="0" smtClean="0"/>
+              <a:t> --single-run</a:t>
+            </a:r>
+            <a:endParaRPr kumimoji="1" lang="ko-KR" altLang="en-US" dirty="0"/>
+          </a:p>
+        </p:txBody>
+      </p:sp>
+      <p:sp>
+        <p:nvSpPr>
+          <p:cNvPr id="4" name="슬라이드 번호 개체 틀 3"/>
+          <p:cNvSpPr>
+            <a:spLocks noGrp="1"/>
+          </p:cNvSpPr>
+          <p:nvPr>
+            <p:ph type="sldNum" sz="quarter" idx="10"/>
+          </p:nvPr>
+        </p:nvSpPr>
+        <p:spPr/>
+        <p:txBody>
+          <a:bodyPr/>
+          <a:lstStyle/>
+          <a:p>
+            <a:fld id="{7B1CBF1E-85A7-D14A-8463-C069D63C92B8}" type="slidenum">
+              <a:rPr kumimoji="1" lang="ko-KR" altLang="en-US" smtClean="0"/>
+              <a:t>2</a:t>
+            </a:fld>
+            <a:endParaRPr kumimoji="1" lang="ko-KR" altLang="en-US"/>
+          </a:p>
+        </p:txBody>
+      </p:sp>
+    </p:spTree>
+    <p:extLst>
+      <p:ext uri="{BB962C8B-B14F-4D97-AF65-F5344CB8AC3E}">
+        <p14:creationId xmlns:p14="http://schemas.microsoft.com/office/powerpoint/2010/main" val="2106805573"/>
+      </p:ext>
+    </p:extLst>
+  </p:cSld>
+  <p:clrMapOvr>
+    <a:masterClrMapping/>
+  </p:clrMapOvr>
+</p:notes>
+</file>
+
+<file path=ppt/notesSlides/notesSlide2.xml><?xml version="1.0" encoding="utf-8"?>
+<p:notes xmlns:a="http://schemas.openxmlformats.org/drawingml/2006/main" xmlns:r="http://schemas.openxmlformats.org/officeDocument/2006/relationships" xmlns:p="http://schemas.openxmlformats.org/presentationml/2006/main">
+  <p:cSld>
+    <p:spTree>
+      <p:nvGrpSpPr>
+        <p:cNvPr id="1" name=""/>
+        <p:cNvGrpSpPr/>
+        <p:nvPr/>
+      </p:nvGrpSpPr>
+      <p:grpSpPr>
+        <a:xfrm>
+          <a:off x="0" y="0"/>
+          <a:ext cx="0" cy="0"/>
+          <a:chOff x="0" y="0"/>
+          <a:chExt cx="0" cy="0"/>
+        </a:xfrm>
+      </p:grpSpPr>
+      <p:sp>
+        <p:nvSpPr>
+          <p:cNvPr id="2" name="슬라이드 이미지 개체 틀 1"/>
+          <p:cNvSpPr>
+            <a:spLocks noGrp="1" noRot="1" noChangeAspect="1"/>
+          </p:cNvSpPr>
+          <p:nvPr>
+            <p:ph type="sldImg"/>
+          </p:nvPr>
+        </p:nvSpPr>
+        <p:spPr/>
+      </p:sp>
+      <p:sp>
+        <p:nvSpPr>
+          <p:cNvPr id="3" name="슬라이드 노트 개체 틀 2"/>
+          <p:cNvSpPr>
+            <a:spLocks noGrp="1"/>
+          </p:cNvSpPr>
+          <p:nvPr>
+            <p:ph type="body" idx="1"/>
+          </p:nvPr>
+        </p:nvSpPr>
+        <p:spPr/>
+        <p:txBody>
+          <a:bodyPr/>
+          <a:lstStyle/>
+          <a:p>
+            <a:r>
+              <a:rPr lang="en-US" altLang="ko-KR" sz="1200" b="0" i="0" kern="1200" dirty="0" smtClean="0">
                 <a:solidFill>
                   <a:schemeClr val="tx1"/>
                 </a:solidFill>
@@ -525,10 +629,12 @@
                 <a:ea typeface="+mn-ea"/>
                 <a:cs typeface="+mn-cs"/>
               </a:rPr>
-              <a:t>Vue</a:t>
-            </a:r>
-            <a:r>
-              <a:rPr lang="en-US" altLang="ko-KR" sz="1200" b="0" i="0" kern="1200" dirty="0" smtClean="0">
+              <a:t>Mocha allows you to use any assertion library you wish.</a:t>
+            </a:r>
+          </a:p>
+          <a:p>
+            <a:r>
+              <a:rPr lang="en-US" altLang="ko-KR" sz="1200" b="1" i="0" kern="1200" dirty="0" smtClean="0">
                 <a:solidFill>
                   <a:schemeClr val="tx1"/>
                 </a:solidFill>
@@ -537,10 +643,10 @@
                 <a:ea typeface="+mn-ea"/>
                 <a:cs typeface="+mn-cs"/>
               </a:rPr>
-              <a:t> </a:t>
-            </a:r>
-            <a:r>
-              <a:rPr lang="ko-KR" altLang="en-US" sz="1200" b="0" i="0" kern="1200" dirty="0" smtClean="0">
+              <a:t>https://</a:t>
+            </a:r>
+            <a:r>
+              <a:rPr lang="en-US" altLang="ko-KR" sz="1200" b="1" i="0" kern="1200" dirty="0" err="1" smtClean="0">
                 <a:solidFill>
                   <a:schemeClr val="tx1"/>
                 </a:solidFill>
@@ -549,14 +655,10 @@
                 <a:ea typeface="+mn-ea"/>
                 <a:cs typeface="+mn-cs"/>
               </a:rPr>
-              <a:t>인스턴스가 인스턴스화 할 때 </a:t>
-            </a:r>
-            <a:r>
-              <a:rPr lang="en-US" altLang="ko-KR" dirty="0" smtClean="0"/>
-              <a:t>el</a:t>
-            </a:r>
-            <a:r>
-              <a:rPr lang="ko-KR" altLang="en-US" sz="1200" b="0" i="0" kern="1200" dirty="0" smtClean="0">
+              <a:t>mochajs.org</a:t>
+            </a:r>
+            <a:r>
+              <a:rPr lang="en-US" altLang="ko-KR" sz="1200" b="1" i="0" kern="1200" dirty="0" smtClean="0">
                 <a:solidFill>
                   <a:schemeClr val="tx1"/>
                 </a:solidFill>
@@ -565,10 +667,23 @@
                 <a:ea typeface="+mn-ea"/>
                 <a:cs typeface="+mn-cs"/>
               </a:rPr>
-              <a:t> 옵션이 없으면 연결된 </a:t>
-            </a:r>
-            <a:r>
-              <a:rPr lang="en-US" altLang="ko-KR" sz="1200" b="0" i="0" kern="1200" dirty="0" smtClean="0">
+              <a:t>/</a:t>
+            </a:r>
+          </a:p>
+          <a:p>
+            <a:endParaRPr lang="en-US" altLang="ko-KR" sz="1200" b="1" i="0" kern="1200" dirty="0" smtClean="0">
+              <a:solidFill>
+                <a:schemeClr val="tx1"/>
+              </a:solidFill>
+              <a:effectLst/>
+              <a:latin typeface="+mn-lt"/>
+              <a:ea typeface="+mn-ea"/>
+              <a:cs typeface="+mn-cs"/>
+            </a:endParaRPr>
+          </a:p>
+          <a:p>
+            <a:r>
+              <a:rPr lang="en-US" altLang="ko-KR" sz="1200" b="1" i="0" kern="1200" dirty="0" smtClean="0">
                 <a:solidFill>
                   <a:schemeClr val="tx1"/>
                 </a:solidFill>
@@ -577,10 +692,12 @@
                 <a:ea typeface="+mn-ea"/>
                 <a:cs typeface="+mn-cs"/>
               </a:rPr>
-              <a:t>DOM </a:t>
-            </a:r>
-            <a:r>
-              <a:rPr lang="ko-KR" altLang="en-US" sz="1200" b="0" i="0" kern="1200" dirty="0" smtClean="0">
+              <a:t>&lt;assertion&gt;</a:t>
+            </a:r>
+          </a:p>
+          <a:p>
+            <a:r>
+              <a:rPr lang="en-US" altLang="ko-KR" sz="1200" b="1" i="0" kern="1200" dirty="0" err="1" smtClean="0">
                 <a:solidFill>
                   <a:schemeClr val="tx1"/>
                 </a:solidFill>
@@ -589,10 +706,10 @@
                 <a:ea typeface="+mn-ea"/>
                 <a:cs typeface="+mn-cs"/>
               </a:rPr>
-              <a:t>엘리먼트 없이 “</a:t>
-            </a:r>
-            <a:r>
-              <a:rPr lang="en-US" altLang="ko-KR" sz="1200" b="0" i="0" kern="1200" dirty="0" smtClean="0">
+              <a:t>Sinon</a:t>
+            </a:r>
+            <a:r>
+              <a:rPr lang="en-US" altLang="ko-KR" sz="1200" b="1" i="0" kern="1200" dirty="0" smtClean="0">
                 <a:solidFill>
                   <a:schemeClr val="tx1"/>
                 </a:solidFill>
@@ -601,10 +718,10 @@
                 <a:ea typeface="+mn-ea"/>
                 <a:cs typeface="+mn-cs"/>
               </a:rPr>
-              <a:t>unmounted” </a:t>
-            </a:r>
-            <a:r>
-              <a:rPr lang="ko-KR" altLang="en-US" sz="1200" b="0" i="0" kern="1200" dirty="0" smtClean="0">
+              <a:t>–Chai</a:t>
+            </a:r>
+            <a:r>
+              <a:rPr lang="en-US" altLang="ko-KR" sz="1200" b="0" i="0" kern="1200" dirty="0" smtClean="0">
                 <a:solidFill>
                   <a:schemeClr val="tx1"/>
                 </a:solidFill>
@@ -613,7 +730,383 @@
                 <a:ea typeface="+mn-ea"/>
                 <a:cs typeface="+mn-cs"/>
               </a:rPr>
-              <a:t>상태가 됩니다</a:t>
+              <a:t> provides a set of custom assertions for using the </a:t>
+            </a:r>
+            <a:r>
+              <a:rPr lang="en-US" altLang="ko-KR" sz="1200" b="0" i="0" u="none" strike="noStrike" kern="1200" dirty="0" smtClean="0">
+                <a:solidFill>
+                  <a:schemeClr val="tx1"/>
+                </a:solidFill>
+                <a:effectLst/>
+                <a:latin typeface="+mn-lt"/>
+                <a:ea typeface="+mn-ea"/>
+                <a:cs typeface="+mn-cs"/>
+                <a:hlinkClick r:id="rId3"/>
+              </a:rPr>
+              <a:t>Sinon.JS</a:t>
+            </a:r>
+            <a:r>
+              <a:rPr lang="en-US" altLang="ko-KR" sz="1200" b="0" i="0" kern="1200" dirty="0" smtClean="0">
+                <a:solidFill>
+                  <a:schemeClr val="tx1"/>
+                </a:solidFill>
+                <a:effectLst/>
+                <a:latin typeface="+mn-lt"/>
+                <a:ea typeface="+mn-ea"/>
+                <a:cs typeface="+mn-cs"/>
+              </a:rPr>
+              <a:t> spy, stub, and mocking framework with the </a:t>
+            </a:r>
+            <a:r>
+              <a:rPr lang="en-US" altLang="ko-KR" sz="1200" b="0" i="0" u="none" strike="noStrike" kern="1200" dirty="0" smtClean="0">
+                <a:solidFill>
+                  <a:schemeClr val="tx1"/>
+                </a:solidFill>
+                <a:effectLst/>
+                <a:latin typeface="+mn-lt"/>
+                <a:ea typeface="+mn-ea"/>
+                <a:cs typeface="+mn-cs"/>
+                <a:hlinkClick r:id="rId4"/>
+              </a:rPr>
+              <a:t>Chai</a:t>
+            </a:r>
+            <a:r>
+              <a:rPr lang="en-US" altLang="ko-KR" sz="1200" b="0" i="0" kern="1200" dirty="0" smtClean="0">
+                <a:solidFill>
+                  <a:schemeClr val="tx1"/>
+                </a:solidFill>
+                <a:effectLst/>
+                <a:latin typeface="+mn-lt"/>
+                <a:ea typeface="+mn-ea"/>
+                <a:cs typeface="+mn-cs"/>
+              </a:rPr>
+              <a:t> assertion library. You get all the benefits of Chai with all the powerful tools of </a:t>
+            </a:r>
+            <a:r>
+              <a:rPr lang="en-US" altLang="ko-KR" sz="1200" b="0" i="0" kern="1200" dirty="0" err="1" smtClean="0">
+                <a:solidFill>
+                  <a:schemeClr val="tx1"/>
+                </a:solidFill>
+                <a:effectLst/>
+                <a:latin typeface="+mn-lt"/>
+                <a:ea typeface="+mn-ea"/>
+                <a:cs typeface="+mn-cs"/>
+              </a:rPr>
+              <a:t>Sinon.JS</a:t>
+            </a:r>
+            <a:r>
+              <a:rPr lang="en-US" altLang="ko-KR" sz="1200" b="0" i="0" kern="1200" dirty="0" smtClean="0">
+                <a:solidFill>
+                  <a:schemeClr val="tx1"/>
+                </a:solidFill>
+                <a:effectLst/>
+                <a:latin typeface="+mn-lt"/>
+                <a:ea typeface="+mn-ea"/>
+                <a:cs typeface="+mn-cs"/>
+              </a:rPr>
+              <a:t>.</a:t>
+            </a:r>
+          </a:p>
+          <a:p>
+            <a:endParaRPr kumimoji="1" lang="en-US" altLang="ko-KR" sz="1200" b="0" i="0" kern="1200" dirty="0" smtClean="0">
+              <a:solidFill>
+                <a:schemeClr val="tx1"/>
+              </a:solidFill>
+              <a:effectLst/>
+              <a:latin typeface="+mn-lt"/>
+              <a:ea typeface="+mn-ea"/>
+              <a:cs typeface="+mn-cs"/>
+            </a:endParaRPr>
+          </a:p>
+          <a:p>
+            <a:endParaRPr kumimoji="1" lang="ko-KR" altLang="en-US" dirty="0"/>
+          </a:p>
+        </p:txBody>
+      </p:sp>
+      <p:sp>
+        <p:nvSpPr>
+          <p:cNvPr id="4" name="슬라이드 번호 개체 틀 3"/>
+          <p:cNvSpPr>
+            <a:spLocks noGrp="1"/>
+          </p:cNvSpPr>
+          <p:nvPr>
+            <p:ph type="sldNum" sz="quarter" idx="10"/>
+          </p:nvPr>
+        </p:nvSpPr>
+        <p:spPr/>
+        <p:txBody>
+          <a:bodyPr/>
+          <a:lstStyle/>
+          <a:p>
+            <a:fld id="{7B1CBF1E-85A7-D14A-8463-C069D63C92B8}" type="slidenum">
+              <a:rPr kumimoji="1" lang="ko-KR" altLang="en-US" smtClean="0"/>
+              <a:t>5</a:t>
+            </a:fld>
+            <a:endParaRPr kumimoji="1" lang="ko-KR" altLang="en-US"/>
+          </a:p>
+        </p:txBody>
+      </p:sp>
+    </p:spTree>
+    <p:extLst>
+      <p:ext uri="{BB962C8B-B14F-4D97-AF65-F5344CB8AC3E}">
+        <p14:creationId xmlns:p14="http://schemas.microsoft.com/office/powerpoint/2010/main" val="1116395314"/>
+      </p:ext>
+    </p:extLst>
+  </p:cSld>
+  <p:clrMapOvr>
+    <a:masterClrMapping/>
+  </p:clrMapOvr>
+</p:notes>
+</file>
+
+<file path=ppt/notesSlides/notesSlide3.xml><?xml version="1.0" encoding="utf-8"?>
+<p:notes xmlns:a="http://schemas.openxmlformats.org/drawingml/2006/main" xmlns:r="http://schemas.openxmlformats.org/officeDocument/2006/relationships" xmlns:p="http://schemas.openxmlformats.org/presentationml/2006/main">
+  <p:cSld>
+    <p:spTree>
+      <p:nvGrpSpPr>
+        <p:cNvPr id="1" name=""/>
+        <p:cNvGrpSpPr/>
+        <p:nvPr/>
+      </p:nvGrpSpPr>
+      <p:grpSpPr>
+        <a:xfrm>
+          <a:off x="0" y="0"/>
+          <a:ext cx="0" cy="0"/>
+          <a:chOff x="0" y="0"/>
+          <a:chExt cx="0" cy="0"/>
+        </a:xfrm>
+      </p:grpSpPr>
+      <p:sp>
+        <p:nvSpPr>
+          <p:cNvPr id="2" name="슬라이드 이미지 개체 틀 1"/>
+          <p:cNvSpPr>
+            <a:spLocks noGrp="1" noRot="1" noChangeAspect="1"/>
+          </p:cNvSpPr>
+          <p:nvPr>
+            <p:ph type="sldImg"/>
+          </p:nvPr>
+        </p:nvSpPr>
+        <p:spPr/>
+      </p:sp>
+      <p:sp>
+        <p:nvSpPr>
+          <p:cNvPr id="3" name="슬라이드 노트 개체 틀 2"/>
+          <p:cNvSpPr>
+            <a:spLocks noGrp="1"/>
+          </p:cNvSpPr>
+          <p:nvPr>
+            <p:ph type="body" idx="1"/>
+          </p:nvPr>
+        </p:nvSpPr>
+        <p:spPr/>
+        <p:txBody>
+          <a:bodyPr/>
+          <a:lstStyle/>
+          <a:p>
+            <a:r>
+              <a:rPr lang="en-US" altLang="ko-KR" sz="1200" b="0" i="0" kern="1200" dirty="0" smtClean="0">
+                <a:solidFill>
+                  <a:schemeClr val="tx1"/>
+                </a:solidFill>
+                <a:effectLst/>
+                <a:latin typeface="+mn-lt"/>
+                <a:ea typeface="+mn-ea"/>
+                <a:cs typeface="+mn-cs"/>
+              </a:rPr>
+              <a:t>Chai - expect(), assert() and should-style assertions</a:t>
+            </a:r>
+          </a:p>
+          <a:p>
+            <a:r>
+              <a:rPr lang="en-US" altLang="ko-KR" dirty="0" smtClean="0"/>
+              <a:t/>
+            </a:r>
+            <a:br>
+              <a:rPr lang="en-US" altLang="ko-KR" dirty="0" smtClean="0"/>
+            </a:br>
+            <a:endParaRPr kumimoji="1" lang="ko-KR" altLang="en-US" dirty="0"/>
+          </a:p>
+        </p:txBody>
+      </p:sp>
+      <p:sp>
+        <p:nvSpPr>
+          <p:cNvPr id="4" name="슬라이드 번호 개체 틀 3"/>
+          <p:cNvSpPr>
+            <a:spLocks noGrp="1"/>
+          </p:cNvSpPr>
+          <p:nvPr>
+            <p:ph type="sldNum" sz="quarter" idx="10"/>
+          </p:nvPr>
+        </p:nvSpPr>
+        <p:spPr/>
+        <p:txBody>
+          <a:bodyPr/>
+          <a:lstStyle/>
+          <a:p>
+            <a:fld id="{7B1CBF1E-85A7-D14A-8463-C069D63C92B8}" type="slidenum">
+              <a:rPr kumimoji="1" lang="ko-KR" altLang="en-US" smtClean="0"/>
+              <a:t>11</a:t>
+            </a:fld>
+            <a:endParaRPr kumimoji="1" lang="ko-KR" altLang="en-US"/>
+          </a:p>
+        </p:txBody>
+      </p:sp>
+    </p:spTree>
+    <p:extLst>
+      <p:ext uri="{BB962C8B-B14F-4D97-AF65-F5344CB8AC3E}">
+        <p14:creationId xmlns:p14="http://schemas.microsoft.com/office/powerpoint/2010/main" val="1993594316"/>
+      </p:ext>
+    </p:extLst>
+  </p:cSld>
+  <p:clrMapOvr>
+    <a:masterClrMapping/>
+  </p:clrMapOvr>
+</p:notes>
+</file>
+
+<file path=ppt/notesSlides/notesSlide4.xml><?xml version="1.0" encoding="utf-8"?>
+<p:notes xmlns:a="http://schemas.openxmlformats.org/drawingml/2006/main" xmlns:r="http://schemas.openxmlformats.org/officeDocument/2006/relationships" xmlns:p="http://schemas.openxmlformats.org/presentationml/2006/main">
+  <p:cSld>
+    <p:spTree>
+      <p:nvGrpSpPr>
+        <p:cNvPr id="1" name=""/>
+        <p:cNvGrpSpPr/>
+        <p:nvPr/>
+      </p:nvGrpSpPr>
+      <p:grpSpPr>
+        <a:xfrm>
+          <a:off x="0" y="0"/>
+          <a:ext cx="0" cy="0"/>
+          <a:chOff x="0" y="0"/>
+          <a:chExt cx="0" cy="0"/>
+        </a:xfrm>
+      </p:grpSpPr>
+      <p:sp>
+        <p:nvSpPr>
+          <p:cNvPr id="2" name="슬라이드 이미지 개체 틀 1"/>
+          <p:cNvSpPr>
+            <a:spLocks noGrp="1" noRot="1" noChangeAspect="1"/>
+          </p:cNvSpPr>
+          <p:nvPr>
+            <p:ph type="sldImg"/>
+          </p:nvPr>
+        </p:nvSpPr>
+        <p:spPr/>
+      </p:sp>
+      <p:sp>
+        <p:nvSpPr>
+          <p:cNvPr id="3" name="슬라이드 노트 개체 틀 2"/>
+          <p:cNvSpPr>
+            <a:spLocks noGrp="1"/>
+          </p:cNvSpPr>
+          <p:nvPr>
+            <p:ph type="body" idx="1"/>
+          </p:nvPr>
+        </p:nvSpPr>
+        <p:spPr/>
+        <p:txBody>
+          <a:bodyPr/>
+          <a:lstStyle/>
+          <a:p>
+            <a:r>
+              <a:rPr lang="en-US" altLang="ko-KR" sz="1200" b="0" i="0" kern="1200" dirty="0" err="1" smtClean="0">
+                <a:solidFill>
+                  <a:schemeClr val="tx1"/>
+                </a:solidFill>
+                <a:effectLst/>
+                <a:latin typeface="+mn-lt"/>
+                <a:ea typeface="+mn-ea"/>
+                <a:cs typeface="+mn-cs"/>
+              </a:rPr>
+              <a:t>Vue</a:t>
+            </a:r>
+            <a:r>
+              <a:rPr lang="en-US" altLang="ko-KR" sz="1200" b="0" i="0" kern="1200" dirty="0" smtClean="0">
+                <a:solidFill>
+                  <a:schemeClr val="tx1"/>
+                </a:solidFill>
+                <a:effectLst/>
+                <a:latin typeface="+mn-lt"/>
+                <a:ea typeface="+mn-ea"/>
+                <a:cs typeface="+mn-cs"/>
+              </a:rPr>
+              <a:t> </a:t>
+            </a:r>
+            <a:r>
+              <a:rPr lang="ko-KR" altLang="en-US" sz="1200" b="0" i="0" kern="1200" dirty="0" smtClean="0">
+                <a:solidFill>
+                  <a:schemeClr val="tx1"/>
+                </a:solidFill>
+                <a:effectLst/>
+                <a:latin typeface="+mn-lt"/>
+                <a:ea typeface="+mn-ea"/>
+                <a:cs typeface="+mn-cs"/>
+              </a:rPr>
+              <a:t>인스턴스가 인스턴스화 할 때 </a:t>
+            </a:r>
+            <a:r>
+              <a:rPr lang="en-US" altLang="ko-KR" dirty="0" smtClean="0"/>
+              <a:t>el</a:t>
+            </a:r>
+            <a:r>
+              <a:rPr lang="ko-KR" altLang="en-US" sz="1200" b="0" i="0" kern="1200" dirty="0" smtClean="0">
+                <a:solidFill>
+                  <a:schemeClr val="tx1"/>
+                </a:solidFill>
+                <a:effectLst/>
+                <a:latin typeface="+mn-lt"/>
+                <a:ea typeface="+mn-ea"/>
+                <a:cs typeface="+mn-cs"/>
+              </a:rPr>
+              <a:t> 옵션이 없으면 연결된 </a:t>
+            </a:r>
+            <a:r>
+              <a:rPr lang="en-US" altLang="ko-KR" sz="1200" b="0" i="0" kern="1200" dirty="0" smtClean="0">
+                <a:solidFill>
+                  <a:schemeClr val="tx1"/>
+                </a:solidFill>
+                <a:effectLst/>
+                <a:latin typeface="+mn-lt"/>
+                <a:ea typeface="+mn-ea"/>
+                <a:cs typeface="+mn-cs"/>
+              </a:rPr>
+              <a:t>DOM </a:t>
+            </a:r>
+            <a:r>
+              <a:rPr lang="ko-KR" altLang="en-US" sz="1200" b="0" i="0" kern="1200" dirty="0" smtClean="0">
+                <a:solidFill>
+                  <a:schemeClr val="tx1"/>
+                </a:solidFill>
+                <a:effectLst/>
+                <a:latin typeface="+mn-lt"/>
+                <a:ea typeface="+mn-ea"/>
+                <a:cs typeface="+mn-cs"/>
+              </a:rPr>
+              <a:t>엘리먼트 없이 “</a:t>
+            </a:r>
+            <a:r>
+              <a:rPr lang="en-US" altLang="ko-KR" sz="1200" b="0" i="0" kern="1200" dirty="0" smtClean="0">
+                <a:solidFill>
+                  <a:schemeClr val="tx1"/>
+                </a:solidFill>
+                <a:effectLst/>
+                <a:latin typeface="+mn-lt"/>
+                <a:ea typeface="+mn-ea"/>
+                <a:cs typeface="+mn-cs"/>
+              </a:rPr>
+              <a:t>unmounted” </a:t>
+            </a:r>
+            <a:r>
+              <a:rPr lang="ko-KR" altLang="en-US" sz="1200" b="0" i="0" kern="1200" dirty="0" smtClean="0">
+                <a:solidFill>
+                  <a:schemeClr val="tx1"/>
+                </a:solidFill>
+                <a:effectLst/>
+                <a:latin typeface="+mn-lt"/>
+                <a:ea typeface="+mn-ea"/>
+                <a:cs typeface="+mn-cs"/>
+              </a:rPr>
+              <a:t>상태가 됨</a:t>
             </a:r>
             <a:r>
               <a:rPr lang="en-US" altLang="ko-KR" sz="1200" b="0" i="0" kern="1200" dirty="0" smtClean="0">
@@ -4351,12 +4844,8 @@
           <a:lstStyle/>
           <a:p>
             <a:r>
-              <a:rPr kumimoji="1" lang="en-US" altLang="ko-KR" dirty="0"/>
-              <a:t>G</a:t>
-            </a:r>
-            <a:r>
               <a:rPr kumimoji="1" lang="en-US" altLang="ko-KR" dirty="0" smtClean="0"/>
-              <a:t>rammar</a:t>
+              <a:t>Grammar - chai</a:t>
             </a:r>
             <a:endParaRPr kumimoji="1" lang="ko-KR" altLang="en-US" dirty="0"/>
           </a:p>
@@ -4459,7 +4948,7 @@
             </a:r>
             <a:r>
               <a:rPr lang="en-US" altLang="ko-KR" dirty="0" smtClean="0"/>
-              <a:t>’matcher’</a:t>
+              <a:t>chain</a:t>
             </a:r>
             <a:r>
               <a:rPr lang="ko-KR" altLang="en-US" dirty="0" smtClean="0"/>
@@ -4499,7 +4988,7 @@
             </a:r>
             <a:r>
               <a:rPr lang="en-US" altLang="ko-KR" dirty="0" smtClean="0"/>
-              <a:t> to Jasmine</a:t>
+              <a:t> to mocha</a:t>
             </a:r>
           </a:p>
           <a:p>
@@ -4619,7 +5108,7 @@
                 </a:solidFill>
                 <a:effectLst/>
               </a:rPr>
-              <a:t>toEqual</a:t>
+              <a:t>to.equal</a:t>
             </a:r>
             <a:r>
               <a:rPr lang="en-US" altLang="ko-KR" sz="1600" dirty="0" smtClean="0">
@@ -4692,7 +5181,7 @@
                 </a:solidFill>
                 <a:effectLst/>
               </a:rPr>
-              <a:t>toBe</a:t>
+              <a:t>to.be</a:t>
             </a:r>
             <a:r>
               <a:rPr lang="en-US" altLang="ko-KR" sz="1600" dirty="0" smtClean="0">
@@ -4763,7 +5252,7 @@
                 </a:solidFill>
                 <a:effectLst/>
               </a:rPr>
-              <a:t>not.toBe</a:t>
+              <a:t>to.not.be</a:t>
             </a:r>
             <a:r>
               <a:rPr lang="en-US" altLang="ko-KR" sz="1600" dirty="0" smtClean="0">
@@ -4899,7 +5388,7 @@
                 </a:solidFill>
                 <a:effectLst/>
               </a:rPr>
-              <a:t>toMatch</a:t>
+              <a:t>to.match</a:t>
             </a:r>
             <a:r>
               <a:rPr lang="en-US" altLang="ko-KR" sz="1600" dirty="0" smtClean="0">
@@ -4946,7 +5435,7 @@
                 </a:solidFill>
                 <a:effectLst/>
               </a:rPr>
-              <a:t>toMatch</a:t>
+              <a:t>to.match</a:t>
             </a:r>
             <a:r>
               <a:rPr lang="en-US" altLang="ko-KR" sz="1600" dirty="0" smtClean="0">
@@ -4989,13 +5478,13 @@
               <a:t>expect(message).</a:t>
             </a:r>
             <a:r>
-              <a:rPr lang="en-US" altLang="ko-KR" sz="1600" dirty="0" err="1" smtClean="0">
+              <a:rPr lang="en-US" altLang="ko-KR" sz="1600" smtClean="0">
                 <a:solidFill>
                   <a:srgbClr val="93A1A1"/>
                 </a:solidFill>
                 <a:effectLst/>
               </a:rPr>
-              <a:t>not.toMatch</a:t>
+              <a:t>to.not.match</a:t>
             </a:r>
             <a:r>
               <a:rPr lang="en-US" altLang="ko-KR" sz="1600" dirty="0" smtClean="0">
@@ -5080,7 +5569,7 @@
         <p:spPr>
           <a:xfrm>
             <a:off x="7586616" y="4874904"/>
-            <a:ext cx="2520242" cy="369332"/>
+            <a:ext cx="2159566" cy="369332"/>
           </a:xfrm>
           <a:prstGeom prst="rect">
             <a:avLst/>
@@ -5094,9 +5583,9 @@
           <a:p>
             <a:r>
               <a:rPr lang="en-US" altLang="ko-KR" dirty="0" smtClean="0">
-                <a:hlinkClick r:id="rId2"/>
-              </a:rPr>
-              <a:t>Jasmine grammar</a:t>
+                <a:hlinkClick r:id="rId3"/>
+              </a:rPr>
+              <a:t>Chai grammar</a:t>
             </a:r>
             <a:r>
               <a:rPr lang="en-US" altLang="ko-KR" dirty="0" smtClean="0"/>
@@ -6673,7 +7162,7 @@
           </p:nvPr>
         </p:nvPicPr>
         <p:blipFill>
-          <a:blip r:embed="rId2"/>
+          <a:blip r:embed="rId3"/>
           <a:stretch>
             <a:fillRect/>
           </a:stretch>
@@ -6697,7 +7186,7 @@
           <p:nvPr/>
         </p:nvPicPr>
         <p:blipFill>
-          <a:blip r:embed="rId3"/>
+          <a:blip r:embed="rId4"/>
           <a:stretch>
             <a:fillRect/>
           </a:stretch>
@@ -6721,7 +7210,7 @@
           <p:nvPr/>
         </p:nvPicPr>
         <p:blipFill>
-          <a:blip r:embed="rId4"/>
+          <a:blip r:embed="rId5"/>
           <a:stretch>
             <a:fillRect/>
           </a:stretch>
@@ -6745,7 +7234,7 @@
           <p:nvPr/>
         </p:nvPicPr>
         <p:blipFill>
-          <a:blip r:embed="rId5"/>
+          <a:blip r:embed="rId6"/>
           <a:stretch>
             <a:fillRect/>
           </a:stretch>
@@ -6769,7 +7258,7 @@
           <p:nvPr/>
         </p:nvPicPr>
         <p:blipFill>
-          <a:blip r:embed="rId6"/>
+          <a:blip r:embed="rId7"/>
           <a:stretch>
             <a:fillRect/>
           </a:stretch>
@@ -6798,6 +7287,83 @@
 </file>
 
 <file path=ppt/slides/slide3.xml><?xml version="1.0" encoding="utf-8"?>
+<p:sld xmlns:a="http://schemas.openxmlformats.org/drawingml/2006/main" xmlns:r="http://schemas.openxmlformats.org/officeDocument/2006/relationships" xmlns:p="http://schemas.openxmlformats.org/presentationml/2006/main">
+  <p:cSld>
+    <p:spTree>
+      <p:nvGrpSpPr>
+        <p:cNvPr id="1" name=""/>
+        <p:cNvGrpSpPr/>
+        <p:nvPr/>
+      </p:nvGrpSpPr>
+      <p:grpSpPr>
+        <a:xfrm>
+          <a:off x="0" y="0"/>
+          <a:ext cx="0" cy="0"/>
+          <a:chOff x="0" y="0"/>
+          <a:chExt cx="0" cy="0"/>
+        </a:xfrm>
+      </p:grpSpPr>
+      <p:sp>
+        <p:nvSpPr>
+          <p:cNvPr id="2" name="제목 1"/>
+          <p:cNvSpPr>
+            <a:spLocks noGrp="1"/>
+          </p:cNvSpPr>
+          <p:nvPr>
+            <p:ph type="title"/>
+          </p:nvPr>
+        </p:nvSpPr>
+        <p:spPr/>
+        <p:txBody>
+          <a:bodyPr/>
+          <a:lstStyle/>
+          <a:p>
+            <a:r>
+              <a:rPr kumimoji="1" lang="en-US" altLang="ko-KR" dirty="0" smtClean="0"/>
+              <a:t>Test folder structure</a:t>
+            </a:r>
+            <a:endParaRPr kumimoji="1" lang="ko-KR" altLang="en-US" dirty="0"/>
+          </a:p>
+        </p:txBody>
+      </p:sp>
+      <p:pic>
+        <p:nvPicPr>
+          <p:cNvPr id="4" name="그림 3"/>
+          <p:cNvPicPr>
+            <a:picLocks noChangeAspect="1"/>
+          </p:cNvPicPr>
+          <p:nvPr/>
+        </p:nvPicPr>
+        <p:blipFill>
+          <a:blip r:embed="rId2"/>
+          <a:stretch>
+            <a:fillRect/>
+          </a:stretch>
+        </p:blipFill>
+        <p:spPr>
+          <a:xfrm>
+            <a:off x="969736" y="1965778"/>
+            <a:ext cx="3263900" cy="3035300"/>
+          </a:xfrm>
+          <a:prstGeom prst="rect">
+            <a:avLst/>
+          </a:prstGeom>
+        </p:spPr>
+      </p:pic>
+    </p:spTree>
+    <p:extLst>
+      <p:ext uri="{BB962C8B-B14F-4D97-AF65-F5344CB8AC3E}">
+        <p14:creationId xmlns:p14="http://schemas.microsoft.com/office/powerpoint/2010/main" val="1458681984"/>
+      </p:ext>
+    </p:extLst>
+  </p:cSld>
+  <p:clrMapOvr>
+    <a:masterClrMapping/>
+  </p:clrMapOvr>
+</p:sld>
+</file>
+
+<file path=ppt/slides/slide4.xml><?xml version="1.0" encoding="utf-8"?>
 <p:sld xmlns:a="http://schemas.openxmlformats.org/drawingml/2006/main" xmlns:r="http://schemas.openxmlformats.org/officeDocument/2006/relationships" xmlns:p="http://schemas.openxmlformats.org/presentationml/2006/main">
   <p:cSld>
     <p:spTree>
@@ -6950,83 +7516,6 @@
 </p:sld>
 </file>
 
-<file path=ppt/slides/slide4.xml><?xml version="1.0" encoding="utf-8"?>
-<p:sld xmlns:a="http://schemas.openxmlformats.org/drawingml/2006/main" xmlns:r="http://schemas.openxmlformats.org/officeDocument/2006/relationships" xmlns:p="http://schemas.openxmlformats.org/presentationml/2006/main">
-  <p:cSld>
-    <p:spTree>
-      <p:nvGrpSpPr>
-        <p:cNvPr id="1" name=""/>
-        <p:cNvGrpSpPr/>
-        <p:nvPr/>
-      </p:nvGrpSpPr>
-      <p:grpSpPr>
-        <a:xfrm>
-          <a:off x="0" y="0"/>
-          <a:ext cx="0" cy="0"/>
-          <a:chOff x="0" y="0"/>
-          <a:chExt cx="0" cy="0"/>
-        </a:xfrm>
-      </p:grpSpPr>
-      <p:sp>
-        <p:nvSpPr>
-          <p:cNvPr id="2" name="제목 1"/>
-          <p:cNvSpPr>
-            <a:spLocks noGrp="1"/>
-          </p:cNvSpPr>
-          <p:nvPr>
-            <p:ph type="title"/>
-          </p:nvPr>
-        </p:nvSpPr>
-        <p:spPr/>
-        <p:txBody>
-          <a:bodyPr/>
-          <a:lstStyle/>
-          <a:p>
-            <a:r>
-              <a:rPr kumimoji="1" lang="en-US" altLang="ko-KR" dirty="0" smtClean="0"/>
-              <a:t>Unit Test Result</a:t>
-            </a:r>
-            <a:endParaRPr kumimoji="1" lang="ko-KR" altLang="en-US" dirty="0"/>
-          </a:p>
-        </p:txBody>
-      </p:sp>
-      <p:pic>
-        <p:nvPicPr>
-          <p:cNvPr id="4" name="그림 3"/>
-          <p:cNvPicPr>
-            <a:picLocks noChangeAspect="1"/>
-          </p:cNvPicPr>
-          <p:nvPr/>
-        </p:nvPicPr>
-        <p:blipFill>
-          <a:blip r:embed="rId2"/>
-          <a:stretch>
-            <a:fillRect/>
-          </a:stretch>
-        </p:blipFill>
-        <p:spPr>
-          <a:xfrm>
-            <a:off x="0" y="2000811"/>
-            <a:ext cx="12192000" cy="3792550"/>
-          </a:xfrm>
-          <a:prstGeom prst="rect">
-            <a:avLst/>
-          </a:prstGeom>
-        </p:spPr>
-      </p:pic>
-    </p:spTree>
-    <p:extLst>
-      <p:ext uri="{BB962C8B-B14F-4D97-AF65-F5344CB8AC3E}">
-        <p14:creationId xmlns:p14="http://schemas.microsoft.com/office/powerpoint/2010/main" val="520780507"/>
-      </p:ext>
-    </p:extLst>
-  </p:cSld>
-  <p:clrMapOvr>
-    <a:masterClrMapping/>
-  </p:clrMapOvr>
-</p:sld>
-</file>
-
 <file path=ppt/slides/slide5.xml><?xml version="1.0" encoding="utf-8"?>
 <p:sld xmlns:a="http://schemas.openxmlformats.org/drawingml/2006/main" xmlns:r="http://schemas.openxmlformats.org/officeDocument/2006/relationships" xmlns:p="http://schemas.openxmlformats.org/presentationml/2006/main">
   <p:cSld>
@@ -7060,30 +7549,1074 @@
           <a:lstStyle/>
           <a:p>
             <a:r>
-              <a:rPr kumimoji="1" lang="en-US" altLang="ko-KR" dirty="0" smtClean="0"/>
-              <a:t>Test folder structure</a:t>
+              <a:rPr kumimoji="1" lang="en-US" altLang="ko-KR" dirty="0" err="1"/>
+              <a:t>k</a:t>
+            </a:r>
+            <a:r>
+              <a:rPr kumimoji="1" lang="en-US" altLang="ko-KR" dirty="0" err="1" smtClean="0"/>
+              <a:t>arma.conf.js</a:t>
             </a:r>
             <a:endParaRPr kumimoji="1" lang="ko-KR" altLang="en-US" dirty="0"/>
+          </a:p>
+        </p:txBody>
+      </p:sp>
+      <p:sp>
+        <p:nvSpPr>
+          <p:cNvPr id="4" name="직사각형 3"/>
+          <p:cNvSpPr/>
+          <p:nvPr/>
+        </p:nvSpPr>
+        <p:spPr>
+          <a:xfrm>
+            <a:off x="838200" y="1690688"/>
+            <a:ext cx="7267832" cy="4401205"/>
+          </a:xfrm>
+          <a:prstGeom prst="rect">
+            <a:avLst/>
+          </a:prstGeom>
+          <a:solidFill>
+            <a:schemeClr val="tx1"/>
+          </a:solidFill>
+        </p:spPr>
+        <p:txBody>
+          <a:bodyPr wrap="square">
+            <a:spAutoFit/>
+          </a:bodyPr>
+          <a:lstStyle/>
+          <a:p>
+            <a:r>
+              <a:rPr lang="en-US" altLang="ko-KR" sz="1400" b="0" dirty="0" err="1" smtClean="0">
+                <a:solidFill>
+                  <a:srgbClr val="9CDCFE"/>
+                </a:solidFill>
+                <a:effectLst/>
+                <a:latin typeface="Menlo" charset="0"/>
+              </a:rPr>
+              <a:t>config</a:t>
+            </a:r>
+            <a:r>
+              <a:rPr lang="en-US" altLang="ko-KR" sz="1400" b="0" dirty="0" err="1" smtClean="0">
+                <a:solidFill>
+                  <a:srgbClr val="D4D4D4"/>
+                </a:solidFill>
+                <a:effectLst/>
+                <a:latin typeface="Menlo" charset="0"/>
+              </a:rPr>
+              <a:t>.</a:t>
+            </a:r>
+            <a:r>
+              <a:rPr lang="en-US" altLang="ko-KR" sz="1400" b="0" dirty="0" err="1" smtClean="0">
+                <a:solidFill>
+                  <a:srgbClr val="DCDCAA"/>
+                </a:solidFill>
+                <a:effectLst/>
+                <a:latin typeface="Menlo" charset="0"/>
+              </a:rPr>
+              <a:t>set</a:t>
+            </a:r>
+            <a:r>
+              <a:rPr lang="en-US" altLang="ko-KR" sz="1400" b="0" dirty="0" smtClean="0">
+                <a:solidFill>
+                  <a:srgbClr val="D4D4D4"/>
+                </a:solidFill>
+                <a:effectLst/>
+                <a:latin typeface="Menlo" charset="0"/>
+              </a:rPr>
+              <a:t>({</a:t>
+            </a:r>
+          </a:p>
+          <a:p>
+            <a:r>
+              <a:rPr lang="en-US" altLang="ko-KR" sz="1400" b="0" dirty="0" smtClean="0">
+                <a:solidFill>
+                  <a:srgbClr val="9CDCFE"/>
+                </a:solidFill>
+                <a:effectLst/>
+                <a:latin typeface="Menlo" charset="0"/>
+              </a:rPr>
+              <a:t>	browsers:</a:t>
+            </a:r>
+            <a:r>
+              <a:rPr lang="en-US" altLang="ko-KR" sz="1400" b="0" dirty="0" smtClean="0">
+                <a:solidFill>
+                  <a:srgbClr val="D4D4D4"/>
+                </a:solidFill>
+                <a:effectLst/>
+                <a:latin typeface="Menlo" charset="0"/>
+              </a:rPr>
+              <a:t> [</a:t>
+            </a:r>
+            <a:r>
+              <a:rPr lang="en-US" altLang="ko-KR" sz="1400" b="0" dirty="0" smtClean="0">
+                <a:solidFill>
+                  <a:srgbClr val="CE9178"/>
+                </a:solidFill>
+                <a:effectLst/>
+                <a:latin typeface="Menlo" charset="0"/>
+              </a:rPr>
+              <a:t>'</a:t>
+            </a:r>
+            <a:r>
+              <a:rPr lang="en-US" altLang="ko-KR" sz="1400" b="0" dirty="0" err="1" smtClean="0">
+                <a:solidFill>
+                  <a:srgbClr val="CE9178"/>
+                </a:solidFill>
+                <a:effectLst/>
+                <a:latin typeface="Menlo" charset="0"/>
+              </a:rPr>
+              <a:t>PhantomJS</a:t>
+            </a:r>
+            <a:r>
+              <a:rPr lang="en-US" altLang="ko-KR" sz="1400" b="0" dirty="0" smtClean="0">
+                <a:solidFill>
+                  <a:srgbClr val="CE9178"/>
+                </a:solidFill>
+                <a:effectLst/>
+                <a:latin typeface="Menlo" charset="0"/>
+              </a:rPr>
+              <a:t>'</a:t>
+            </a:r>
+            <a:r>
+              <a:rPr lang="en-US" altLang="ko-KR" sz="1400" b="0" dirty="0" smtClean="0">
+                <a:solidFill>
+                  <a:srgbClr val="D4D4D4"/>
+                </a:solidFill>
+                <a:effectLst/>
+                <a:latin typeface="Menlo" charset="0"/>
+              </a:rPr>
+              <a:t>],</a:t>
+            </a:r>
+          </a:p>
+          <a:p>
+            <a:r>
+              <a:rPr lang="en-US" altLang="ko-KR" sz="1400" b="0" dirty="0" smtClean="0">
+                <a:solidFill>
+                  <a:srgbClr val="9CDCFE"/>
+                </a:solidFill>
+                <a:effectLst/>
+                <a:latin typeface="Menlo" charset="0"/>
+              </a:rPr>
+              <a:t>	frameworks:</a:t>
+            </a:r>
+            <a:r>
+              <a:rPr lang="en-US" altLang="ko-KR" sz="1400" b="0" dirty="0" smtClean="0">
+                <a:solidFill>
+                  <a:srgbClr val="D4D4D4"/>
+                </a:solidFill>
+                <a:effectLst/>
+                <a:latin typeface="Menlo" charset="0"/>
+              </a:rPr>
+              <a:t> [</a:t>
+            </a:r>
+            <a:r>
+              <a:rPr lang="en-US" altLang="ko-KR" sz="1400" b="0" dirty="0" smtClean="0">
+                <a:solidFill>
+                  <a:srgbClr val="CE9178"/>
+                </a:solidFill>
+                <a:effectLst/>
+                <a:latin typeface="Menlo" charset="0"/>
+              </a:rPr>
+              <a:t>'mocha'</a:t>
+            </a:r>
+            <a:r>
+              <a:rPr lang="en-US" altLang="ko-KR" sz="1400" b="0" dirty="0" smtClean="0">
+                <a:solidFill>
+                  <a:srgbClr val="D4D4D4"/>
+                </a:solidFill>
+                <a:effectLst/>
+                <a:latin typeface="Menlo" charset="0"/>
+              </a:rPr>
+              <a:t>, </a:t>
+            </a:r>
+            <a:r>
+              <a:rPr lang="en-US" altLang="ko-KR" sz="1400" b="0" dirty="0" smtClean="0">
+                <a:solidFill>
+                  <a:srgbClr val="CE9178"/>
+                </a:solidFill>
+                <a:effectLst/>
+                <a:latin typeface="Menlo" charset="0"/>
+              </a:rPr>
+              <a:t>'</a:t>
+            </a:r>
+            <a:r>
+              <a:rPr lang="en-US" altLang="ko-KR" sz="1400" b="0" dirty="0" err="1" smtClean="0">
+                <a:solidFill>
+                  <a:srgbClr val="CE9178"/>
+                </a:solidFill>
+                <a:effectLst/>
+                <a:latin typeface="Menlo" charset="0"/>
+              </a:rPr>
+              <a:t>sinon</a:t>
+            </a:r>
+            <a:r>
+              <a:rPr lang="en-US" altLang="ko-KR" sz="1400" b="0" dirty="0" smtClean="0">
+                <a:solidFill>
+                  <a:srgbClr val="CE9178"/>
+                </a:solidFill>
+                <a:effectLst/>
+                <a:latin typeface="Menlo" charset="0"/>
+              </a:rPr>
+              <a:t>-chai'</a:t>
+            </a:r>
+            <a:r>
+              <a:rPr lang="en-US" altLang="ko-KR" sz="1400" b="0" dirty="0" smtClean="0">
+                <a:solidFill>
+                  <a:srgbClr val="D4D4D4"/>
+                </a:solidFill>
+                <a:effectLst/>
+                <a:latin typeface="Menlo" charset="0"/>
+              </a:rPr>
+              <a:t>, </a:t>
+            </a:r>
+            <a:r>
+              <a:rPr lang="en-US" altLang="ko-KR" sz="1400" b="0" dirty="0" smtClean="0">
+                <a:solidFill>
+                  <a:srgbClr val="CE9178"/>
+                </a:solidFill>
+                <a:effectLst/>
+                <a:latin typeface="Menlo" charset="0"/>
+              </a:rPr>
+              <a:t>'</a:t>
+            </a:r>
+            <a:r>
+              <a:rPr lang="en-US" altLang="ko-KR" sz="1400" b="0" dirty="0" err="1" smtClean="0">
+                <a:solidFill>
+                  <a:srgbClr val="CE9178"/>
+                </a:solidFill>
+                <a:effectLst/>
+                <a:latin typeface="Menlo" charset="0"/>
+              </a:rPr>
+              <a:t>phantomjs</a:t>
+            </a:r>
+            <a:r>
+              <a:rPr lang="en-US" altLang="ko-KR" sz="1400" b="0" dirty="0" smtClean="0">
+                <a:solidFill>
+                  <a:srgbClr val="CE9178"/>
+                </a:solidFill>
+                <a:effectLst/>
+                <a:latin typeface="Menlo" charset="0"/>
+              </a:rPr>
+              <a:t>-shim'</a:t>
+            </a:r>
+            <a:r>
+              <a:rPr lang="en-US" altLang="ko-KR" sz="1400" b="0" dirty="0" smtClean="0">
+                <a:solidFill>
+                  <a:srgbClr val="D4D4D4"/>
+                </a:solidFill>
+                <a:effectLst/>
+                <a:latin typeface="Menlo" charset="0"/>
+              </a:rPr>
+              <a:t>],</a:t>
+            </a:r>
+          </a:p>
+          <a:p>
+            <a:r>
+              <a:rPr lang="en-US" altLang="ko-KR" sz="1400" b="0" dirty="0" smtClean="0">
+                <a:solidFill>
+                  <a:srgbClr val="9CDCFE"/>
+                </a:solidFill>
+                <a:effectLst/>
+                <a:latin typeface="Menlo" charset="0"/>
+              </a:rPr>
+              <a:t>	reporters:</a:t>
+            </a:r>
+            <a:r>
+              <a:rPr lang="en-US" altLang="ko-KR" sz="1400" b="0" dirty="0" smtClean="0">
+                <a:solidFill>
+                  <a:srgbClr val="D4D4D4"/>
+                </a:solidFill>
+                <a:effectLst/>
+                <a:latin typeface="Menlo" charset="0"/>
+              </a:rPr>
+              <a:t> [</a:t>
+            </a:r>
+            <a:r>
+              <a:rPr lang="en-US" altLang="ko-KR" sz="1400" b="0" dirty="0" smtClean="0">
+                <a:solidFill>
+                  <a:srgbClr val="CE9178"/>
+                </a:solidFill>
+                <a:effectLst/>
+                <a:latin typeface="Menlo" charset="0"/>
+              </a:rPr>
+              <a:t>'spec'</a:t>
+            </a:r>
+            <a:r>
+              <a:rPr lang="en-US" altLang="ko-KR" sz="1400" b="0" dirty="0" smtClean="0">
+                <a:solidFill>
+                  <a:srgbClr val="D4D4D4"/>
+                </a:solidFill>
+                <a:effectLst/>
+                <a:latin typeface="Menlo" charset="0"/>
+              </a:rPr>
+              <a:t>, </a:t>
+            </a:r>
+            <a:r>
+              <a:rPr lang="en-US" altLang="ko-KR" sz="1400" b="0" dirty="0" smtClean="0">
+                <a:solidFill>
+                  <a:srgbClr val="CE9178"/>
+                </a:solidFill>
+                <a:effectLst/>
+                <a:latin typeface="Menlo" charset="0"/>
+              </a:rPr>
+              <a:t>'coverage'</a:t>
+            </a:r>
+            <a:r>
+              <a:rPr lang="en-US" altLang="ko-KR" sz="1400" b="0" dirty="0" smtClean="0">
+                <a:solidFill>
+                  <a:srgbClr val="D4D4D4"/>
+                </a:solidFill>
+                <a:effectLst/>
+                <a:latin typeface="Menlo" charset="0"/>
+              </a:rPr>
+              <a:t>],</a:t>
+            </a:r>
+          </a:p>
+          <a:p>
+            <a:r>
+              <a:rPr lang="en-US" altLang="ko-KR" sz="1400" b="0" dirty="0" smtClean="0">
+                <a:solidFill>
+                  <a:srgbClr val="9CDCFE"/>
+                </a:solidFill>
+                <a:effectLst/>
+                <a:latin typeface="Menlo" charset="0"/>
+              </a:rPr>
+              <a:t>	files:</a:t>
+            </a:r>
+            <a:r>
+              <a:rPr lang="en-US" altLang="ko-KR" sz="1400" b="0" dirty="0" smtClean="0">
+                <a:solidFill>
+                  <a:srgbClr val="D4D4D4"/>
+                </a:solidFill>
+                <a:effectLst/>
+                <a:latin typeface="Menlo" charset="0"/>
+              </a:rPr>
+              <a:t> [</a:t>
+            </a:r>
+            <a:r>
+              <a:rPr lang="en-US" altLang="ko-KR" sz="1400" b="0" dirty="0" smtClean="0">
+                <a:solidFill>
+                  <a:srgbClr val="CE9178"/>
+                </a:solidFill>
+                <a:effectLst/>
+                <a:latin typeface="Menlo" charset="0"/>
+              </a:rPr>
+              <a:t>'./</a:t>
+            </a:r>
+            <a:r>
+              <a:rPr lang="en-US" altLang="ko-KR" sz="1400" b="0" dirty="0" err="1" smtClean="0">
+                <a:solidFill>
+                  <a:srgbClr val="CE9178"/>
+                </a:solidFill>
+                <a:effectLst/>
+                <a:latin typeface="Menlo" charset="0"/>
+              </a:rPr>
+              <a:t>index.js</a:t>
+            </a:r>
+            <a:r>
+              <a:rPr lang="en-US" altLang="ko-KR" sz="1400" b="0" dirty="0" smtClean="0">
+                <a:solidFill>
+                  <a:srgbClr val="CE9178"/>
+                </a:solidFill>
+                <a:effectLst/>
+                <a:latin typeface="Menlo" charset="0"/>
+              </a:rPr>
+              <a:t>'</a:t>
+            </a:r>
+            <a:r>
+              <a:rPr lang="en-US" altLang="ko-KR" sz="1400" b="0" dirty="0" smtClean="0">
+                <a:solidFill>
+                  <a:srgbClr val="D4D4D4"/>
+                </a:solidFill>
+                <a:effectLst/>
+                <a:latin typeface="Menlo" charset="0"/>
+              </a:rPr>
+              <a:t>],</a:t>
+            </a:r>
+          </a:p>
+          <a:p>
+            <a:r>
+              <a:rPr lang="en-US" altLang="ko-KR" sz="1400" b="0" dirty="0" smtClean="0">
+                <a:solidFill>
+                  <a:srgbClr val="9CDCFE"/>
+                </a:solidFill>
+                <a:effectLst/>
+                <a:latin typeface="Menlo" charset="0"/>
+              </a:rPr>
+              <a:t>	preprocessors:</a:t>
+            </a:r>
+            <a:r>
+              <a:rPr lang="en-US" altLang="ko-KR" sz="1400" b="0" dirty="0" smtClean="0">
+                <a:solidFill>
+                  <a:srgbClr val="D4D4D4"/>
+                </a:solidFill>
+                <a:effectLst/>
+                <a:latin typeface="Menlo" charset="0"/>
+              </a:rPr>
+              <a:t> {</a:t>
+            </a:r>
+          </a:p>
+          <a:p>
+            <a:r>
+              <a:rPr lang="en-US" altLang="ko-KR" sz="1400" b="0" dirty="0" smtClean="0">
+                <a:solidFill>
+                  <a:srgbClr val="CE9178"/>
+                </a:solidFill>
+                <a:effectLst/>
+                <a:latin typeface="Menlo" charset="0"/>
+              </a:rPr>
+              <a:t>		'./</a:t>
+            </a:r>
+            <a:r>
+              <a:rPr lang="en-US" altLang="ko-KR" sz="1400" b="0" dirty="0" err="1" smtClean="0">
+                <a:solidFill>
+                  <a:srgbClr val="CE9178"/>
+                </a:solidFill>
+                <a:effectLst/>
+                <a:latin typeface="Menlo" charset="0"/>
+              </a:rPr>
+              <a:t>index.js</a:t>
+            </a:r>
+            <a:r>
+              <a:rPr lang="en-US" altLang="ko-KR" sz="1400" b="0" dirty="0" smtClean="0">
+                <a:solidFill>
+                  <a:srgbClr val="CE9178"/>
+                </a:solidFill>
+                <a:effectLst/>
+                <a:latin typeface="Menlo" charset="0"/>
+              </a:rPr>
+              <a:t>'</a:t>
+            </a:r>
+            <a:r>
+              <a:rPr lang="en-US" altLang="ko-KR" sz="1400" b="0" dirty="0" smtClean="0">
+                <a:solidFill>
+                  <a:srgbClr val="9CDCFE"/>
+                </a:solidFill>
+                <a:effectLst/>
+                <a:latin typeface="Menlo" charset="0"/>
+              </a:rPr>
+              <a:t>:</a:t>
+            </a:r>
+            <a:r>
+              <a:rPr lang="en-US" altLang="ko-KR" sz="1400" b="0" dirty="0" smtClean="0">
+                <a:solidFill>
+                  <a:srgbClr val="D4D4D4"/>
+                </a:solidFill>
+                <a:effectLst/>
+                <a:latin typeface="Menlo" charset="0"/>
+              </a:rPr>
+              <a:t> [</a:t>
+            </a:r>
+            <a:r>
+              <a:rPr lang="en-US" altLang="ko-KR" sz="1400" b="0" dirty="0" smtClean="0">
+                <a:solidFill>
+                  <a:srgbClr val="CE9178"/>
+                </a:solidFill>
+                <a:effectLst/>
+                <a:latin typeface="Menlo" charset="0"/>
+              </a:rPr>
+              <a:t>'</a:t>
+            </a:r>
+            <a:r>
+              <a:rPr lang="en-US" altLang="ko-KR" sz="1400" b="0" dirty="0" err="1" smtClean="0">
+                <a:solidFill>
+                  <a:srgbClr val="CE9178"/>
+                </a:solidFill>
+                <a:effectLst/>
+                <a:latin typeface="Menlo" charset="0"/>
+              </a:rPr>
+              <a:t>webpack</a:t>
+            </a:r>
+            <a:r>
+              <a:rPr lang="en-US" altLang="ko-KR" sz="1400" b="0" dirty="0" smtClean="0">
+                <a:solidFill>
+                  <a:srgbClr val="CE9178"/>
+                </a:solidFill>
+                <a:effectLst/>
+                <a:latin typeface="Menlo" charset="0"/>
+              </a:rPr>
+              <a:t>'</a:t>
+            </a:r>
+            <a:r>
+              <a:rPr lang="en-US" altLang="ko-KR" sz="1400" b="0" dirty="0" smtClean="0">
+                <a:solidFill>
+                  <a:srgbClr val="D4D4D4"/>
+                </a:solidFill>
+                <a:effectLst/>
+                <a:latin typeface="Menlo" charset="0"/>
+              </a:rPr>
+              <a:t>, </a:t>
+            </a:r>
+            <a:r>
+              <a:rPr lang="en-US" altLang="ko-KR" sz="1400" b="0" dirty="0" smtClean="0">
+                <a:solidFill>
+                  <a:srgbClr val="CE9178"/>
+                </a:solidFill>
+                <a:effectLst/>
+                <a:latin typeface="Menlo" charset="0"/>
+              </a:rPr>
+              <a:t>'</a:t>
+            </a:r>
+            <a:r>
+              <a:rPr lang="en-US" altLang="ko-KR" sz="1400" b="0" dirty="0" err="1" smtClean="0">
+                <a:solidFill>
+                  <a:srgbClr val="CE9178"/>
+                </a:solidFill>
+                <a:effectLst/>
+                <a:latin typeface="Menlo" charset="0"/>
+              </a:rPr>
+              <a:t>sourcemap</a:t>
+            </a:r>
+            <a:r>
+              <a:rPr lang="en-US" altLang="ko-KR" sz="1400" b="0" dirty="0" smtClean="0">
+                <a:solidFill>
+                  <a:srgbClr val="CE9178"/>
+                </a:solidFill>
+                <a:effectLst/>
+                <a:latin typeface="Menlo" charset="0"/>
+              </a:rPr>
+              <a:t>'</a:t>
+            </a:r>
+            <a:r>
+              <a:rPr lang="en-US" altLang="ko-KR" sz="1400" b="0" dirty="0" smtClean="0">
+                <a:solidFill>
+                  <a:srgbClr val="D4D4D4"/>
+                </a:solidFill>
+                <a:effectLst/>
+                <a:latin typeface="Menlo" charset="0"/>
+              </a:rPr>
+              <a:t>]</a:t>
+            </a:r>
+          </a:p>
+          <a:p>
+            <a:r>
+              <a:rPr lang="en-US" altLang="ko-KR" sz="1400" b="0" dirty="0" smtClean="0">
+                <a:solidFill>
+                  <a:srgbClr val="D4D4D4"/>
+                </a:solidFill>
+                <a:effectLst/>
+                <a:latin typeface="Menlo" charset="0"/>
+              </a:rPr>
+              <a:t>	}</a:t>
+            </a:r>
+          </a:p>
+          <a:p>
+            <a:r>
+              <a:rPr lang="en-US" altLang="ko-KR" sz="1400" b="0" dirty="0" smtClean="0">
+                <a:solidFill>
+                  <a:srgbClr val="9CDCFE"/>
+                </a:solidFill>
+                <a:effectLst/>
+                <a:latin typeface="Menlo" charset="0"/>
+              </a:rPr>
+              <a:t>	</a:t>
+            </a:r>
+            <a:r>
+              <a:rPr lang="en-US" altLang="ko-KR" sz="1400" b="0" dirty="0" err="1" smtClean="0">
+                <a:solidFill>
+                  <a:srgbClr val="9CDCFE"/>
+                </a:solidFill>
+                <a:effectLst/>
+                <a:latin typeface="Menlo" charset="0"/>
+              </a:rPr>
+              <a:t>webpack</a:t>
+            </a:r>
+            <a:r>
+              <a:rPr lang="en-US" altLang="ko-KR" sz="1400" b="0" dirty="0" smtClean="0">
+                <a:solidFill>
+                  <a:srgbClr val="9CDCFE"/>
+                </a:solidFill>
+                <a:effectLst/>
+                <a:latin typeface="Menlo" charset="0"/>
+              </a:rPr>
+              <a:t>:</a:t>
+            </a:r>
+            <a:r>
+              <a:rPr lang="en-US" altLang="ko-KR" sz="1400" b="0" dirty="0" smtClean="0">
+                <a:solidFill>
+                  <a:srgbClr val="D4D4D4"/>
+                </a:solidFill>
+                <a:effectLst/>
+                <a:latin typeface="Menlo" charset="0"/>
+              </a:rPr>
+              <a:t> </a:t>
+            </a:r>
+            <a:r>
+              <a:rPr lang="en-US" altLang="ko-KR" sz="1400" b="0" dirty="0" err="1" smtClean="0">
+                <a:solidFill>
+                  <a:srgbClr val="9CDCFE"/>
+                </a:solidFill>
+                <a:effectLst/>
+                <a:latin typeface="Menlo" charset="0"/>
+              </a:rPr>
+              <a:t>webpackConfig</a:t>
+            </a:r>
+            <a:r>
+              <a:rPr lang="en-US" altLang="ko-KR" sz="1400" b="0" dirty="0" smtClean="0">
+                <a:solidFill>
+                  <a:srgbClr val="D4D4D4"/>
+                </a:solidFill>
+                <a:effectLst/>
+                <a:latin typeface="Menlo" charset="0"/>
+              </a:rPr>
+              <a:t>,// NODE_ENV: '"testing"'</a:t>
+            </a:r>
+            <a:r>
+              <a:rPr lang="en-US" altLang="ko-KR" sz="1400" b="0" dirty="0" smtClean="0">
+                <a:solidFill>
+                  <a:srgbClr val="9CDCFE"/>
+                </a:solidFill>
+                <a:effectLst/>
+                <a:latin typeface="Menlo" charset="0"/>
+              </a:rPr>
+              <a:t>		</a:t>
+            </a:r>
+            <a:r>
+              <a:rPr lang="en-US" altLang="ko-KR" sz="1400" b="0" dirty="0" err="1" smtClean="0">
+                <a:solidFill>
+                  <a:srgbClr val="9CDCFE"/>
+                </a:solidFill>
+                <a:effectLst/>
+                <a:latin typeface="Menlo" charset="0"/>
+              </a:rPr>
+              <a:t>webpackMiddleware</a:t>
+            </a:r>
+            <a:r>
+              <a:rPr lang="en-US" altLang="ko-KR" sz="1400" b="0" dirty="0" smtClean="0">
+                <a:solidFill>
+                  <a:srgbClr val="9CDCFE"/>
+                </a:solidFill>
+                <a:effectLst/>
+                <a:latin typeface="Menlo" charset="0"/>
+              </a:rPr>
+              <a:t>:</a:t>
+            </a:r>
+            <a:r>
+              <a:rPr lang="en-US" altLang="ko-KR" sz="1400" b="0" dirty="0" smtClean="0">
+                <a:solidFill>
+                  <a:srgbClr val="D4D4D4"/>
+                </a:solidFill>
+                <a:effectLst/>
+                <a:latin typeface="Menlo" charset="0"/>
+              </a:rPr>
+              <a:t> {</a:t>
+            </a:r>
+          </a:p>
+          <a:p>
+            <a:r>
+              <a:rPr lang="en-US" altLang="ko-KR" sz="1400" b="0" dirty="0" smtClean="0">
+                <a:solidFill>
+                  <a:srgbClr val="9CDCFE"/>
+                </a:solidFill>
+                <a:effectLst/>
+                <a:latin typeface="Menlo" charset="0"/>
+              </a:rPr>
+              <a:t>		</a:t>
+            </a:r>
+            <a:r>
+              <a:rPr lang="en-US" altLang="ko-KR" sz="1400" b="0" dirty="0" err="1" smtClean="0">
+                <a:solidFill>
+                  <a:srgbClr val="9CDCFE"/>
+                </a:solidFill>
+                <a:effectLst/>
+                <a:latin typeface="Menlo" charset="0"/>
+              </a:rPr>
+              <a:t>noInfo</a:t>
+            </a:r>
+            <a:r>
+              <a:rPr lang="en-US" altLang="ko-KR" sz="1400" b="0" dirty="0" smtClean="0">
+                <a:solidFill>
+                  <a:srgbClr val="9CDCFE"/>
+                </a:solidFill>
+                <a:effectLst/>
+                <a:latin typeface="Menlo" charset="0"/>
+              </a:rPr>
+              <a:t>:</a:t>
+            </a:r>
+            <a:r>
+              <a:rPr lang="en-US" altLang="ko-KR" sz="1400" b="0" dirty="0" smtClean="0">
+                <a:solidFill>
+                  <a:srgbClr val="D4D4D4"/>
+                </a:solidFill>
+                <a:effectLst/>
+                <a:latin typeface="Menlo" charset="0"/>
+              </a:rPr>
+              <a:t> </a:t>
+            </a:r>
+            <a:r>
+              <a:rPr lang="en-US" altLang="ko-KR" sz="1400" b="0" dirty="0" smtClean="0">
+                <a:solidFill>
+                  <a:srgbClr val="569CD6"/>
+                </a:solidFill>
+                <a:effectLst/>
+                <a:latin typeface="Menlo" charset="0"/>
+              </a:rPr>
+              <a:t>true</a:t>
+            </a:r>
+            <a:endParaRPr lang="en-US" altLang="ko-KR" sz="1400" b="0" dirty="0" smtClean="0">
+              <a:solidFill>
+                <a:srgbClr val="D4D4D4"/>
+              </a:solidFill>
+              <a:effectLst/>
+              <a:latin typeface="Menlo" charset="0"/>
+            </a:endParaRPr>
+          </a:p>
+          <a:p>
+            <a:r>
+              <a:rPr lang="en-US" altLang="ko-KR" sz="1400" b="0" dirty="0" smtClean="0">
+                <a:solidFill>
+                  <a:srgbClr val="D4D4D4"/>
+                </a:solidFill>
+                <a:effectLst/>
+                <a:latin typeface="Menlo" charset="0"/>
+              </a:rPr>
+              <a:t>	},</a:t>
+            </a:r>
+          </a:p>
+          <a:p>
+            <a:r>
+              <a:rPr lang="en-US" altLang="ko-KR" sz="1400" b="0" dirty="0" smtClean="0">
+                <a:solidFill>
+                  <a:srgbClr val="9CDCFE"/>
+                </a:solidFill>
+                <a:effectLst/>
+                <a:latin typeface="Menlo" charset="0"/>
+              </a:rPr>
+              <a:t>	</a:t>
+            </a:r>
+            <a:r>
+              <a:rPr lang="en-US" altLang="ko-KR" sz="1400" b="0" dirty="0" err="1" smtClean="0">
+                <a:solidFill>
+                  <a:srgbClr val="9CDCFE"/>
+                </a:solidFill>
+                <a:effectLst/>
+                <a:latin typeface="Menlo" charset="0"/>
+              </a:rPr>
+              <a:t>coverageReporter</a:t>
+            </a:r>
+            <a:r>
+              <a:rPr lang="en-US" altLang="ko-KR" sz="1400" b="0" dirty="0" smtClean="0">
+                <a:solidFill>
+                  <a:srgbClr val="9CDCFE"/>
+                </a:solidFill>
+                <a:effectLst/>
+                <a:latin typeface="Menlo" charset="0"/>
+              </a:rPr>
+              <a:t>:</a:t>
+            </a:r>
+            <a:r>
+              <a:rPr lang="en-US" altLang="ko-KR" sz="1400" b="0" dirty="0" smtClean="0">
+                <a:solidFill>
+                  <a:srgbClr val="D4D4D4"/>
+                </a:solidFill>
+                <a:effectLst/>
+                <a:latin typeface="Menlo" charset="0"/>
+              </a:rPr>
+              <a:t> {</a:t>
+            </a:r>
+          </a:p>
+          <a:p>
+            <a:r>
+              <a:rPr lang="en-US" altLang="ko-KR" sz="1400" b="0" dirty="0" smtClean="0">
+                <a:solidFill>
+                  <a:srgbClr val="9CDCFE"/>
+                </a:solidFill>
+                <a:effectLst/>
+                <a:latin typeface="Menlo" charset="0"/>
+              </a:rPr>
+              <a:t>		</a:t>
+            </a:r>
+            <a:r>
+              <a:rPr lang="en-US" altLang="ko-KR" sz="1400" b="0" dirty="0" err="1" smtClean="0">
+                <a:solidFill>
+                  <a:srgbClr val="9CDCFE"/>
+                </a:solidFill>
+                <a:effectLst/>
+                <a:latin typeface="Menlo" charset="0"/>
+              </a:rPr>
+              <a:t>dir</a:t>
+            </a:r>
+            <a:r>
+              <a:rPr lang="en-US" altLang="ko-KR" sz="1400" b="0" dirty="0" smtClean="0">
+                <a:solidFill>
+                  <a:srgbClr val="9CDCFE"/>
+                </a:solidFill>
+                <a:effectLst/>
+                <a:latin typeface="Menlo" charset="0"/>
+              </a:rPr>
+              <a:t>:</a:t>
+            </a:r>
+            <a:r>
+              <a:rPr lang="en-US" altLang="ko-KR" sz="1400" b="0" dirty="0" smtClean="0">
+                <a:solidFill>
+                  <a:srgbClr val="D4D4D4"/>
+                </a:solidFill>
+                <a:effectLst/>
+                <a:latin typeface="Menlo" charset="0"/>
+              </a:rPr>
+              <a:t> </a:t>
+            </a:r>
+            <a:r>
+              <a:rPr lang="en-US" altLang="ko-KR" sz="1400" b="0" dirty="0" smtClean="0">
+                <a:solidFill>
+                  <a:srgbClr val="CE9178"/>
+                </a:solidFill>
+                <a:effectLst/>
+                <a:latin typeface="Menlo" charset="0"/>
+              </a:rPr>
+              <a:t>'./coverage'</a:t>
+            </a:r>
+            <a:r>
+              <a:rPr lang="en-US" altLang="ko-KR" sz="1400" b="0" dirty="0" smtClean="0">
+                <a:solidFill>
+                  <a:srgbClr val="D4D4D4"/>
+                </a:solidFill>
+                <a:effectLst/>
+                <a:latin typeface="Menlo" charset="0"/>
+              </a:rPr>
+              <a:t>,</a:t>
+            </a:r>
+          </a:p>
+          <a:p>
+            <a:r>
+              <a:rPr lang="en-US" altLang="ko-KR" sz="1400" b="0" dirty="0" smtClean="0">
+                <a:solidFill>
+                  <a:srgbClr val="9CDCFE"/>
+                </a:solidFill>
+                <a:effectLst/>
+                <a:latin typeface="Menlo" charset="0"/>
+              </a:rPr>
+              <a:t>		reporters:</a:t>
+            </a:r>
+            <a:r>
+              <a:rPr lang="en-US" altLang="ko-KR" sz="1400" b="0" dirty="0" smtClean="0">
+                <a:solidFill>
+                  <a:srgbClr val="D4D4D4"/>
+                </a:solidFill>
+                <a:effectLst/>
+                <a:latin typeface="Menlo" charset="0"/>
+              </a:rPr>
+              <a:t> [</a:t>
+            </a:r>
+          </a:p>
+          <a:p>
+            <a:r>
+              <a:rPr lang="en-US" altLang="ko-KR" sz="1400" b="0" dirty="0" smtClean="0">
+                <a:solidFill>
+                  <a:srgbClr val="D4D4D4"/>
+                </a:solidFill>
+                <a:effectLst/>
+                <a:latin typeface="Menlo" charset="0"/>
+              </a:rPr>
+              <a:t>			{ </a:t>
+            </a:r>
+            <a:r>
+              <a:rPr lang="en-US" altLang="ko-KR" sz="1400" b="0" dirty="0" smtClean="0">
+                <a:solidFill>
+                  <a:srgbClr val="9CDCFE"/>
+                </a:solidFill>
+                <a:effectLst/>
+                <a:latin typeface="Menlo" charset="0"/>
+              </a:rPr>
+              <a:t>type:</a:t>
+            </a:r>
+            <a:r>
+              <a:rPr lang="en-US" altLang="ko-KR" sz="1400" b="0" dirty="0" smtClean="0">
+                <a:solidFill>
+                  <a:srgbClr val="D4D4D4"/>
+                </a:solidFill>
+                <a:effectLst/>
+                <a:latin typeface="Menlo" charset="0"/>
+              </a:rPr>
+              <a:t> </a:t>
+            </a:r>
+            <a:r>
+              <a:rPr lang="en-US" altLang="ko-KR" sz="1400" b="0" dirty="0" smtClean="0">
+                <a:solidFill>
+                  <a:srgbClr val="CE9178"/>
+                </a:solidFill>
+                <a:effectLst/>
+                <a:latin typeface="Menlo" charset="0"/>
+              </a:rPr>
+              <a:t>'</a:t>
+            </a:r>
+            <a:r>
+              <a:rPr lang="en-US" altLang="ko-KR" sz="1400" b="0" dirty="0" err="1" smtClean="0">
+                <a:solidFill>
+                  <a:srgbClr val="CE9178"/>
+                </a:solidFill>
+                <a:effectLst/>
+                <a:latin typeface="Menlo" charset="0"/>
+              </a:rPr>
+              <a:t>lcov</a:t>
+            </a:r>
+            <a:r>
+              <a:rPr lang="en-US" altLang="ko-KR" sz="1400" b="0" dirty="0" smtClean="0">
+                <a:solidFill>
+                  <a:srgbClr val="CE9178"/>
+                </a:solidFill>
+                <a:effectLst/>
+                <a:latin typeface="Menlo" charset="0"/>
+              </a:rPr>
+              <a:t>'</a:t>
+            </a:r>
+            <a:r>
+              <a:rPr lang="en-US" altLang="ko-KR" sz="1400" b="0" dirty="0" smtClean="0">
+                <a:solidFill>
+                  <a:srgbClr val="D4D4D4"/>
+                </a:solidFill>
+                <a:effectLst/>
+                <a:latin typeface="Menlo" charset="0"/>
+              </a:rPr>
+              <a:t>, </a:t>
+            </a:r>
+            <a:r>
+              <a:rPr lang="en-US" altLang="ko-KR" sz="1400" b="0" dirty="0" smtClean="0">
+                <a:solidFill>
+                  <a:srgbClr val="9CDCFE"/>
+                </a:solidFill>
+                <a:effectLst/>
+                <a:latin typeface="Menlo" charset="0"/>
+              </a:rPr>
+              <a:t>subdir:</a:t>
+            </a:r>
+            <a:r>
+              <a:rPr lang="en-US" altLang="ko-KR" sz="1400" b="0" dirty="0" smtClean="0">
+                <a:solidFill>
+                  <a:srgbClr val="D4D4D4"/>
+                </a:solidFill>
+                <a:effectLst/>
+                <a:latin typeface="Menlo" charset="0"/>
+              </a:rPr>
+              <a:t> </a:t>
+            </a:r>
+            <a:r>
+              <a:rPr lang="en-US" altLang="ko-KR" sz="1400" b="0" dirty="0" smtClean="0">
+                <a:solidFill>
+                  <a:srgbClr val="CE9178"/>
+                </a:solidFill>
+                <a:effectLst/>
+                <a:latin typeface="Menlo" charset="0"/>
+              </a:rPr>
+              <a:t>'.'</a:t>
+            </a:r>
+            <a:r>
+              <a:rPr lang="en-US" altLang="ko-KR" sz="1400" b="0" dirty="0" smtClean="0">
+                <a:solidFill>
+                  <a:srgbClr val="D4D4D4"/>
+                </a:solidFill>
+                <a:effectLst/>
+                <a:latin typeface="Menlo" charset="0"/>
+              </a:rPr>
+              <a:t> },</a:t>
+            </a:r>
+          </a:p>
+          <a:p>
+            <a:r>
+              <a:rPr lang="en-US" altLang="ko-KR" sz="1400" b="0" dirty="0" smtClean="0">
+                <a:solidFill>
+                  <a:srgbClr val="D4D4D4"/>
+                </a:solidFill>
+                <a:effectLst/>
+                <a:latin typeface="Menlo" charset="0"/>
+              </a:rPr>
+              <a:t>			{ </a:t>
+            </a:r>
+            <a:r>
+              <a:rPr lang="en-US" altLang="ko-KR" sz="1400" b="0" dirty="0" smtClean="0">
+                <a:solidFill>
+                  <a:srgbClr val="9CDCFE"/>
+                </a:solidFill>
+                <a:effectLst/>
+                <a:latin typeface="Menlo" charset="0"/>
+              </a:rPr>
+              <a:t>type:</a:t>
+            </a:r>
+            <a:r>
+              <a:rPr lang="en-US" altLang="ko-KR" sz="1400" b="0" dirty="0" smtClean="0">
+                <a:solidFill>
+                  <a:srgbClr val="D4D4D4"/>
+                </a:solidFill>
+                <a:effectLst/>
+                <a:latin typeface="Menlo" charset="0"/>
+              </a:rPr>
+              <a:t> </a:t>
+            </a:r>
+            <a:r>
+              <a:rPr lang="en-US" altLang="ko-KR" sz="1400" b="0" dirty="0" smtClean="0">
+                <a:solidFill>
+                  <a:srgbClr val="CE9178"/>
+                </a:solidFill>
+                <a:effectLst/>
+                <a:latin typeface="Menlo" charset="0"/>
+              </a:rPr>
+              <a:t>'text-summary'</a:t>
+            </a:r>
+            <a:r>
+              <a:rPr lang="en-US" altLang="ko-KR" sz="1400" b="0" dirty="0" smtClean="0">
+                <a:solidFill>
+                  <a:srgbClr val="D4D4D4"/>
+                </a:solidFill>
+                <a:effectLst/>
+                <a:latin typeface="Menlo" charset="0"/>
+              </a:rPr>
+              <a:t> }</a:t>
+            </a:r>
+          </a:p>
+          <a:p>
+            <a:r>
+              <a:rPr lang="en-US" altLang="ko-KR" sz="1400" b="0" dirty="0" smtClean="0">
+                <a:solidFill>
+                  <a:srgbClr val="D4D4D4"/>
+                </a:solidFill>
+                <a:effectLst/>
+                <a:latin typeface="Menlo" charset="0"/>
+              </a:rPr>
+              <a:t>		]</a:t>
+            </a:r>
+          </a:p>
+          <a:p>
+            <a:r>
+              <a:rPr lang="en-US" altLang="ko-KR" sz="1400" b="0" dirty="0" smtClean="0">
+                <a:solidFill>
+                  <a:srgbClr val="D4D4D4"/>
+                </a:solidFill>
+                <a:effectLst/>
+                <a:latin typeface="Menlo" charset="0"/>
+              </a:rPr>
+              <a:t>	}</a:t>
+            </a:r>
+          </a:p>
+          <a:p>
+            <a:r>
+              <a:rPr lang="en-US" altLang="ko-KR" sz="1400" b="0" dirty="0" smtClean="0">
+                <a:solidFill>
+                  <a:srgbClr val="D4D4D4"/>
+                </a:solidFill>
+                <a:effectLst/>
+                <a:latin typeface="Menlo" charset="0"/>
+              </a:rPr>
+              <a:t>})</a:t>
+            </a:r>
           </a:p>
         </p:txBody>
       </p:sp>
       <p:pic>
         <p:nvPicPr>
-          <p:cNvPr id="4" name="그림 3"/>
+          <p:cNvPr id="5" name="그림 4"/>
           <p:cNvPicPr>
             <a:picLocks noChangeAspect="1"/>
           </p:cNvPicPr>
           <p:nvPr/>
         </p:nvPicPr>
         <p:blipFill>
-          <a:blip r:embed="rId2"/>
+          <a:blip r:embed="rId3"/>
           <a:stretch>
             <a:fillRect/>
           </a:stretch>
         </p:blipFill>
         <p:spPr>
           <a:xfrm>
-            <a:off x="969736" y="1965778"/>
+            <a:off x="8556785" y="2546546"/>
             <a:ext cx="3263900" cy="3035300"/>
           </a:xfrm>
           <a:prstGeom prst="rect">
@@ -7094,7 +8627,7 @@
     </p:spTree>
     <p:extLst>
       <p:ext uri="{BB962C8B-B14F-4D97-AF65-F5344CB8AC3E}">
-        <p14:creationId xmlns:p14="http://schemas.microsoft.com/office/powerpoint/2010/main" val="1458681984"/>
+        <p14:creationId xmlns:p14="http://schemas.microsoft.com/office/powerpoint/2010/main" val="140882772"/>
       </p:ext>
     </p:extLst>
   </p:cSld>
@@ -7137,12 +8670,8 @@
           <a:lstStyle/>
           <a:p>
             <a:r>
-              <a:rPr kumimoji="1" lang="en-US" altLang="ko-KR" dirty="0" err="1"/>
-              <a:t>k</a:t>
-            </a:r>
-            <a:r>
               <a:rPr kumimoji="1" lang="en-US" altLang="ko-KR" dirty="0" err="1" smtClean="0"/>
-              <a:t>arma.conf.js</a:t>
+              <a:t>index.js</a:t>
             </a:r>
             <a:endParaRPr kumimoji="1" lang="ko-KR" altLang="en-US" dirty="0"/>
           </a:p>
@@ -7156,8 +8685,8 @@
         </p:nvSpPr>
         <p:spPr>
           <a:xfrm>
-            <a:off x="838200" y="1595021"/>
-            <a:ext cx="9851571" cy="5262979"/>
+            <a:off x="838200" y="2459994"/>
+            <a:ext cx="7206049" cy="3539430"/>
           </a:xfrm>
           <a:prstGeom prst="rect">
             <a:avLst/>
@@ -7173,14 +8702,34 @@
           <a:lstStyle/>
           <a:p>
             <a:r>
+              <a:rPr lang="en-US" altLang="ko-KR" sz="1400" b="0" dirty="0" smtClean="0">
+                <a:solidFill>
+                  <a:srgbClr val="C586C0"/>
+                </a:solidFill>
+                <a:effectLst/>
+                <a:latin typeface="Menlo" charset="0"/>
+              </a:rPr>
+              <a:t>import</a:t>
+            </a:r>
+            <a:r>
+              <a:rPr lang="en-US" altLang="ko-KR" sz="1400" b="0" dirty="0" smtClean="0">
+                <a:solidFill>
+                  <a:srgbClr val="D4D4D4"/>
+                </a:solidFill>
+                <a:effectLst/>
+                <a:latin typeface="Menlo" charset="0"/>
+              </a:rPr>
+              <a:t> </a:t>
+            </a:r>
+            <a:r>
               <a:rPr lang="en-US" altLang="ko-KR" sz="1400" b="0" dirty="0" err="1" smtClean="0">
                 <a:solidFill>
-                  <a:srgbClr val="569CD6"/>
-                </a:solidFill>
-                <a:effectLst/>
-                <a:latin typeface="Menlo" charset="0"/>
-              </a:rPr>
-              <a:t>var</a:t>
+                  <a:srgbClr val="9CDCFE"/>
+                </a:solidFill>
+                <a:effectLst/>
+                <a:latin typeface="Menlo" charset="0"/>
+              </a:rPr>
+              <a:t>Vue</a:t>
             </a:r>
             <a:r>
               <a:rPr lang="en-US" altLang="ko-KR" sz="1400" b="0" dirty="0" smtClean="0">
@@ -7193,887 +8742,54 @@
               <a:t> </a:t>
             </a:r>
             <a:r>
+              <a:rPr lang="en-US" altLang="ko-KR" sz="1400" b="0" dirty="0" smtClean="0">
+                <a:solidFill>
+                  <a:srgbClr val="C586C0"/>
+                </a:solidFill>
+                <a:effectLst/>
+                <a:latin typeface="Menlo" charset="0"/>
+              </a:rPr>
+              <a:t>from</a:t>
+            </a:r>
+            <a:r>
+              <a:rPr lang="en-US" altLang="ko-KR" sz="1400" b="0" dirty="0" smtClean="0">
+                <a:solidFill>
+                  <a:srgbClr val="D4D4D4"/>
+                </a:solidFill>
+                <a:effectLst/>
+                <a:latin typeface="Menlo" charset="0"/>
+              </a:rPr>
+              <a:t> </a:t>
+            </a:r>
+            <a:r>
+              <a:rPr lang="en-US" altLang="ko-KR" sz="1400" b="0" dirty="0" smtClean="0">
+                <a:solidFill>
+                  <a:srgbClr val="CE9178"/>
+                </a:solidFill>
+                <a:effectLst/>
+                <a:latin typeface="Menlo" charset="0"/>
+              </a:rPr>
+              <a:t>'</a:t>
+            </a:r>
+            <a:r>
               <a:rPr lang="en-US" altLang="ko-KR" sz="1400" b="0" dirty="0" err="1" smtClean="0">
                 <a:solidFill>
-                  <a:srgbClr val="9CDCFE"/>
-                </a:solidFill>
-                <a:effectLst/>
-                <a:latin typeface="Menlo" charset="0"/>
-              </a:rPr>
-              <a:t>webpackConfig</a:t>
-            </a:r>
-            <a:r>
-              <a:rPr lang="en-US" altLang="ko-KR" sz="1400" b="0" dirty="0" smtClean="0">
-                <a:solidFill>
-                  <a:srgbClr val="D4D4D4"/>
-                </a:solidFill>
-                <a:effectLst/>
-                <a:latin typeface="Menlo" charset="0"/>
-              </a:rPr>
-              <a:t> = </a:t>
-            </a:r>
-            <a:r>
-              <a:rPr lang="en-US" altLang="ko-KR" sz="1400" b="0" dirty="0" smtClean="0">
-                <a:solidFill>
-                  <a:srgbClr val="DCDCAA"/>
-                </a:solidFill>
-                <a:effectLst/>
-                <a:latin typeface="Menlo" charset="0"/>
-              </a:rPr>
-              <a:t>require</a:t>
-            </a:r>
-            <a:r>
-              <a:rPr lang="en-US" altLang="ko-KR" sz="1400" b="0" dirty="0" smtClean="0">
-                <a:solidFill>
-                  <a:srgbClr val="D4D4D4"/>
-                </a:solidFill>
-                <a:effectLst/>
-                <a:latin typeface="Menlo" charset="0"/>
-              </a:rPr>
-              <a:t>(</a:t>
-            </a:r>
-            <a:r>
-              <a:rPr lang="en-US" altLang="ko-KR" sz="1400" b="0" dirty="0" smtClean="0">
-                <a:solidFill>
                   <a:srgbClr val="CE9178"/>
                 </a:solidFill>
                 <a:effectLst/>
                 <a:latin typeface="Menlo" charset="0"/>
               </a:rPr>
-              <a:t>'../../build/</a:t>
-            </a:r>
-            <a:r>
-              <a:rPr lang="en-US" altLang="ko-KR" sz="1400" b="0" dirty="0" err="1" smtClean="0">
+              <a:t>vue</a:t>
+            </a:r>
+            <a:r>
+              <a:rPr lang="en-US" altLang="ko-KR" sz="1400" b="0" dirty="0" smtClean="0">
                 <a:solidFill>
                   <a:srgbClr val="CE9178"/>
                 </a:solidFill>
                 <a:effectLst/>
                 <a:latin typeface="Menlo" charset="0"/>
               </a:rPr>
-              <a:t>webpack.test.conf</a:t>
-            </a:r>
-            <a:r>
-              <a:rPr lang="en-US" altLang="ko-KR" sz="1400" b="0" dirty="0" smtClean="0">
-                <a:solidFill>
-                  <a:srgbClr val="CE9178"/>
-                </a:solidFill>
-                <a:effectLst/>
-                <a:latin typeface="Menlo" charset="0"/>
-              </a:rPr>
               <a:t>'</a:t>
-            </a:r>
-            <a:r>
-              <a:rPr lang="en-US" altLang="ko-KR" sz="1400" b="0" dirty="0" smtClean="0">
-                <a:solidFill>
-                  <a:srgbClr val="D4D4D4"/>
-                </a:solidFill>
-                <a:effectLst/>
-                <a:latin typeface="Menlo" charset="0"/>
-              </a:rPr>
-              <a:t>)</a:t>
-            </a:r>
-          </a:p>
-          <a:p>
-            <a:r>
-              <a:rPr lang="en-US" altLang="ko-KR" sz="1400" b="0" dirty="0" smtClean="0">
-                <a:solidFill>
-                  <a:srgbClr val="D4D4D4"/>
-                </a:solidFill>
-                <a:effectLst/>
-                <a:latin typeface="Menlo" charset="0"/>
-              </a:rPr>
-              <a:t/>
-            </a:r>
-            <a:br>
-              <a:rPr lang="en-US" altLang="ko-KR" sz="1400" b="0" dirty="0" smtClean="0">
-                <a:solidFill>
-                  <a:srgbClr val="D4D4D4"/>
-                </a:solidFill>
-                <a:effectLst/>
-                <a:latin typeface="Menlo" charset="0"/>
-              </a:rPr>
-            </a:br>
-            <a:r>
-              <a:rPr lang="en-US" altLang="ko-KR" sz="1400" b="0" dirty="0" err="1" smtClean="0">
-                <a:solidFill>
-                  <a:srgbClr val="4EC9B0"/>
-                </a:solidFill>
-                <a:effectLst/>
-                <a:latin typeface="Menlo" charset="0"/>
-              </a:rPr>
-              <a:t>module</a:t>
-            </a:r>
-            <a:r>
-              <a:rPr lang="en-US" altLang="ko-KR" sz="1400" b="0" dirty="0" err="1" smtClean="0">
-                <a:solidFill>
-                  <a:srgbClr val="D4D4D4"/>
-                </a:solidFill>
-                <a:effectLst/>
-                <a:latin typeface="Menlo" charset="0"/>
-              </a:rPr>
-              <a:t>.</a:t>
-            </a:r>
-            <a:r>
-              <a:rPr lang="en-US" altLang="ko-KR" sz="1400" b="0" dirty="0" err="1" smtClean="0">
-                <a:solidFill>
-                  <a:srgbClr val="4EC9B0"/>
-                </a:solidFill>
-                <a:effectLst/>
-                <a:latin typeface="Menlo" charset="0"/>
-              </a:rPr>
-              <a:t>exports</a:t>
-            </a:r>
-            <a:r>
-              <a:rPr lang="en-US" altLang="ko-KR" sz="1400" b="0" dirty="0" smtClean="0">
-                <a:solidFill>
-                  <a:srgbClr val="D4D4D4"/>
-                </a:solidFill>
-                <a:effectLst/>
-                <a:latin typeface="Menlo" charset="0"/>
-              </a:rPr>
-              <a:t> = </a:t>
-            </a:r>
-            <a:r>
-              <a:rPr lang="en-US" altLang="ko-KR" sz="1400" b="0" dirty="0" smtClean="0">
-                <a:solidFill>
-                  <a:srgbClr val="569CD6"/>
-                </a:solidFill>
-                <a:effectLst/>
-                <a:latin typeface="Menlo" charset="0"/>
-              </a:rPr>
-              <a:t>function</a:t>
-            </a:r>
-            <a:r>
-              <a:rPr lang="en-US" altLang="ko-KR" sz="1400" b="0" dirty="0" smtClean="0">
-                <a:solidFill>
-                  <a:srgbClr val="D4D4D4"/>
-                </a:solidFill>
-                <a:effectLst/>
-                <a:latin typeface="Menlo" charset="0"/>
-              </a:rPr>
-              <a:t> </a:t>
-            </a:r>
-            <a:r>
-              <a:rPr lang="en-US" altLang="ko-KR" sz="1400" b="0" dirty="0" err="1" smtClean="0">
-                <a:solidFill>
-                  <a:srgbClr val="DCDCAA"/>
-                </a:solidFill>
-                <a:effectLst/>
-                <a:latin typeface="Menlo" charset="0"/>
-              </a:rPr>
-              <a:t>karmaConfig</a:t>
-            </a:r>
-            <a:r>
-              <a:rPr lang="en-US" altLang="ko-KR" sz="1400" b="0" dirty="0" smtClean="0">
-                <a:solidFill>
-                  <a:srgbClr val="D4D4D4"/>
-                </a:solidFill>
-                <a:effectLst/>
-                <a:latin typeface="Menlo" charset="0"/>
-              </a:rPr>
-              <a:t> (</a:t>
-            </a:r>
-            <a:r>
-              <a:rPr lang="en-US" altLang="ko-KR" sz="1400" b="0" dirty="0" err="1" smtClean="0">
-                <a:solidFill>
-                  <a:srgbClr val="9CDCFE"/>
-                </a:solidFill>
-                <a:effectLst/>
-                <a:latin typeface="Menlo" charset="0"/>
-              </a:rPr>
-              <a:t>config</a:t>
-            </a:r>
-            <a:r>
-              <a:rPr lang="en-US" altLang="ko-KR" sz="1400" b="0" dirty="0" smtClean="0">
-                <a:solidFill>
-                  <a:srgbClr val="D4D4D4"/>
-                </a:solidFill>
-                <a:effectLst/>
-                <a:latin typeface="Menlo" charset="0"/>
-              </a:rPr>
-              <a:t>) {</a:t>
-            </a:r>
-          </a:p>
-          <a:p>
-            <a:r>
-              <a:rPr lang="en-US" altLang="ko-KR" sz="1400" b="0" dirty="0" smtClean="0">
-                <a:solidFill>
-                  <a:srgbClr val="9CDCFE"/>
-                </a:solidFill>
-                <a:effectLst/>
-                <a:latin typeface="Menlo" charset="0"/>
-              </a:rPr>
-              <a:t>	</a:t>
-            </a:r>
-            <a:r>
-              <a:rPr lang="en-US" altLang="ko-KR" sz="1400" b="0" dirty="0" err="1" smtClean="0">
-                <a:solidFill>
-                  <a:srgbClr val="9CDCFE"/>
-                </a:solidFill>
-                <a:effectLst/>
-                <a:latin typeface="Menlo" charset="0"/>
-              </a:rPr>
-              <a:t>config</a:t>
-            </a:r>
-            <a:r>
-              <a:rPr lang="en-US" altLang="ko-KR" sz="1400" b="0" dirty="0" err="1" smtClean="0">
-                <a:solidFill>
-                  <a:srgbClr val="D4D4D4"/>
-                </a:solidFill>
-                <a:effectLst/>
-                <a:latin typeface="Menlo" charset="0"/>
-              </a:rPr>
-              <a:t>.</a:t>
-            </a:r>
-            <a:r>
-              <a:rPr lang="en-US" altLang="ko-KR" sz="1400" b="0" dirty="0" err="1" smtClean="0">
-                <a:solidFill>
-                  <a:srgbClr val="DCDCAA"/>
-                </a:solidFill>
-                <a:effectLst/>
-                <a:latin typeface="Menlo" charset="0"/>
-              </a:rPr>
-              <a:t>set</a:t>
-            </a:r>
-            <a:r>
-              <a:rPr lang="en-US" altLang="ko-KR" sz="1400" b="0" dirty="0" smtClean="0">
-                <a:solidFill>
-                  <a:srgbClr val="D4D4D4"/>
-                </a:solidFill>
-                <a:effectLst/>
-                <a:latin typeface="Menlo" charset="0"/>
-              </a:rPr>
-              <a:t>({</a:t>
-            </a:r>
-          </a:p>
-          <a:p>
-            <a:r>
-              <a:rPr lang="en-US" altLang="ko-KR" sz="1400" b="0" dirty="0" smtClean="0">
-                <a:solidFill>
-                  <a:srgbClr val="9CDCFE"/>
-                </a:solidFill>
-                <a:effectLst/>
-                <a:latin typeface="Menlo" charset="0"/>
-              </a:rPr>
-              <a:t>		browsers:</a:t>
-            </a:r>
-            <a:r>
-              <a:rPr lang="en-US" altLang="ko-KR" sz="1400" b="0" dirty="0" smtClean="0">
-                <a:solidFill>
-                  <a:srgbClr val="D4D4D4"/>
-                </a:solidFill>
-                <a:effectLst/>
-                <a:latin typeface="Menlo" charset="0"/>
-              </a:rPr>
-              <a:t> [</a:t>
-            </a:r>
-            <a:r>
-              <a:rPr lang="en-US" altLang="ko-KR" sz="1400" b="0" dirty="0" smtClean="0">
-                <a:solidFill>
-                  <a:srgbClr val="CE9178"/>
-                </a:solidFill>
-                <a:effectLst/>
-                <a:latin typeface="Menlo" charset="0"/>
-              </a:rPr>
-              <a:t>'</a:t>
-            </a:r>
-            <a:r>
-              <a:rPr lang="en-US" altLang="ko-KR" sz="1400" b="0" dirty="0" err="1" smtClean="0">
-                <a:solidFill>
-                  <a:srgbClr val="CE9178"/>
-                </a:solidFill>
-                <a:effectLst/>
-                <a:latin typeface="Menlo" charset="0"/>
-              </a:rPr>
-              <a:t>PhantomJS</a:t>
-            </a:r>
-            <a:r>
-              <a:rPr lang="en-US" altLang="ko-KR" sz="1400" b="0" dirty="0" smtClean="0">
-                <a:solidFill>
-                  <a:srgbClr val="CE9178"/>
-                </a:solidFill>
-                <a:effectLst/>
-                <a:latin typeface="Menlo" charset="0"/>
-              </a:rPr>
-              <a:t>'</a:t>
-            </a:r>
-            <a:r>
-              <a:rPr lang="en-US" altLang="ko-KR" sz="1400" b="0" dirty="0" smtClean="0">
-                <a:solidFill>
-                  <a:srgbClr val="D4D4D4"/>
-                </a:solidFill>
-                <a:effectLst/>
-                <a:latin typeface="Menlo" charset="0"/>
-              </a:rPr>
-              <a:t>],</a:t>
-            </a:r>
-          </a:p>
-          <a:p>
-            <a:r>
-              <a:rPr lang="en-US" altLang="ko-KR" sz="1400" b="0" dirty="0" smtClean="0">
-                <a:solidFill>
-                  <a:srgbClr val="9CDCFE"/>
-                </a:solidFill>
-                <a:effectLst/>
-                <a:latin typeface="Menlo" charset="0"/>
-              </a:rPr>
-              <a:t>		frameworks:</a:t>
-            </a:r>
-            <a:r>
-              <a:rPr lang="en-US" altLang="ko-KR" sz="1400" b="0" dirty="0" smtClean="0">
-                <a:solidFill>
-                  <a:srgbClr val="D4D4D4"/>
-                </a:solidFill>
-                <a:effectLst/>
-                <a:latin typeface="Menlo" charset="0"/>
-              </a:rPr>
-              <a:t> [</a:t>
-            </a:r>
-            <a:r>
-              <a:rPr lang="en-US" altLang="ko-KR" sz="1400" b="0" dirty="0" smtClean="0">
-                <a:solidFill>
-                  <a:srgbClr val="CE9178"/>
-                </a:solidFill>
-                <a:effectLst/>
-                <a:latin typeface="Menlo" charset="0"/>
-              </a:rPr>
-              <a:t>'mocha'</a:t>
-            </a:r>
-            <a:r>
-              <a:rPr lang="en-US" altLang="ko-KR" sz="1400" b="0" dirty="0" smtClean="0">
-                <a:solidFill>
-                  <a:srgbClr val="D4D4D4"/>
-                </a:solidFill>
-                <a:effectLst/>
-                <a:latin typeface="Menlo" charset="0"/>
-              </a:rPr>
-              <a:t>, </a:t>
-            </a:r>
-            <a:r>
-              <a:rPr lang="en-US" altLang="ko-KR" sz="1400" b="0" dirty="0" smtClean="0">
-                <a:solidFill>
-                  <a:srgbClr val="CE9178"/>
-                </a:solidFill>
-                <a:effectLst/>
-                <a:latin typeface="Menlo" charset="0"/>
-              </a:rPr>
-              <a:t>'</a:t>
-            </a:r>
-            <a:r>
-              <a:rPr lang="en-US" altLang="ko-KR" sz="1400" b="0" dirty="0" err="1" smtClean="0">
-                <a:solidFill>
-                  <a:srgbClr val="CE9178"/>
-                </a:solidFill>
-                <a:effectLst/>
-                <a:latin typeface="Menlo" charset="0"/>
-              </a:rPr>
-              <a:t>sinon</a:t>
-            </a:r>
-            <a:r>
-              <a:rPr lang="en-US" altLang="ko-KR" sz="1400" b="0" dirty="0" smtClean="0">
-                <a:solidFill>
-                  <a:srgbClr val="CE9178"/>
-                </a:solidFill>
-                <a:effectLst/>
-                <a:latin typeface="Menlo" charset="0"/>
-              </a:rPr>
-              <a:t>-chai'</a:t>
-            </a:r>
-            <a:r>
-              <a:rPr lang="en-US" altLang="ko-KR" sz="1400" b="0" dirty="0" smtClean="0">
-                <a:solidFill>
-                  <a:srgbClr val="D4D4D4"/>
-                </a:solidFill>
-                <a:effectLst/>
-                <a:latin typeface="Menlo" charset="0"/>
-              </a:rPr>
-              <a:t>, </a:t>
-            </a:r>
-            <a:r>
-              <a:rPr lang="en-US" altLang="ko-KR" sz="1400" b="0" dirty="0" smtClean="0">
-                <a:solidFill>
-                  <a:srgbClr val="CE9178"/>
-                </a:solidFill>
-                <a:effectLst/>
-                <a:latin typeface="Menlo" charset="0"/>
-              </a:rPr>
-              <a:t>'</a:t>
-            </a:r>
-            <a:r>
-              <a:rPr lang="en-US" altLang="ko-KR" sz="1400" b="0" dirty="0" err="1" smtClean="0">
-                <a:solidFill>
-                  <a:srgbClr val="CE9178"/>
-                </a:solidFill>
-                <a:effectLst/>
-                <a:latin typeface="Menlo" charset="0"/>
-              </a:rPr>
-              <a:t>phantomjs</a:t>
-            </a:r>
-            <a:r>
-              <a:rPr lang="en-US" altLang="ko-KR" sz="1400" b="0" dirty="0" smtClean="0">
-                <a:solidFill>
-                  <a:srgbClr val="CE9178"/>
-                </a:solidFill>
-                <a:effectLst/>
-                <a:latin typeface="Menlo" charset="0"/>
-              </a:rPr>
-              <a:t>-shim'</a:t>
-            </a:r>
-            <a:r>
-              <a:rPr lang="en-US" altLang="ko-KR" sz="1400" b="0" dirty="0" smtClean="0">
-                <a:solidFill>
-                  <a:srgbClr val="D4D4D4"/>
-                </a:solidFill>
-                <a:effectLst/>
-                <a:latin typeface="Menlo" charset="0"/>
-              </a:rPr>
-              <a:t>],</a:t>
-            </a:r>
-          </a:p>
-          <a:p>
-            <a:r>
-              <a:rPr lang="en-US" altLang="ko-KR" sz="1400" b="0" dirty="0" smtClean="0">
-                <a:solidFill>
-                  <a:srgbClr val="9CDCFE"/>
-                </a:solidFill>
-                <a:effectLst/>
-                <a:latin typeface="Menlo" charset="0"/>
-              </a:rPr>
-              <a:t>		reporters:</a:t>
-            </a:r>
-            <a:r>
-              <a:rPr lang="en-US" altLang="ko-KR" sz="1400" b="0" dirty="0" smtClean="0">
-                <a:solidFill>
-                  <a:srgbClr val="D4D4D4"/>
-                </a:solidFill>
-                <a:effectLst/>
-                <a:latin typeface="Menlo" charset="0"/>
-              </a:rPr>
-              <a:t> [</a:t>
-            </a:r>
-            <a:r>
-              <a:rPr lang="en-US" altLang="ko-KR" sz="1400" b="0" dirty="0" smtClean="0">
-                <a:solidFill>
-                  <a:srgbClr val="CE9178"/>
-                </a:solidFill>
-                <a:effectLst/>
-                <a:latin typeface="Menlo" charset="0"/>
-              </a:rPr>
-              <a:t>'spec'</a:t>
-            </a:r>
-            <a:r>
-              <a:rPr lang="en-US" altLang="ko-KR" sz="1400" b="0" dirty="0" smtClean="0">
-                <a:solidFill>
-                  <a:srgbClr val="D4D4D4"/>
-                </a:solidFill>
-                <a:effectLst/>
-                <a:latin typeface="Menlo" charset="0"/>
-              </a:rPr>
-              <a:t>, </a:t>
-            </a:r>
-            <a:r>
-              <a:rPr lang="en-US" altLang="ko-KR" sz="1400" b="0" dirty="0" smtClean="0">
-                <a:solidFill>
-                  <a:srgbClr val="CE9178"/>
-                </a:solidFill>
-                <a:effectLst/>
-                <a:latin typeface="Menlo" charset="0"/>
-              </a:rPr>
-              <a:t>'coverage'</a:t>
-            </a:r>
-            <a:r>
-              <a:rPr lang="en-US" altLang="ko-KR" sz="1400" b="0" dirty="0" smtClean="0">
-                <a:solidFill>
-                  <a:srgbClr val="D4D4D4"/>
-                </a:solidFill>
-                <a:effectLst/>
-                <a:latin typeface="Menlo" charset="0"/>
-              </a:rPr>
-              <a:t>],</a:t>
-            </a:r>
-          </a:p>
-          <a:p>
-            <a:r>
-              <a:rPr lang="en-US" altLang="ko-KR" sz="1400" b="0" dirty="0" smtClean="0">
-                <a:solidFill>
-                  <a:srgbClr val="9CDCFE"/>
-                </a:solidFill>
-                <a:effectLst/>
-                <a:latin typeface="Menlo" charset="0"/>
-              </a:rPr>
-              <a:t>		files:</a:t>
-            </a:r>
-            <a:r>
-              <a:rPr lang="en-US" altLang="ko-KR" sz="1400" b="0" dirty="0" smtClean="0">
-                <a:solidFill>
-                  <a:srgbClr val="D4D4D4"/>
-                </a:solidFill>
-                <a:effectLst/>
-                <a:latin typeface="Menlo" charset="0"/>
-              </a:rPr>
-              <a:t> [</a:t>
-            </a:r>
-            <a:r>
-              <a:rPr lang="en-US" altLang="ko-KR" sz="1400" b="0" dirty="0" smtClean="0">
-                <a:solidFill>
-                  <a:srgbClr val="CE9178"/>
-                </a:solidFill>
-                <a:effectLst/>
-                <a:latin typeface="Menlo" charset="0"/>
-              </a:rPr>
-              <a:t>'./</a:t>
-            </a:r>
-            <a:r>
-              <a:rPr lang="en-US" altLang="ko-KR" sz="1400" b="0" dirty="0" err="1" smtClean="0">
-                <a:solidFill>
-                  <a:srgbClr val="CE9178"/>
-                </a:solidFill>
-                <a:effectLst/>
-                <a:latin typeface="Menlo" charset="0"/>
-              </a:rPr>
-              <a:t>index.js</a:t>
-            </a:r>
-            <a:r>
-              <a:rPr lang="en-US" altLang="ko-KR" sz="1400" b="0" dirty="0" smtClean="0">
-                <a:solidFill>
-                  <a:srgbClr val="CE9178"/>
-                </a:solidFill>
-                <a:effectLst/>
-                <a:latin typeface="Menlo" charset="0"/>
-              </a:rPr>
-              <a:t>'</a:t>
-            </a:r>
-            <a:r>
-              <a:rPr lang="en-US" altLang="ko-KR" sz="1400" b="0" dirty="0" smtClean="0">
-                <a:solidFill>
-                  <a:srgbClr val="D4D4D4"/>
-                </a:solidFill>
-                <a:effectLst/>
-                <a:latin typeface="Menlo" charset="0"/>
-              </a:rPr>
-              <a:t>],</a:t>
-            </a:r>
-          </a:p>
-          <a:p>
-            <a:r>
-              <a:rPr lang="en-US" altLang="ko-KR" sz="1400" b="0" dirty="0" smtClean="0">
-                <a:solidFill>
-                  <a:srgbClr val="9CDCFE"/>
-                </a:solidFill>
-                <a:effectLst/>
-                <a:latin typeface="Menlo" charset="0"/>
-              </a:rPr>
-              <a:t>		preprocessors:</a:t>
-            </a:r>
-            <a:r>
-              <a:rPr lang="en-US" altLang="ko-KR" sz="1400" b="0" dirty="0" smtClean="0">
-                <a:solidFill>
-                  <a:srgbClr val="D4D4D4"/>
-                </a:solidFill>
-                <a:effectLst/>
-                <a:latin typeface="Menlo" charset="0"/>
-              </a:rPr>
-              <a:t> {</a:t>
-            </a:r>
-          </a:p>
-          <a:p>
-            <a:r>
-              <a:rPr lang="en-US" altLang="ko-KR" sz="1400" b="0" dirty="0" smtClean="0">
-                <a:solidFill>
-                  <a:srgbClr val="CE9178"/>
-                </a:solidFill>
-                <a:effectLst/>
-                <a:latin typeface="Menlo" charset="0"/>
-              </a:rPr>
-              <a:t>			'./</a:t>
-            </a:r>
-            <a:r>
-              <a:rPr lang="en-US" altLang="ko-KR" sz="1400" b="0" dirty="0" err="1" smtClean="0">
-                <a:solidFill>
-                  <a:srgbClr val="CE9178"/>
-                </a:solidFill>
-                <a:effectLst/>
-                <a:latin typeface="Menlo" charset="0"/>
-              </a:rPr>
-              <a:t>index.js</a:t>
-            </a:r>
-            <a:r>
-              <a:rPr lang="en-US" altLang="ko-KR" sz="1400" b="0" dirty="0" smtClean="0">
-                <a:solidFill>
-                  <a:srgbClr val="CE9178"/>
-                </a:solidFill>
-                <a:effectLst/>
-                <a:latin typeface="Menlo" charset="0"/>
-              </a:rPr>
-              <a:t>'</a:t>
-            </a:r>
-            <a:r>
-              <a:rPr lang="en-US" altLang="ko-KR" sz="1400" b="0" dirty="0" smtClean="0">
-                <a:solidFill>
-                  <a:srgbClr val="9CDCFE"/>
-                </a:solidFill>
-                <a:effectLst/>
-                <a:latin typeface="Menlo" charset="0"/>
-              </a:rPr>
-              <a:t>:</a:t>
-            </a:r>
-            <a:r>
-              <a:rPr lang="en-US" altLang="ko-KR" sz="1400" b="0" dirty="0" smtClean="0">
-                <a:solidFill>
-                  <a:srgbClr val="D4D4D4"/>
-                </a:solidFill>
-                <a:effectLst/>
-                <a:latin typeface="Menlo" charset="0"/>
-              </a:rPr>
-              <a:t> [</a:t>
-            </a:r>
-            <a:r>
-              <a:rPr lang="en-US" altLang="ko-KR" sz="1400" b="0" dirty="0" smtClean="0">
-                <a:solidFill>
-                  <a:srgbClr val="CE9178"/>
-                </a:solidFill>
-                <a:effectLst/>
-                <a:latin typeface="Menlo" charset="0"/>
-              </a:rPr>
-              <a:t>'</a:t>
-            </a:r>
-            <a:r>
-              <a:rPr lang="en-US" altLang="ko-KR" sz="1400" b="0" dirty="0" err="1" smtClean="0">
-                <a:solidFill>
-                  <a:srgbClr val="CE9178"/>
-                </a:solidFill>
-                <a:effectLst/>
-                <a:latin typeface="Menlo" charset="0"/>
-              </a:rPr>
-              <a:t>webpack</a:t>
-            </a:r>
-            <a:r>
-              <a:rPr lang="en-US" altLang="ko-KR" sz="1400" b="0" dirty="0" smtClean="0">
-                <a:solidFill>
-                  <a:srgbClr val="CE9178"/>
-                </a:solidFill>
-                <a:effectLst/>
-                <a:latin typeface="Menlo" charset="0"/>
-              </a:rPr>
-              <a:t>'</a:t>
-            </a:r>
-            <a:r>
-              <a:rPr lang="en-US" altLang="ko-KR" sz="1400" b="0" dirty="0" smtClean="0">
-                <a:solidFill>
-                  <a:srgbClr val="D4D4D4"/>
-                </a:solidFill>
-                <a:effectLst/>
-                <a:latin typeface="Menlo" charset="0"/>
-              </a:rPr>
-              <a:t>, </a:t>
-            </a:r>
-            <a:r>
-              <a:rPr lang="en-US" altLang="ko-KR" sz="1400" b="0" dirty="0" smtClean="0">
-                <a:solidFill>
-                  <a:srgbClr val="CE9178"/>
-                </a:solidFill>
-                <a:effectLst/>
-                <a:latin typeface="Menlo" charset="0"/>
-              </a:rPr>
-              <a:t>'</a:t>
-            </a:r>
-            <a:r>
-              <a:rPr lang="en-US" altLang="ko-KR" sz="1400" b="0" dirty="0" err="1" smtClean="0">
-                <a:solidFill>
-                  <a:srgbClr val="CE9178"/>
-                </a:solidFill>
-                <a:effectLst/>
-                <a:latin typeface="Menlo" charset="0"/>
-              </a:rPr>
-              <a:t>sourcemap</a:t>
-            </a:r>
-            <a:r>
-              <a:rPr lang="en-US" altLang="ko-KR" sz="1400" b="0" dirty="0" smtClean="0">
-                <a:solidFill>
-                  <a:srgbClr val="CE9178"/>
-                </a:solidFill>
-                <a:effectLst/>
-                <a:latin typeface="Menlo" charset="0"/>
-              </a:rPr>
-              <a:t>'</a:t>
-            </a:r>
-            <a:r>
-              <a:rPr lang="en-US" altLang="ko-KR" sz="1400" b="0" dirty="0" smtClean="0">
-                <a:solidFill>
-                  <a:srgbClr val="D4D4D4"/>
-                </a:solidFill>
-                <a:effectLst/>
-                <a:latin typeface="Menlo" charset="0"/>
-              </a:rPr>
-              <a:t>]</a:t>
-            </a:r>
-          </a:p>
-          <a:p>
-            <a:r>
-              <a:rPr lang="en-US" altLang="ko-KR" sz="1400" b="0" dirty="0" smtClean="0">
-                <a:solidFill>
-                  <a:srgbClr val="D4D4D4"/>
-                </a:solidFill>
-                <a:effectLst/>
-                <a:latin typeface="Menlo" charset="0"/>
-              </a:rPr>
-              <a:t>		},</a:t>
-            </a:r>
-          </a:p>
-          <a:p>
-            <a:r>
-              <a:rPr lang="en-US" altLang="ko-KR" sz="1400" b="0" dirty="0" smtClean="0">
-                <a:solidFill>
-                  <a:srgbClr val="9CDCFE"/>
-                </a:solidFill>
-                <a:effectLst/>
-                <a:latin typeface="Menlo" charset="0"/>
-              </a:rPr>
-              <a:t>		</a:t>
-            </a:r>
-            <a:r>
-              <a:rPr lang="en-US" altLang="ko-KR" sz="1400" b="0" dirty="0" err="1" smtClean="0">
-                <a:solidFill>
-                  <a:srgbClr val="9CDCFE"/>
-                </a:solidFill>
-                <a:effectLst/>
-                <a:latin typeface="Menlo" charset="0"/>
-              </a:rPr>
-              <a:t>webpack</a:t>
-            </a:r>
-            <a:r>
-              <a:rPr lang="en-US" altLang="ko-KR" sz="1400" b="0" dirty="0" smtClean="0">
-                <a:solidFill>
-                  <a:srgbClr val="9CDCFE"/>
-                </a:solidFill>
-                <a:effectLst/>
-                <a:latin typeface="Menlo" charset="0"/>
-              </a:rPr>
-              <a:t>:</a:t>
-            </a:r>
-            <a:r>
-              <a:rPr lang="en-US" altLang="ko-KR" sz="1400" b="0" dirty="0" smtClean="0">
-                <a:solidFill>
-                  <a:srgbClr val="D4D4D4"/>
-                </a:solidFill>
-                <a:effectLst/>
-                <a:latin typeface="Menlo" charset="0"/>
-              </a:rPr>
-              <a:t> </a:t>
-            </a:r>
-            <a:r>
-              <a:rPr lang="en-US" altLang="ko-KR" sz="1400" b="0" dirty="0" err="1" smtClean="0">
-                <a:solidFill>
-                  <a:srgbClr val="9CDCFE"/>
-                </a:solidFill>
-                <a:effectLst/>
-                <a:latin typeface="Menlo" charset="0"/>
-              </a:rPr>
-              <a:t>webpackConfig</a:t>
-            </a:r>
-            <a:r>
-              <a:rPr lang="en-US" altLang="ko-KR" sz="1400" b="0" dirty="0" smtClean="0">
-                <a:solidFill>
-                  <a:srgbClr val="D4D4D4"/>
-                </a:solidFill>
-                <a:effectLst/>
-                <a:latin typeface="Menlo" charset="0"/>
-              </a:rPr>
-              <a:t>,</a:t>
-            </a:r>
-          </a:p>
-          <a:p>
-            <a:r>
-              <a:rPr lang="en-US" altLang="ko-KR" sz="1400" b="0" dirty="0" smtClean="0">
-                <a:solidFill>
-                  <a:srgbClr val="9CDCFE"/>
-                </a:solidFill>
-                <a:effectLst/>
-                <a:latin typeface="Menlo" charset="0"/>
-              </a:rPr>
-              <a:t>		</a:t>
-            </a:r>
-            <a:r>
-              <a:rPr lang="en-US" altLang="ko-KR" sz="1400" b="0" dirty="0" err="1" smtClean="0">
-                <a:solidFill>
-                  <a:srgbClr val="9CDCFE"/>
-                </a:solidFill>
-                <a:effectLst/>
-                <a:latin typeface="Menlo" charset="0"/>
-              </a:rPr>
-              <a:t>webpackMiddleware</a:t>
-            </a:r>
-            <a:r>
-              <a:rPr lang="en-US" altLang="ko-KR" sz="1400" b="0" dirty="0" smtClean="0">
-                <a:solidFill>
-                  <a:srgbClr val="9CDCFE"/>
-                </a:solidFill>
-                <a:effectLst/>
-                <a:latin typeface="Menlo" charset="0"/>
-              </a:rPr>
-              <a:t>:</a:t>
-            </a:r>
-            <a:r>
-              <a:rPr lang="en-US" altLang="ko-KR" sz="1400" b="0" dirty="0" smtClean="0">
-                <a:solidFill>
-                  <a:srgbClr val="D4D4D4"/>
-                </a:solidFill>
-                <a:effectLst/>
-                <a:latin typeface="Menlo" charset="0"/>
-              </a:rPr>
-              <a:t> {</a:t>
-            </a:r>
-          </a:p>
-          <a:p>
-            <a:r>
-              <a:rPr lang="en-US" altLang="ko-KR" sz="1400" b="0" dirty="0" smtClean="0">
-                <a:solidFill>
-                  <a:srgbClr val="9CDCFE"/>
-                </a:solidFill>
-                <a:effectLst/>
-                <a:latin typeface="Menlo" charset="0"/>
-              </a:rPr>
-              <a:t>			</a:t>
-            </a:r>
-            <a:r>
-              <a:rPr lang="en-US" altLang="ko-KR" sz="1400" b="0" dirty="0" err="1" smtClean="0">
-                <a:solidFill>
-                  <a:srgbClr val="9CDCFE"/>
-                </a:solidFill>
-                <a:effectLst/>
-                <a:latin typeface="Menlo" charset="0"/>
-              </a:rPr>
-              <a:t>noInfo</a:t>
-            </a:r>
-            <a:r>
-              <a:rPr lang="en-US" altLang="ko-KR" sz="1400" b="0" dirty="0" smtClean="0">
-                <a:solidFill>
-                  <a:srgbClr val="9CDCFE"/>
-                </a:solidFill>
-                <a:effectLst/>
-                <a:latin typeface="Menlo" charset="0"/>
-              </a:rPr>
-              <a:t>:</a:t>
-            </a:r>
-            <a:r>
-              <a:rPr lang="en-US" altLang="ko-KR" sz="1400" b="0" dirty="0" smtClean="0">
-                <a:solidFill>
-                  <a:srgbClr val="D4D4D4"/>
-                </a:solidFill>
-                <a:effectLst/>
-                <a:latin typeface="Menlo" charset="0"/>
-              </a:rPr>
-              <a:t> </a:t>
-            </a:r>
-            <a:r>
-              <a:rPr lang="en-US" altLang="ko-KR" sz="1400" b="0" dirty="0" smtClean="0">
-                <a:solidFill>
-                  <a:srgbClr val="569CD6"/>
-                </a:solidFill>
-                <a:effectLst/>
-                <a:latin typeface="Menlo" charset="0"/>
-              </a:rPr>
-              <a:t>true</a:t>
             </a:r>
             <a:endParaRPr lang="en-US" altLang="ko-KR" sz="1400" b="0" dirty="0" smtClean="0">
               <a:solidFill>
@@ -8092,61 +8808,193 @@
                 <a:effectLst/>
                 <a:latin typeface="Menlo" charset="0"/>
               </a:rPr>
-              <a:t>		},</a:t>
-            </a:r>
-          </a:p>
-          <a:p>
-            <a:r>
-              <a:rPr lang="en-US" altLang="ko-KR" sz="1400" b="0" dirty="0" smtClean="0">
+              <a:t/>
+            </a:r>
+            <a:br>
+              <a:rPr lang="en-US" altLang="ko-KR" sz="1400" b="0" dirty="0" smtClean="0">
+                <a:solidFill>
+                  <a:srgbClr val="D4D4D4"/>
+                </a:solidFill>
+                <a:effectLst/>
+                <a:latin typeface="Menlo" charset="0"/>
+              </a:rPr>
+            </a:br>
+            <a:r>
+              <a:rPr lang="en-US" altLang="ko-KR" sz="1400" b="0" dirty="0" err="1" smtClean="0">
                 <a:solidFill>
                   <a:srgbClr val="9CDCFE"/>
                 </a:solidFill>
                 <a:effectLst/>
                 <a:latin typeface="Menlo" charset="0"/>
               </a:rPr>
-              <a:t>		</a:t>
+              <a:t>Vue</a:t>
             </a:r>
             <a:r>
               <a:rPr lang="en-US" altLang="ko-KR" sz="1400" b="0" dirty="0" err="1" smtClean="0">
                 <a:solidFill>
+                  <a:srgbClr val="D4D4D4"/>
+                </a:solidFill>
+                <a:effectLst/>
+                <a:latin typeface="Menlo" charset="0"/>
+              </a:rPr>
+              <a:t>.</a:t>
+            </a:r>
+            <a:r>
+              <a:rPr lang="en-US" altLang="ko-KR" sz="1400" b="0" dirty="0" err="1" smtClean="0">
+                <a:solidFill>
                   <a:srgbClr val="9CDCFE"/>
                 </a:solidFill>
                 <a:effectLst/>
                 <a:latin typeface="Menlo" charset="0"/>
               </a:rPr>
-              <a:t>coverageReporter</a:t>
-            </a:r>
-            <a:r>
-              <a:rPr lang="en-US" altLang="ko-KR" sz="1400" b="0" dirty="0" smtClean="0">
+              <a:t>config</a:t>
+            </a:r>
+            <a:r>
+              <a:rPr lang="en-US" altLang="ko-KR" sz="1400" b="0" dirty="0" err="1" smtClean="0">
+                <a:solidFill>
+                  <a:srgbClr val="D4D4D4"/>
+                </a:solidFill>
+                <a:effectLst/>
+                <a:latin typeface="Menlo" charset="0"/>
+              </a:rPr>
+              <a:t>.</a:t>
+            </a:r>
+            <a:r>
+              <a:rPr lang="en-US" altLang="ko-KR" sz="1400" b="0" dirty="0" err="1" smtClean="0">
                 <a:solidFill>
                   <a:srgbClr val="9CDCFE"/>
                 </a:solidFill>
                 <a:effectLst/>
                 <a:latin typeface="Menlo" charset="0"/>
               </a:rPr>
-              <a:t>:</a:t>
-            </a:r>
-            <a:r>
-              <a:rPr lang="en-US" altLang="ko-KR" sz="1400" b="0" dirty="0" smtClean="0">
-                <a:solidFill>
-                  <a:srgbClr val="D4D4D4"/>
-                </a:solidFill>
-                <a:effectLst/>
-                <a:latin typeface="Menlo" charset="0"/>
-              </a:rPr>
-              <a:t> {</a:t>
-            </a:r>
-          </a:p>
-          <a:p>
-            <a:r>
-              <a:rPr lang="en-US" altLang="ko-KR" sz="1400" b="0" dirty="0" smtClean="0">
+              <a:t>productionTip</a:t>
+            </a:r>
+            <a:r>
+              <a:rPr lang="en-US" altLang="ko-KR" sz="1400" b="0" dirty="0" smtClean="0">
+                <a:solidFill>
+                  <a:srgbClr val="D4D4D4"/>
+                </a:solidFill>
+                <a:effectLst/>
+                <a:latin typeface="Menlo" charset="0"/>
+              </a:rPr>
+              <a:t> = </a:t>
+            </a:r>
+            <a:r>
+              <a:rPr lang="en-US" altLang="ko-KR" sz="1400" b="0" dirty="0" smtClean="0">
+                <a:solidFill>
+                  <a:srgbClr val="569CD6"/>
+                </a:solidFill>
+                <a:effectLst/>
+                <a:latin typeface="Menlo" charset="0"/>
+              </a:rPr>
+              <a:t>false</a:t>
+            </a:r>
+            <a:endParaRPr lang="en-US" altLang="ko-KR" sz="1400" b="0" dirty="0" smtClean="0">
+              <a:solidFill>
+                <a:srgbClr val="D4D4D4"/>
+              </a:solidFill>
+              <a:effectLst/>
+              <a:latin typeface="Menlo" charset="0"/>
+            </a:endParaRPr>
+          </a:p>
+          <a:p>
+            <a:r>
+              <a:rPr lang="en-US" altLang="ko-KR" sz="1400" b="0" dirty="0" smtClean="0">
+                <a:solidFill>
+                  <a:srgbClr val="D4D4D4"/>
+                </a:solidFill>
+                <a:effectLst/>
+                <a:latin typeface="Menlo" charset="0"/>
+              </a:rPr>
+              <a:t/>
+            </a:r>
+            <a:br>
+              <a:rPr lang="en-US" altLang="ko-KR" sz="1400" b="0" dirty="0" smtClean="0">
+                <a:solidFill>
+                  <a:srgbClr val="D4D4D4"/>
+                </a:solidFill>
+                <a:effectLst/>
+                <a:latin typeface="Menlo" charset="0"/>
+              </a:rPr>
+            </a:br>
+            <a:r>
+              <a:rPr lang="en-US" altLang="ko-KR" sz="1400" b="0" dirty="0" smtClean="0">
+                <a:solidFill>
+                  <a:srgbClr val="6A9955"/>
+                </a:solidFill>
+                <a:effectLst/>
+                <a:latin typeface="Menlo" charset="0"/>
+              </a:rPr>
+              <a:t>// require all test files (files that ends with .</a:t>
+            </a:r>
+            <a:r>
+              <a:rPr lang="en-US" altLang="ko-KR" sz="1400" b="0" dirty="0" err="1" smtClean="0">
+                <a:solidFill>
+                  <a:srgbClr val="6A9955"/>
+                </a:solidFill>
+                <a:effectLst/>
+                <a:latin typeface="Menlo" charset="0"/>
+              </a:rPr>
+              <a:t>spec.js</a:t>
+            </a:r>
+            <a:r>
+              <a:rPr lang="en-US" altLang="ko-KR" sz="1400" b="0" dirty="0" smtClean="0">
+                <a:solidFill>
+                  <a:srgbClr val="6A9955"/>
+                </a:solidFill>
+                <a:effectLst/>
+                <a:latin typeface="Menlo" charset="0"/>
+              </a:rPr>
+              <a:t>)</a:t>
+            </a:r>
+            <a:endParaRPr lang="en-US" altLang="ko-KR" sz="1400" b="0" dirty="0" smtClean="0">
+              <a:solidFill>
+                <a:srgbClr val="D4D4D4"/>
+              </a:solidFill>
+              <a:effectLst/>
+              <a:latin typeface="Menlo" charset="0"/>
+            </a:endParaRPr>
+          </a:p>
+          <a:p>
+            <a:r>
+              <a:rPr lang="en-US" altLang="ko-KR" sz="1400" b="0" dirty="0" err="1" smtClean="0">
+                <a:solidFill>
+                  <a:srgbClr val="569CD6"/>
+                </a:solidFill>
+                <a:effectLst/>
+                <a:latin typeface="Menlo" charset="0"/>
+              </a:rPr>
+              <a:t>const</a:t>
+            </a:r>
+            <a:r>
+              <a:rPr lang="en-US" altLang="ko-KR" sz="1400" b="0" dirty="0" smtClean="0">
+                <a:solidFill>
+                  <a:srgbClr val="D4D4D4"/>
+                </a:solidFill>
+                <a:effectLst/>
+                <a:latin typeface="Menlo" charset="0"/>
+              </a:rPr>
+              <a:t> </a:t>
+            </a:r>
+            <a:r>
+              <a:rPr lang="en-US" altLang="ko-KR" sz="1400" b="0" dirty="0" err="1" smtClean="0">
                 <a:solidFill>
                   <a:srgbClr val="9CDCFE"/>
                 </a:solidFill>
                 <a:effectLst/>
                 <a:latin typeface="Menlo" charset="0"/>
               </a:rPr>
-              <a:t>			</a:t>
+              <a:t>testsContext</a:t>
+            </a:r>
+            <a:r>
+              <a:rPr lang="en-US" altLang="ko-KR" sz="1400" b="0" dirty="0" smtClean="0">
+                <a:solidFill>
+                  <a:srgbClr val="D4D4D4"/>
+                </a:solidFill>
+                <a:effectLst/>
+                <a:latin typeface="Menlo" charset="0"/>
+              </a:rPr>
+              <a:t> = </a:t>
             </a:r>
             <a:r>
               <a:rPr lang="en-US" altLang="ko-KR" sz="1400" b="0" dirty="0" err="1" smtClean="0">
@@ -8156,17 +9004,347 @@
                 <a:effectLst/>
                 <a:latin typeface="Menlo" charset="0"/>
               </a:rPr>
-              <a:t>dir</a:t>
-            </a:r>
-            <a:r>
-              <a:rPr lang="en-US" altLang="ko-KR" sz="1400" b="0" dirty="0" smtClean="0">
+              <a:t>require</a:t>
+            </a:r>
+            <a:r>
+              <a:rPr lang="en-US" altLang="ko-KR" sz="1400" b="0" dirty="0" err="1" smtClean="0">
+                <a:solidFill>
+                  <a:srgbClr val="D4D4D4"/>
+                </a:solidFill>
+                <a:effectLst/>
+                <a:latin typeface="Menlo" charset="0"/>
+              </a:rPr>
+              <a:t>.</a:t>
+            </a:r>
+            <a:r>
+              <a:rPr lang="en-US" altLang="ko-KR" sz="1400" b="0" dirty="0" err="1" smtClean="0">
+                <a:solidFill>
+                  <a:srgbClr val="DCDCAA"/>
+                </a:solidFill>
+                <a:effectLst/>
+                <a:latin typeface="Menlo" charset="0"/>
+              </a:rPr>
+              <a:t>context</a:t>
+            </a:r>
+            <a:r>
+              <a:rPr lang="en-US" altLang="ko-KR" sz="1400" b="0" dirty="0" smtClean="0">
+                <a:solidFill>
+                  <a:srgbClr val="D4D4D4"/>
+                </a:solidFill>
+                <a:effectLst/>
+                <a:latin typeface="Menlo" charset="0"/>
+              </a:rPr>
+              <a:t>(</a:t>
+            </a:r>
+            <a:r>
+              <a:rPr lang="en-US" altLang="ko-KR" sz="1400" b="0" dirty="0" smtClean="0">
+                <a:solidFill>
+                  <a:srgbClr val="CE9178"/>
+                </a:solidFill>
+                <a:effectLst/>
+                <a:latin typeface="Menlo" charset="0"/>
+              </a:rPr>
+              <a:t>'./specs'</a:t>
+            </a:r>
+            <a:r>
+              <a:rPr lang="en-US" altLang="ko-KR" sz="1400" b="0" dirty="0" smtClean="0">
+                <a:solidFill>
+                  <a:srgbClr val="D4D4D4"/>
+                </a:solidFill>
+                <a:effectLst/>
+                <a:latin typeface="Menlo" charset="0"/>
+              </a:rPr>
+              <a:t>, </a:t>
+            </a:r>
+            <a:r>
+              <a:rPr lang="en-US" altLang="ko-KR" sz="1400" b="0" dirty="0" smtClean="0">
+                <a:solidFill>
+                  <a:srgbClr val="569CD6"/>
+                </a:solidFill>
+                <a:effectLst/>
+                <a:latin typeface="Menlo" charset="0"/>
+              </a:rPr>
+              <a:t>true</a:t>
+            </a:r>
+            <a:r>
+              <a:rPr lang="en-US" altLang="ko-KR" sz="1400" b="0" dirty="0" smtClean="0">
+                <a:solidFill>
+                  <a:srgbClr val="D4D4D4"/>
+                </a:solidFill>
+                <a:effectLst/>
+                <a:latin typeface="Menlo" charset="0"/>
+              </a:rPr>
+              <a:t>,</a:t>
+            </a:r>
+            <a:r>
+              <a:rPr lang="en-US" altLang="ko-KR" sz="1400" b="0" dirty="0" smtClean="0">
+                <a:solidFill>
+                  <a:srgbClr val="D16969"/>
+                </a:solidFill>
+                <a:effectLst/>
+                <a:latin typeface="Menlo" charset="0"/>
+              </a:rPr>
+              <a:t> /</a:t>
+            </a:r>
+            <a:r>
+              <a:rPr lang="en-US" altLang="ko-KR" sz="1400" b="0" dirty="0" smtClean="0">
+                <a:solidFill>
+                  <a:srgbClr val="D7BA7D"/>
+                </a:solidFill>
+                <a:effectLst/>
+                <a:latin typeface="Menlo" charset="0"/>
+              </a:rPr>
+              <a:t>\.</a:t>
+            </a:r>
+            <a:r>
+              <a:rPr lang="en-US" altLang="ko-KR" sz="1400" b="0" dirty="0" smtClean="0">
+                <a:solidFill>
+                  <a:srgbClr val="D16969"/>
+                </a:solidFill>
+                <a:effectLst/>
+                <a:latin typeface="Menlo" charset="0"/>
+              </a:rPr>
+              <a:t>spec</a:t>
+            </a:r>
+            <a:r>
+              <a:rPr lang="en-US" altLang="ko-KR" sz="1400" b="0" dirty="0" smtClean="0">
+                <a:solidFill>
+                  <a:srgbClr val="DCDCAA"/>
+                </a:solidFill>
+                <a:effectLst/>
+                <a:latin typeface="Menlo" charset="0"/>
+              </a:rPr>
+              <a:t>$</a:t>
+            </a:r>
+            <a:r>
+              <a:rPr lang="en-US" altLang="ko-KR" sz="1400" b="0" dirty="0" smtClean="0">
+                <a:solidFill>
+                  <a:srgbClr val="D16969"/>
+                </a:solidFill>
+                <a:effectLst/>
+                <a:latin typeface="Menlo" charset="0"/>
+              </a:rPr>
+              <a:t>/</a:t>
+            </a:r>
+            <a:r>
+              <a:rPr lang="en-US" altLang="ko-KR" sz="1400" b="0" dirty="0" smtClean="0">
+                <a:solidFill>
+                  <a:srgbClr val="D4D4D4"/>
+                </a:solidFill>
+                <a:effectLst/>
+                <a:latin typeface="Menlo" charset="0"/>
+              </a:rPr>
+              <a:t>)</a:t>
+            </a:r>
+          </a:p>
+          <a:p>
+            <a:r>
+              <a:rPr lang="en-US" altLang="ko-KR" sz="1400" b="0" dirty="0" err="1" smtClean="0">
                 <a:solidFill>
                   <a:srgbClr val="9CDCFE"/>
                 </a:solidFill>
                 <a:effectLst/>
                 <a:latin typeface="Menlo" charset="0"/>
               </a:rPr>
-              <a:t>:</a:t>
+              <a:t>testsContext</a:t>
+            </a:r>
+            <a:r>
+              <a:rPr lang="en-US" altLang="ko-KR" sz="1400" b="0" dirty="0" err="1" smtClean="0">
+                <a:solidFill>
+                  <a:srgbClr val="D4D4D4"/>
+                </a:solidFill>
+                <a:effectLst/>
+                <a:latin typeface="Menlo" charset="0"/>
+              </a:rPr>
+              <a:t>.</a:t>
+            </a:r>
+            <a:r>
+              <a:rPr lang="en-US" altLang="ko-KR" sz="1400" b="0" dirty="0" err="1" smtClean="0">
+                <a:solidFill>
+                  <a:srgbClr val="DCDCAA"/>
+                </a:solidFill>
+                <a:effectLst/>
+                <a:latin typeface="Menlo" charset="0"/>
+              </a:rPr>
+              <a:t>keys</a:t>
+            </a:r>
+            <a:r>
+              <a:rPr lang="en-US" altLang="ko-KR" sz="1400" b="0" dirty="0" smtClean="0">
+                <a:solidFill>
+                  <a:srgbClr val="D4D4D4"/>
+                </a:solidFill>
+                <a:effectLst/>
+                <a:latin typeface="Menlo" charset="0"/>
+              </a:rPr>
+              <a:t>().</a:t>
+            </a:r>
+            <a:r>
+              <a:rPr lang="en-US" altLang="ko-KR" sz="1400" b="0" dirty="0" err="1" smtClean="0">
+                <a:solidFill>
+                  <a:srgbClr val="DCDCAA"/>
+                </a:solidFill>
+                <a:effectLst/>
+                <a:latin typeface="Menlo" charset="0"/>
+              </a:rPr>
+              <a:t>forEach</a:t>
+            </a:r>
+            <a:r>
+              <a:rPr lang="en-US" altLang="ko-KR" sz="1400" b="0" dirty="0" smtClean="0">
+                <a:solidFill>
+                  <a:srgbClr val="D4D4D4"/>
+                </a:solidFill>
+                <a:effectLst/>
+                <a:latin typeface="Menlo" charset="0"/>
+              </a:rPr>
+              <a:t>(</a:t>
+            </a:r>
+            <a:r>
+              <a:rPr lang="en-US" altLang="ko-KR" sz="1400" b="0" dirty="0" err="1" smtClean="0">
+                <a:solidFill>
+                  <a:srgbClr val="9CDCFE"/>
+                </a:solidFill>
+                <a:effectLst/>
+                <a:latin typeface="Menlo" charset="0"/>
+              </a:rPr>
+              <a:t>testsContext</a:t>
+            </a:r>
+            <a:r>
+              <a:rPr lang="en-US" altLang="ko-KR" sz="1400" b="0" dirty="0" smtClean="0">
+                <a:solidFill>
+                  <a:srgbClr val="D4D4D4"/>
+                </a:solidFill>
+                <a:effectLst/>
+                <a:latin typeface="Menlo" charset="0"/>
+              </a:rPr>
+              <a:t>)</a:t>
+            </a:r>
+          </a:p>
+          <a:p>
+            <a:r>
+              <a:rPr lang="en-US" altLang="ko-KR" sz="1400" b="0" dirty="0" smtClean="0">
+                <a:solidFill>
+                  <a:srgbClr val="D4D4D4"/>
+                </a:solidFill>
+                <a:effectLst/>
+                <a:latin typeface="Menlo" charset="0"/>
+              </a:rPr>
+              <a:t/>
+            </a:r>
+            <a:br>
+              <a:rPr lang="en-US" altLang="ko-KR" sz="1400" b="0" dirty="0" smtClean="0">
+                <a:solidFill>
+                  <a:srgbClr val="D4D4D4"/>
+                </a:solidFill>
+                <a:effectLst/>
+                <a:latin typeface="Menlo" charset="0"/>
+              </a:rPr>
+            </a:br>
+            <a:r>
+              <a:rPr lang="en-US" altLang="ko-KR" sz="1400" b="0" dirty="0" smtClean="0">
+                <a:solidFill>
+                  <a:srgbClr val="6A9955"/>
+                </a:solidFill>
+                <a:effectLst/>
+                <a:latin typeface="Menlo" charset="0"/>
+              </a:rPr>
+              <a:t>// require all </a:t>
+            </a:r>
+            <a:r>
+              <a:rPr lang="en-US" altLang="ko-KR" sz="1400" b="0" dirty="0" err="1" smtClean="0">
+                <a:solidFill>
+                  <a:srgbClr val="6A9955"/>
+                </a:solidFill>
+                <a:effectLst/>
+                <a:latin typeface="Menlo" charset="0"/>
+              </a:rPr>
+              <a:t>src</a:t>
+            </a:r>
+            <a:r>
+              <a:rPr lang="en-US" altLang="ko-KR" sz="1400" b="0" dirty="0" smtClean="0">
+                <a:solidFill>
+                  <a:srgbClr val="6A9955"/>
+                </a:solidFill>
+                <a:effectLst/>
+                <a:latin typeface="Menlo" charset="0"/>
+              </a:rPr>
+              <a:t> files except </a:t>
+            </a:r>
+            <a:r>
+              <a:rPr lang="en-US" altLang="ko-KR" sz="1400" b="0" dirty="0" err="1" smtClean="0">
+                <a:solidFill>
+                  <a:srgbClr val="6A9955"/>
+                </a:solidFill>
+                <a:effectLst/>
+                <a:latin typeface="Menlo" charset="0"/>
+              </a:rPr>
+              <a:t>main.js</a:t>
+            </a:r>
+            <a:r>
+              <a:rPr lang="en-US" altLang="ko-KR" sz="1400" b="0" dirty="0" smtClean="0">
+                <a:solidFill>
+                  <a:srgbClr val="6A9955"/>
+                </a:solidFill>
+                <a:effectLst/>
+                <a:latin typeface="Menlo" charset="0"/>
+              </a:rPr>
+              <a:t> for coverage.</a:t>
+            </a:r>
+            <a:endParaRPr lang="en-US" altLang="ko-KR" sz="1400" b="0" dirty="0" smtClean="0">
+              <a:solidFill>
+                <a:srgbClr val="D4D4D4"/>
+              </a:solidFill>
+              <a:effectLst/>
+              <a:latin typeface="Menlo" charset="0"/>
+            </a:endParaRPr>
+          </a:p>
+          <a:p>
+            <a:r>
+              <a:rPr lang="en-US" altLang="ko-KR" sz="1400" b="0" dirty="0" smtClean="0">
+                <a:solidFill>
+                  <a:srgbClr val="6A9955"/>
+                </a:solidFill>
+                <a:effectLst/>
+                <a:latin typeface="Menlo" charset="0"/>
+              </a:rPr>
+              <a:t>// you can also change this to match only the subset of files that</a:t>
+            </a:r>
+            <a:endParaRPr lang="en-US" altLang="ko-KR" sz="1400" b="0" dirty="0" smtClean="0">
+              <a:solidFill>
+                <a:srgbClr val="D4D4D4"/>
+              </a:solidFill>
+              <a:effectLst/>
+              <a:latin typeface="Menlo" charset="0"/>
+            </a:endParaRPr>
+          </a:p>
+          <a:p>
+            <a:r>
+              <a:rPr lang="en-US" altLang="ko-KR" sz="1400" b="0" dirty="0" smtClean="0">
+                <a:solidFill>
+                  <a:srgbClr val="6A9955"/>
+                </a:solidFill>
+                <a:effectLst/>
+                <a:latin typeface="Menlo" charset="0"/>
+              </a:rPr>
+              <a:t>// you want coverage for.</a:t>
+            </a:r>
+            <a:endParaRPr lang="en-US" altLang="ko-KR" sz="1400" b="0" dirty="0" smtClean="0">
+              <a:solidFill>
+                <a:srgbClr val="D4D4D4"/>
+              </a:solidFill>
+              <a:effectLst/>
+              <a:latin typeface="Menlo" charset="0"/>
+            </a:endParaRPr>
+          </a:p>
+          <a:p>
+            <a:r>
+              <a:rPr lang="en-US" altLang="ko-KR" sz="1400" b="0" dirty="0" err="1" smtClean="0">
+                <a:solidFill>
+                  <a:srgbClr val="569CD6"/>
+                </a:solidFill>
+                <a:effectLst/>
+                <a:latin typeface="Menlo" charset="0"/>
+              </a:rPr>
+              <a:t>const</a:t>
             </a:r>
             <a:r>
               <a:rPr lang="en-US" altLang="ko-KR" sz="1400" b="0" dirty="0" smtClean="0">
@@ -8179,6 +9357,66 @@
               <a:t> </a:t>
             </a:r>
             <a:r>
+              <a:rPr lang="en-US" altLang="ko-KR" sz="1400" b="0" dirty="0" err="1" smtClean="0">
+                <a:solidFill>
+                  <a:srgbClr val="9CDCFE"/>
+                </a:solidFill>
+                <a:effectLst/>
+                <a:latin typeface="Menlo" charset="0"/>
+              </a:rPr>
+              <a:t>srcContext</a:t>
+            </a:r>
+            <a:r>
+              <a:rPr lang="en-US" altLang="ko-KR" sz="1400" b="0" dirty="0" smtClean="0">
+                <a:solidFill>
+                  <a:srgbClr val="D4D4D4"/>
+                </a:solidFill>
+                <a:effectLst/>
+                <a:latin typeface="Menlo" charset="0"/>
+              </a:rPr>
+              <a:t> = </a:t>
+            </a:r>
+            <a:r>
+              <a:rPr lang="en-US" altLang="ko-KR" sz="1400" b="0" dirty="0" err="1" smtClean="0">
+                <a:solidFill>
+                  <a:srgbClr val="9CDCFE"/>
+                </a:solidFill>
+                <a:effectLst/>
+                <a:latin typeface="Menlo" charset="0"/>
+              </a:rPr>
+              <a:t>require</a:t>
+            </a:r>
+            <a:r>
+              <a:rPr lang="en-US" altLang="ko-KR" sz="1400" b="0" dirty="0" err="1" smtClean="0">
+                <a:solidFill>
+                  <a:srgbClr val="D4D4D4"/>
+                </a:solidFill>
+                <a:effectLst/>
+                <a:latin typeface="Menlo" charset="0"/>
+              </a:rPr>
+              <a:t>.</a:t>
+            </a:r>
+            <a:r>
+              <a:rPr lang="en-US" altLang="ko-KR" sz="1400" b="0" dirty="0" err="1" smtClean="0">
+                <a:solidFill>
+                  <a:srgbClr val="DCDCAA"/>
+                </a:solidFill>
+                <a:effectLst/>
+                <a:latin typeface="Menlo" charset="0"/>
+              </a:rPr>
+              <a:t>context</a:t>
+            </a:r>
+            <a:r>
+              <a:rPr lang="en-US" altLang="ko-KR" sz="1400" b="0" dirty="0" smtClean="0">
+                <a:solidFill>
+                  <a:srgbClr val="D4D4D4"/>
+                </a:solidFill>
+                <a:effectLst/>
+                <a:latin typeface="Menlo" charset="0"/>
+              </a:rPr>
+              <a:t>(</a:t>
+            </a:r>
+            <a:r>
               <a:rPr lang="en-US" altLang="ko-KR" sz="1400" b="0" dirty="0" smtClean="0">
                 <a:solidFill>
                   <a:srgbClr val="CE9178"/>
@@ -8186,7 +9424,47 @@
                 <a:effectLst/>
                 <a:latin typeface="Menlo" charset="0"/>
               </a:rPr>
-              <a:t>'./coverage'</a:t>
+              <a:t>'../../</a:t>
+            </a:r>
+            <a:r>
+              <a:rPr lang="en-US" altLang="ko-KR" sz="1400" b="0" dirty="0" err="1" smtClean="0">
+                <a:solidFill>
+                  <a:srgbClr val="CE9178"/>
+                </a:solidFill>
+                <a:effectLst/>
+                <a:latin typeface="Menlo" charset="0"/>
+              </a:rPr>
+              <a:t>src</a:t>
+            </a:r>
+            <a:r>
+              <a:rPr lang="en-US" altLang="ko-KR" sz="1400" b="0" dirty="0" smtClean="0">
+                <a:solidFill>
+                  <a:srgbClr val="CE9178"/>
+                </a:solidFill>
+                <a:effectLst/>
+                <a:latin typeface="Menlo" charset="0"/>
+              </a:rPr>
+              <a:t>'</a:t>
+            </a:r>
+            <a:r>
+              <a:rPr lang="en-US" altLang="ko-KR" sz="1400" b="0" dirty="0" smtClean="0">
+                <a:solidFill>
+                  <a:srgbClr val="D4D4D4"/>
+                </a:solidFill>
+                <a:effectLst/>
+                <a:latin typeface="Menlo" charset="0"/>
+              </a:rPr>
+              <a:t>, </a:t>
+            </a:r>
+            <a:r>
+              <a:rPr lang="en-US" altLang="ko-KR" sz="1400" b="0" dirty="0" smtClean="0">
+                <a:solidFill>
+                  <a:srgbClr val="569CD6"/>
+                </a:solidFill>
+                <a:effectLst/>
+                <a:latin typeface="Menlo" charset="0"/>
+              </a:rPr>
+              <a:t>true</a:t>
             </a:r>
             <a:r>
               <a:rPr lang="en-US" altLang="ko-KR" sz="1400" b="0" dirty="0" smtClean="0">
@@ -8198,240 +9476,249 @@
               </a:rPr>
               <a:t>,</a:t>
             </a:r>
-          </a:p>
-          <a:p>
-            <a:r>
-              <a:rPr lang="en-US" altLang="ko-KR" sz="1400" b="0" dirty="0" smtClean="0">
+            <a:r>
+              <a:rPr lang="en-US" altLang="ko-KR" sz="1400" b="0" dirty="0" smtClean="0">
+                <a:solidFill>
+                  <a:srgbClr val="D16969"/>
+                </a:solidFill>
+                <a:effectLst/>
+                <a:latin typeface="Menlo" charset="0"/>
+              </a:rPr>
+              <a:t> /</a:t>
+            </a:r>
+            <a:r>
+              <a:rPr lang="en-US" altLang="ko-KR" sz="1400" b="0" dirty="0" smtClean="0">
+                <a:solidFill>
+                  <a:srgbClr val="DCDCAA"/>
+                </a:solidFill>
+                <a:effectLst/>
+                <a:latin typeface="Menlo" charset="0"/>
+              </a:rPr>
+              <a:t>^</a:t>
+            </a:r>
+            <a:r>
+              <a:rPr lang="en-US" altLang="ko-KR" sz="1400" b="0" dirty="0" smtClean="0">
+                <a:solidFill>
+                  <a:srgbClr val="D7BA7D"/>
+                </a:solidFill>
+                <a:effectLst/>
+                <a:latin typeface="Menlo" charset="0"/>
+              </a:rPr>
+              <a:t>\.\/</a:t>
+            </a:r>
+            <a:r>
+              <a:rPr lang="en-US" altLang="ko-KR" sz="1400" b="0" dirty="0" smtClean="0">
+                <a:solidFill>
+                  <a:srgbClr val="CE9178"/>
+                </a:solidFill>
+                <a:effectLst/>
+                <a:latin typeface="Menlo" charset="0"/>
+              </a:rPr>
+              <a:t>(?!</a:t>
+            </a:r>
+            <a:r>
+              <a:rPr lang="en-US" altLang="ko-KR" sz="1400" b="0" dirty="0" smtClean="0">
+                <a:solidFill>
+                  <a:srgbClr val="D16969"/>
+                </a:solidFill>
+                <a:effectLst/>
+                <a:latin typeface="Menlo" charset="0"/>
+              </a:rPr>
+              <a:t>main</a:t>
+            </a:r>
+            <a:r>
+              <a:rPr lang="en-US" altLang="ko-KR" sz="1400" b="0" dirty="0" smtClean="0">
+                <a:solidFill>
+                  <a:srgbClr val="CE9178"/>
+                </a:solidFill>
+                <a:effectLst/>
+                <a:latin typeface="Menlo" charset="0"/>
+              </a:rPr>
+              <a:t>(</a:t>
+            </a:r>
+            <a:r>
+              <a:rPr lang="en-US" altLang="ko-KR" sz="1400" b="0" dirty="0" smtClean="0">
+                <a:solidFill>
+                  <a:srgbClr val="D7BA7D"/>
+                </a:solidFill>
+                <a:effectLst/>
+                <a:latin typeface="Menlo" charset="0"/>
+              </a:rPr>
+              <a:t>\.</a:t>
+            </a:r>
+            <a:r>
+              <a:rPr lang="en-US" altLang="ko-KR" sz="1400" b="0" dirty="0" err="1" smtClean="0">
+                <a:solidFill>
+                  <a:srgbClr val="D16969"/>
+                </a:solidFill>
+                <a:effectLst/>
+                <a:latin typeface="Menlo" charset="0"/>
+              </a:rPr>
+              <a:t>js</a:t>
+            </a:r>
+            <a:r>
+              <a:rPr lang="en-US" altLang="ko-KR" sz="1400" b="0" dirty="0" smtClean="0">
+                <a:solidFill>
+                  <a:srgbClr val="CE9178"/>
+                </a:solidFill>
+                <a:effectLst/>
+                <a:latin typeface="Menlo" charset="0"/>
+              </a:rPr>
+              <a:t>)</a:t>
+            </a:r>
+            <a:r>
+              <a:rPr lang="en-US" altLang="ko-KR" sz="1400" b="0" dirty="0" smtClean="0">
+                <a:solidFill>
+                  <a:srgbClr val="D7BA7D"/>
+                </a:solidFill>
+                <a:effectLst/>
+                <a:latin typeface="Menlo" charset="0"/>
+              </a:rPr>
+              <a:t>?</a:t>
+            </a:r>
+            <a:r>
+              <a:rPr lang="en-US" altLang="ko-KR" sz="1400" b="0" dirty="0" smtClean="0">
+                <a:solidFill>
+                  <a:srgbClr val="DCDCAA"/>
+                </a:solidFill>
+                <a:effectLst/>
+                <a:latin typeface="Menlo" charset="0"/>
+              </a:rPr>
+              <a:t>$</a:t>
+            </a:r>
+            <a:r>
+              <a:rPr lang="en-US" altLang="ko-KR" sz="1400" b="0" dirty="0" smtClean="0">
+                <a:solidFill>
+                  <a:srgbClr val="CE9178"/>
+                </a:solidFill>
+                <a:effectLst/>
+                <a:latin typeface="Menlo" charset="0"/>
+              </a:rPr>
+              <a:t>)</a:t>
+            </a:r>
+            <a:r>
+              <a:rPr lang="en-US" altLang="ko-KR" sz="1400" b="0" dirty="0" smtClean="0">
+                <a:solidFill>
+                  <a:srgbClr val="D16969"/>
+                </a:solidFill>
+                <a:effectLst/>
+                <a:latin typeface="Menlo" charset="0"/>
+              </a:rPr>
+              <a:t>/</a:t>
+            </a:r>
+            <a:r>
+              <a:rPr lang="en-US" altLang="ko-KR" sz="1400" b="0" dirty="0" smtClean="0">
+                <a:solidFill>
+                  <a:srgbClr val="D4D4D4"/>
+                </a:solidFill>
+                <a:effectLst/>
+                <a:latin typeface="Menlo" charset="0"/>
+              </a:rPr>
+              <a:t>)</a:t>
+            </a:r>
+          </a:p>
+          <a:p>
+            <a:r>
+              <a:rPr lang="en-US" altLang="ko-KR" sz="1400" b="0" dirty="0" err="1" smtClean="0">
                 <a:solidFill>
                   <a:srgbClr val="9CDCFE"/>
                 </a:solidFill>
                 <a:effectLst/>
                 <a:latin typeface="Menlo" charset="0"/>
               </a:rPr>
-              <a:t>			reporters:</a:t>
-            </a:r>
-            <a:r>
-              <a:rPr lang="en-US" altLang="ko-KR" sz="1400" b="0" dirty="0" smtClean="0">
-                <a:solidFill>
-                  <a:srgbClr val="D4D4D4"/>
-                </a:solidFill>
-                <a:effectLst/>
-                <a:latin typeface="Menlo" charset="0"/>
-              </a:rPr>
-              <a:t> [</a:t>
-            </a:r>
-          </a:p>
-          <a:p>
-            <a:r>
-              <a:rPr lang="en-US" altLang="ko-KR" sz="1400" b="0" dirty="0" smtClean="0">
-                <a:solidFill>
-                  <a:srgbClr val="D4D4D4"/>
-                </a:solidFill>
-                <a:effectLst/>
-                <a:latin typeface="Menlo" charset="0"/>
-              </a:rPr>
-              <a:t>				{ </a:t>
-            </a:r>
-            <a:r>
-              <a:rPr lang="en-US" altLang="ko-KR" sz="1400" b="0" dirty="0" smtClean="0">
+              <a:t>srcContext</a:t>
+            </a:r>
+            <a:r>
+              <a:rPr lang="en-US" altLang="ko-KR" sz="1400" b="0" dirty="0" err="1" smtClean="0">
+                <a:solidFill>
+                  <a:srgbClr val="D4D4D4"/>
+                </a:solidFill>
+                <a:effectLst/>
+                <a:latin typeface="Menlo" charset="0"/>
+              </a:rPr>
+              <a:t>.</a:t>
+            </a:r>
+            <a:r>
+              <a:rPr lang="en-US" altLang="ko-KR" sz="1400" b="0" dirty="0" err="1" smtClean="0">
+                <a:solidFill>
+                  <a:srgbClr val="DCDCAA"/>
+                </a:solidFill>
+                <a:effectLst/>
+                <a:latin typeface="Menlo" charset="0"/>
+              </a:rPr>
+              <a:t>keys</a:t>
+            </a:r>
+            <a:r>
+              <a:rPr lang="en-US" altLang="ko-KR" sz="1400" b="0" dirty="0" smtClean="0">
+                <a:solidFill>
+                  <a:srgbClr val="D4D4D4"/>
+                </a:solidFill>
+                <a:effectLst/>
+                <a:latin typeface="Menlo" charset="0"/>
+              </a:rPr>
+              <a:t>().</a:t>
+            </a:r>
+            <a:r>
+              <a:rPr lang="en-US" altLang="ko-KR" sz="1400" b="0" dirty="0" err="1" smtClean="0">
+                <a:solidFill>
+                  <a:srgbClr val="DCDCAA"/>
+                </a:solidFill>
+                <a:effectLst/>
+                <a:latin typeface="Menlo" charset="0"/>
+              </a:rPr>
+              <a:t>forEach</a:t>
+            </a:r>
+            <a:r>
+              <a:rPr lang="en-US" altLang="ko-KR" sz="1400" b="0" dirty="0" smtClean="0">
+                <a:solidFill>
+                  <a:srgbClr val="D4D4D4"/>
+                </a:solidFill>
+                <a:effectLst/>
+                <a:latin typeface="Menlo" charset="0"/>
+              </a:rPr>
+              <a:t>(</a:t>
+            </a:r>
+            <a:r>
+              <a:rPr lang="en-US" altLang="ko-KR" sz="1400" b="0" dirty="0" err="1" smtClean="0">
                 <a:solidFill>
                   <a:srgbClr val="9CDCFE"/>
                 </a:solidFill>
                 <a:effectLst/>
                 <a:latin typeface="Menlo" charset="0"/>
               </a:rPr>
-              <a:t>type:</a:t>
-            </a:r>
-            <a:r>
-              <a:rPr lang="en-US" altLang="ko-KR" sz="1400" b="0" dirty="0" smtClean="0">
-                <a:solidFill>
-                  <a:srgbClr val="D4D4D4"/>
-                </a:solidFill>
-                <a:effectLst/>
-                <a:latin typeface="Menlo" charset="0"/>
-              </a:rPr>
-              <a:t> </a:t>
-            </a:r>
-            <a:r>
-              <a:rPr lang="en-US" altLang="ko-KR" sz="1400" b="0" dirty="0" smtClean="0">
-                <a:solidFill>
-                  <a:srgbClr val="CE9178"/>
-                </a:solidFill>
-                <a:effectLst/>
-                <a:latin typeface="Menlo" charset="0"/>
-              </a:rPr>
-              <a:t>'</a:t>
-            </a:r>
-            <a:r>
-              <a:rPr lang="en-US" altLang="ko-KR" sz="1400" b="0" dirty="0" err="1" smtClean="0">
-                <a:solidFill>
-                  <a:srgbClr val="CE9178"/>
-                </a:solidFill>
-                <a:effectLst/>
-                <a:latin typeface="Menlo" charset="0"/>
-              </a:rPr>
-              <a:t>lcov</a:t>
-            </a:r>
-            <a:r>
-              <a:rPr lang="en-US" altLang="ko-KR" sz="1400" b="0" dirty="0" smtClean="0">
-                <a:solidFill>
-                  <a:srgbClr val="CE9178"/>
-                </a:solidFill>
-                <a:effectLst/>
-                <a:latin typeface="Menlo" charset="0"/>
-              </a:rPr>
-              <a:t>'</a:t>
-            </a:r>
-            <a:r>
-              <a:rPr lang="en-US" altLang="ko-KR" sz="1400" b="0" dirty="0" smtClean="0">
-                <a:solidFill>
-                  <a:srgbClr val="D4D4D4"/>
-                </a:solidFill>
-                <a:effectLst/>
-                <a:latin typeface="Menlo" charset="0"/>
-              </a:rPr>
-              <a:t>, </a:t>
-            </a:r>
-            <a:r>
-              <a:rPr lang="en-US" altLang="ko-KR" sz="1400" b="0" dirty="0" smtClean="0">
-                <a:solidFill>
-                  <a:srgbClr val="9CDCFE"/>
-                </a:solidFill>
-                <a:effectLst/>
-                <a:latin typeface="Menlo" charset="0"/>
-              </a:rPr>
-              <a:t>subdir:</a:t>
-            </a:r>
-            <a:r>
-              <a:rPr lang="en-US" altLang="ko-KR" sz="1400" b="0" dirty="0" smtClean="0">
-                <a:solidFill>
-                  <a:srgbClr val="D4D4D4"/>
-                </a:solidFill>
-                <a:effectLst/>
-                <a:latin typeface="Menlo" charset="0"/>
-              </a:rPr>
-              <a:t> </a:t>
-            </a:r>
-            <a:r>
-              <a:rPr lang="en-US" altLang="ko-KR" sz="1400" b="0" dirty="0" smtClean="0">
-                <a:solidFill>
-                  <a:srgbClr val="CE9178"/>
-                </a:solidFill>
-                <a:effectLst/>
-                <a:latin typeface="Menlo" charset="0"/>
-              </a:rPr>
-              <a:t>'.'</a:t>
-            </a:r>
-            <a:r>
-              <a:rPr lang="en-US" altLang="ko-KR" sz="1400" b="0" dirty="0" smtClean="0">
-                <a:solidFill>
-                  <a:srgbClr val="D4D4D4"/>
-                </a:solidFill>
-                <a:effectLst/>
-                <a:latin typeface="Menlo" charset="0"/>
-              </a:rPr>
-              <a:t> },</a:t>
-            </a:r>
-          </a:p>
-          <a:p>
-            <a:r>
-              <a:rPr lang="en-US" altLang="ko-KR" sz="1400" b="0" dirty="0" smtClean="0">
-                <a:solidFill>
-                  <a:srgbClr val="D4D4D4"/>
-                </a:solidFill>
-                <a:effectLst/>
-                <a:latin typeface="Menlo" charset="0"/>
-              </a:rPr>
-              <a:t>				{ </a:t>
-            </a:r>
-            <a:r>
-              <a:rPr lang="en-US" altLang="ko-KR" sz="1400" b="0" dirty="0" smtClean="0">
-                <a:solidFill>
-                  <a:srgbClr val="9CDCFE"/>
-                </a:solidFill>
-                <a:effectLst/>
-                <a:latin typeface="Menlo" charset="0"/>
-              </a:rPr>
-              <a:t>type:</a:t>
-            </a:r>
-            <a:r>
-              <a:rPr lang="en-US" altLang="ko-KR" sz="1400" b="0" dirty="0" smtClean="0">
-                <a:solidFill>
-                  <a:srgbClr val="D4D4D4"/>
-                </a:solidFill>
-                <a:effectLst/>
-                <a:latin typeface="Menlo" charset="0"/>
-              </a:rPr>
-              <a:t> </a:t>
-            </a:r>
-            <a:r>
-              <a:rPr lang="en-US" altLang="ko-KR" sz="1400" b="0" dirty="0" smtClean="0">
-                <a:solidFill>
-                  <a:srgbClr val="CE9178"/>
-                </a:solidFill>
-                <a:effectLst/>
-                <a:latin typeface="Menlo" charset="0"/>
-              </a:rPr>
-              <a:t>'text-summary'</a:t>
-            </a:r>
-            <a:r>
-              <a:rPr lang="en-US" altLang="ko-KR" sz="1400" b="0" dirty="0" smtClean="0">
-                <a:solidFill>
-                  <a:srgbClr val="D4D4D4"/>
-                </a:solidFill>
-                <a:effectLst/>
-                <a:latin typeface="Menlo" charset="0"/>
-              </a:rPr>
-              <a:t> }</a:t>
-            </a:r>
-          </a:p>
-          <a:p>
-            <a:r>
-              <a:rPr lang="en-US" altLang="ko-KR" sz="1400" b="0" dirty="0" smtClean="0">
-                <a:solidFill>
-                  <a:srgbClr val="D4D4D4"/>
-                </a:solidFill>
-                <a:effectLst/>
-                <a:latin typeface="Menlo" charset="0"/>
-              </a:rPr>
-              <a:t>			]</a:t>
-            </a:r>
-          </a:p>
-          <a:p>
-            <a:r>
-              <a:rPr lang="en-US" altLang="ko-KR" sz="1400" b="0" dirty="0" smtClean="0">
-                <a:solidFill>
-                  <a:srgbClr val="D4D4D4"/>
-                </a:solidFill>
-                <a:effectLst/>
-                <a:latin typeface="Menlo" charset="0"/>
-              </a:rPr>
-              <a:t>		}</a:t>
-            </a:r>
-          </a:p>
-          <a:p>
-            <a:r>
-              <a:rPr lang="en-US" altLang="ko-KR" sz="1400" b="0" dirty="0" smtClean="0">
-                <a:solidFill>
-                  <a:srgbClr val="D4D4D4"/>
-                </a:solidFill>
-                <a:effectLst/>
-                <a:latin typeface="Menlo" charset="0"/>
-              </a:rPr>
-              <a:t>	})</a:t>
-            </a:r>
-          </a:p>
-          <a:p>
-            <a:r>
-              <a:rPr lang="en-US" altLang="ko-KR" sz="1400" b="0" dirty="0" smtClean="0">
-                <a:solidFill>
-                  <a:srgbClr val="D4D4D4"/>
-                </a:solidFill>
-                <a:effectLst/>
-                <a:latin typeface="Menlo" charset="0"/>
-              </a:rPr>
-              <a:t>}</a:t>
-            </a:r>
+              <a:t>srcContext</a:t>
+            </a:r>
+            <a:r>
+              <a:rPr lang="en-US" altLang="ko-KR" sz="1400" b="0" dirty="0" smtClean="0">
+                <a:solidFill>
+                  <a:srgbClr val="D4D4D4"/>
+                </a:solidFill>
+                <a:effectLst/>
+                <a:latin typeface="Menlo" charset="0"/>
+              </a:rPr>
+              <a:t>)</a:t>
+            </a:r>
+          </a:p>
+          <a:p>
+            <a:r>
+              <a:rPr lang="en-US" altLang="ko-KR" sz="1400" b="0" dirty="0" smtClean="0">
+                <a:solidFill>
+                  <a:srgbClr val="D4D4D4"/>
+                </a:solidFill>
+                <a:effectLst/>
+                <a:latin typeface="Menlo" charset="0"/>
+              </a:rPr>
+              <a:t/>
+            </a:r>
+            <a:br>
+              <a:rPr lang="en-US" altLang="ko-KR" sz="1400" b="0" dirty="0" smtClean="0">
+                <a:solidFill>
+                  <a:srgbClr val="D4D4D4"/>
+                </a:solidFill>
+                <a:effectLst/>
+                <a:latin typeface="Menlo" charset="0"/>
+              </a:rPr>
+            </a:br>
             <a:endParaRPr lang="en-US" altLang="ko-KR" sz="1400" b="0" dirty="0">
               <a:solidFill>
                 <a:srgbClr val="D4D4D4"/>
@@ -8442,10 +9729,34 @@
           </a:p>
         </p:txBody>
       </p:sp>
+      <p:pic>
+        <p:nvPicPr>
+          <p:cNvPr id="5" name="그림 4"/>
+          <p:cNvPicPr>
+            <a:picLocks noChangeAspect="1"/>
+          </p:cNvPicPr>
+          <p:nvPr/>
+        </p:nvPicPr>
+        <p:blipFill>
+          <a:blip r:embed="rId2"/>
+          <a:stretch>
+            <a:fillRect/>
+          </a:stretch>
+        </p:blipFill>
+        <p:spPr>
+          <a:xfrm>
+            <a:off x="8482644" y="2712059"/>
+            <a:ext cx="3263900" cy="3035300"/>
+          </a:xfrm>
+          <a:prstGeom prst="rect">
+            <a:avLst/>
+          </a:prstGeom>
+        </p:spPr>
+      </p:pic>
     </p:spTree>
     <p:extLst>
       <p:ext uri="{BB962C8B-B14F-4D97-AF65-F5344CB8AC3E}">
-        <p14:creationId xmlns:p14="http://schemas.microsoft.com/office/powerpoint/2010/main" val="140882772"/>
+        <p14:creationId xmlns:p14="http://schemas.microsoft.com/office/powerpoint/2010/main" val="2121824847"/>
       </p:ext>
     </p:extLst>
   </p:cSld>
@@ -8488,1069 +9799,41 @@
           <a:lstStyle/>
           <a:p>
             <a:r>
-              <a:rPr kumimoji="1" lang="en-US" altLang="ko-KR" dirty="0" err="1" smtClean="0"/>
-              <a:t>index.js</a:t>
+              <a:rPr kumimoji="1" lang="en-US" altLang="ko-KR" dirty="0" smtClean="0"/>
+              <a:t>Unit Test Result</a:t>
             </a:r>
             <a:endParaRPr kumimoji="1" lang="ko-KR" altLang="en-US" dirty="0"/>
           </a:p>
         </p:txBody>
       </p:sp>
-      <p:sp>
-        <p:nvSpPr>
-          <p:cNvPr id="4" name="직사각형 3"/>
-          <p:cNvSpPr/>
+      <p:pic>
+        <p:nvPicPr>
+          <p:cNvPr id="4" name="그림 3"/>
+          <p:cNvPicPr>
+            <a:picLocks noChangeAspect="1"/>
+          </p:cNvPicPr>
           <p:nvPr/>
-        </p:nvSpPr>
+        </p:nvPicPr>
+        <p:blipFill>
+          <a:blip r:embed="rId2"/>
+          <a:stretch>
+            <a:fillRect/>
+          </a:stretch>
+        </p:blipFill>
         <p:spPr>
           <a:xfrm>
-            <a:off x="838200" y="1595021"/>
-            <a:ext cx="9851571" cy="3785652"/>
+            <a:off x="0" y="2000811"/>
+            <a:ext cx="12192000" cy="3792550"/>
           </a:xfrm>
           <a:prstGeom prst="rect">
             <a:avLst/>
           </a:prstGeom>
-          <a:solidFill>
-            <a:schemeClr val="tx1"/>
-          </a:solidFill>
         </p:spPr>
-        <p:txBody>
-          <a:bodyPr wrap="square">
-            <a:spAutoFit/>
-          </a:bodyPr>
-          <a:lstStyle/>
-          <a:p>
-            <a:r>
-              <a:rPr lang="en-US" altLang="ko-KR" sz="1600" b="0" dirty="0" smtClean="0">
-                <a:solidFill>
-                  <a:srgbClr val="C586C0"/>
-                </a:solidFill>
-                <a:effectLst/>
-                <a:latin typeface="Menlo" charset="0"/>
-              </a:rPr>
-              <a:t>import</a:t>
-            </a:r>
-            <a:r>
-              <a:rPr lang="en-US" altLang="ko-KR" sz="1600" b="0" dirty="0" smtClean="0">
-                <a:solidFill>
-                  <a:srgbClr val="D4D4D4"/>
-                </a:solidFill>
-                <a:effectLst/>
-                <a:latin typeface="Menlo" charset="0"/>
-              </a:rPr>
-              <a:t> </a:t>
-            </a:r>
-            <a:r>
-              <a:rPr lang="en-US" altLang="ko-KR" sz="1600" b="0" dirty="0" err="1" smtClean="0">
-                <a:solidFill>
-                  <a:srgbClr val="9CDCFE"/>
-                </a:solidFill>
-                <a:effectLst/>
-                <a:latin typeface="Menlo" charset="0"/>
-              </a:rPr>
-              <a:t>Vue</a:t>
-            </a:r>
-            <a:r>
-              <a:rPr lang="en-US" altLang="ko-KR" sz="1600" b="0" dirty="0" smtClean="0">
-                <a:solidFill>
-                  <a:srgbClr val="D4D4D4"/>
-                </a:solidFill>
-                <a:effectLst/>
-                <a:latin typeface="Menlo" charset="0"/>
-              </a:rPr>
-              <a:t> </a:t>
-            </a:r>
-            <a:r>
-              <a:rPr lang="en-US" altLang="ko-KR" sz="1600" b="0" dirty="0" smtClean="0">
-                <a:solidFill>
-                  <a:srgbClr val="C586C0"/>
-                </a:solidFill>
-                <a:effectLst/>
-                <a:latin typeface="Menlo" charset="0"/>
-              </a:rPr>
-              <a:t>from</a:t>
-            </a:r>
-            <a:r>
-              <a:rPr lang="en-US" altLang="ko-KR" sz="1600" b="0" dirty="0" smtClean="0">
-                <a:solidFill>
-                  <a:srgbClr val="D4D4D4"/>
-                </a:solidFill>
-                <a:effectLst/>
-                <a:latin typeface="Menlo" charset="0"/>
-              </a:rPr>
-              <a:t> </a:t>
-            </a:r>
-            <a:r>
-              <a:rPr lang="en-US" altLang="ko-KR" sz="1600" b="0" dirty="0" smtClean="0">
-                <a:solidFill>
-                  <a:srgbClr val="CE9178"/>
-                </a:solidFill>
-                <a:effectLst/>
-                <a:latin typeface="Menlo" charset="0"/>
-              </a:rPr>
-              <a:t>'</a:t>
-            </a:r>
-            <a:r>
-              <a:rPr lang="en-US" altLang="ko-KR" sz="1600" b="0" dirty="0" err="1" smtClean="0">
-                <a:solidFill>
-                  <a:srgbClr val="CE9178"/>
-                </a:solidFill>
-                <a:effectLst/>
-                <a:latin typeface="Menlo" charset="0"/>
-              </a:rPr>
-              <a:t>vue</a:t>
-            </a:r>
-            <a:r>
-              <a:rPr lang="en-US" altLang="ko-KR" sz="1600" b="0" dirty="0" smtClean="0">
-                <a:solidFill>
-                  <a:srgbClr val="CE9178"/>
-                </a:solidFill>
-                <a:effectLst/>
-                <a:latin typeface="Menlo" charset="0"/>
-              </a:rPr>
-              <a:t>'</a:t>
-            </a:r>
-            <a:endParaRPr lang="en-US" altLang="ko-KR" sz="1600" b="0" dirty="0" smtClean="0">
-              <a:solidFill>
-                <a:srgbClr val="D4D4D4"/>
-              </a:solidFill>
-              <a:effectLst/>
-              <a:latin typeface="Menlo" charset="0"/>
-            </a:endParaRPr>
-          </a:p>
-          <a:p>
-            <a:r>
-              <a:rPr lang="en-US" altLang="ko-KR" sz="1600" b="0" dirty="0" smtClean="0">
-                <a:solidFill>
-                  <a:srgbClr val="D4D4D4"/>
-                </a:solidFill>
-                <a:effectLst/>
-                <a:latin typeface="Menlo" charset="0"/>
-              </a:rPr>
-              <a:t/>
-            </a:r>
-            <a:br>
-              <a:rPr lang="en-US" altLang="ko-KR" sz="1600" b="0" dirty="0" smtClean="0">
-                <a:solidFill>
-                  <a:srgbClr val="D4D4D4"/>
-                </a:solidFill>
-                <a:effectLst/>
-                <a:latin typeface="Menlo" charset="0"/>
-              </a:rPr>
-            </a:br>
-            <a:r>
-              <a:rPr lang="en-US" altLang="ko-KR" sz="1600" b="0" dirty="0" err="1" smtClean="0">
-                <a:solidFill>
-                  <a:srgbClr val="9CDCFE"/>
-                </a:solidFill>
-                <a:effectLst/>
-                <a:latin typeface="Menlo" charset="0"/>
-              </a:rPr>
-              <a:t>Vue</a:t>
-            </a:r>
-            <a:r>
-              <a:rPr lang="en-US" altLang="ko-KR" sz="1600" b="0" dirty="0" err="1" smtClean="0">
-                <a:solidFill>
-                  <a:srgbClr val="D4D4D4"/>
-                </a:solidFill>
-                <a:effectLst/>
-                <a:latin typeface="Menlo" charset="0"/>
-              </a:rPr>
-              <a:t>.</a:t>
-            </a:r>
-            <a:r>
-              <a:rPr lang="en-US" altLang="ko-KR" sz="1600" b="0" dirty="0" err="1" smtClean="0">
-                <a:solidFill>
-                  <a:srgbClr val="9CDCFE"/>
-                </a:solidFill>
-                <a:effectLst/>
-                <a:latin typeface="Menlo" charset="0"/>
-              </a:rPr>
-              <a:t>config</a:t>
-            </a:r>
-            <a:r>
-              <a:rPr lang="en-US" altLang="ko-KR" sz="1600" b="0" dirty="0" err="1" smtClean="0">
-                <a:solidFill>
-                  <a:srgbClr val="D4D4D4"/>
-                </a:solidFill>
-                <a:effectLst/>
-                <a:latin typeface="Menlo" charset="0"/>
-              </a:rPr>
-              <a:t>.</a:t>
-            </a:r>
-            <a:r>
-              <a:rPr lang="en-US" altLang="ko-KR" sz="1600" b="0" dirty="0" err="1" smtClean="0">
-                <a:solidFill>
-                  <a:srgbClr val="9CDCFE"/>
-                </a:solidFill>
-                <a:effectLst/>
-                <a:latin typeface="Menlo" charset="0"/>
-              </a:rPr>
-              <a:t>productionTip</a:t>
-            </a:r>
-            <a:r>
-              <a:rPr lang="en-US" altLang="ko-KR" sz="1600" b="0" dirty="0" smtClean="0">
-                <a:solidFill>
-                  <a:srgbClr val="D4D4D4"/>
-                </a:solidFill>
-                <a:effectLst/>
-                <a:latin typeface="Menlo" charset="0"/>
-              </a:rPr>
-              <a:t> = </a:t>
-            </a:r>
-            <a:r>
-              <a:rPr lang="en-US" altLang="ko-KR" sz="1600" b="0" dirty="0" smtClean="0">
-                <a:solidFill>
-                  <a:srgbClr val="569CD6"/>
-                </a:solidFill>
-                <a:effectLst/>
-                <a:latin typeface="Menlo" charset="0"/>
-              </a:rPr>
-              <a:t>false</a:t>
-            </a:r>
-            <a:endParaRPr lang="en-US" altLang="ko-KR" sz="1600" b="0" dirty="0" smtClean="0">
-              <a:solidFill>
-                <a:srgbClr val="D4D4D4"/>
-              </a:solidFill>
-              <a:effectLst/>
-              <a:latin typeface="Menlo" charset="0"/>
-            </a:endParaRPr>
-          </a:p>
-          <a:p>
-            <a:r>
-              <a:rPr lang="en-US" altLang="ko-KR" sz="1600" b="0" dirty="0" smtClean="0">
-                <a:solidFill>
-                  <a:srgbClr val="D4D4D4"/>
-                </a:solidFill>
-                <a:effectLst/>
-                <a:latin typeface="Menlo" charset="0"/>
-              </a:rPr>
-              <a:t/>
-            </a:r>
-            <a:br>
-              <a:rPr lang="en-US" altLang="ko-KR" sz="1600" b="0" dirty="0" smtClean="0">
-                <a:solidFill>
-                  <a:srgbClr val="D4D4D4"/>
-                </a:solidFill>
-                <a:effectLst/>
-                <a:latin typeface="Menlo" charset="0"/>
-              </a:rPr>
-            </a:br>
-            <a:r>
-              <a:rPr lang="en-US" altLang="ko-KR" sz="1600" b="0" dirty="0" smtClean="0">
-                <a:solidFill>
-                  <a:srgbClr val="6A9955"/>
-                </a:solidFill>
-                <a:effectLst/>
-                <a:latin typeface="Menlo" charset="0"/>
-              </a:rPr>
-              <a:t>// require all test files (files that ends with .</a:t>
-            </a:r>
-            <a:r>
-              <a:rPr lang="en-US" altLang="ko-KR" sz="1600" b="0" dirty="0" err="1" smtClean="0">
-                <a:solidFill>
-                  <a:srgbClr val="6A9955"/>
-                </a:solidFill>
-                <a:effectLst/>
-                <a:latin typeface="Menlo" charset="0"/>
-              </a:rPr>
-              <a:t>spec.js</a:t>
-            </a:r>
-            <a:r>
-              <a:rPr lang="en-US" altLang="ko-KR" sz="1600" b="0" dirty="0" smtClean="0">
-                <a:solidFill>
-                  <a:srgbClr val="6A9955"/>
-                </a:solidFill>
-                <a:effectLst/>
-                <a:latin typeface="Menlo" charset="0"/>
-              </a:rPr>
-              <a:t>)</a:t>
-            </a:r>
-            <a:endParaRPr lang="en-US" altLang="ko-KR" sz="1600" b="0" dirty="0" smtClean="0">
-              <a:solidFill>
-                <a:srgbClr val="D4D4D4"/>
-              </a:solidFill>
-              <a:effectLst/>
-              <a:latin typeface="Menlo" charset="0"/>
-            </a:endParaRPr>
-          </a:p>
-          <a:p>
-            <a:r>
-              <a:rPr lang="en-US" altLang="ko-KR" sz="1600" b="0" dirty="0" err="1" smtClean="0">
-                <a:solidFill>
-                  <a:srgbClr val="569CD6"/>
-                </a:solidFill>
-                <a:effectLst/>
-                <a:latin typeface="Menlo" charset="0"/>
-              </a:rPr>
-              <a:t>const</a:t>
-            </a:r>
-            <a:r>
-              <a:rPr lang="en-US" altLang="ko-KR" sz="1600" b="0" dirty="0" smtClean="0">
-                <a:solidFill>
-                  <a:srgbClr val="D4D4D4"/>
-                </a:solidFill>
-                <a:effectLst/>
-                <a:latin typeface="Menlo" charset="0"/>
-              </a:rPr>
-              <a:t> </a:t>
-            </a:r>
-            <a:r>
-              <a:rPr lang="en-US" altLang="ko-KR" sz="1600" b="0" dirty="0" err="1" smtClean="0">
-                <a:solidFill>
-                  <a:srgbClr val="9CDCFE"/>
-                </a:solidFill>
-                <a:effectLst/>
-                <a:latin typeface="Menlo" charset="0"/>
-              </a:rPr>
-              <a:t>testsContext</a:t>
-            </a:r>
-            <a:r>
-              <a:rPr lang="en-US" altLang="ko-KR" sz="1600" b="0" dirty="0" smtClean="0">
-                <a:solidFill>
-                  <a:srgbClr val="D4D4D4"/>
-                </a:solidFill>
-                <a:effectLst/>
-                <a:latin typeface="Menlo" charset="0"/>
-              </a:rPr>
-              <a:t> = </a:t>
-            </a:r>
-            <a:r>
-              <a:rPr lang="en-US" altLang="ko-KR" sz="1600" b="0" dirty="0" err="1" smtClean="0">
-                <a:solidFill>
-                  <a:srgbClr val="9CDCFE"/>
-                </a:solidFill>
-                <a:effectLst/>
-                <a:latin typeface="Menlo" charset="0"/>
-              </a:rPr>
-              <a:t>require</a:t>
-            </a:r>
-            <a:r>
-              <a:rPr lang="en-US" altLang="ko-KR" sz="1600" b="0" dirty="0" err="1" smtClean="0">
-                <a:solidFill>
-                  <a:srgbClr val="D4D4D4"/>
-                </a:solidFill>
-                <a:effectLst/>
-                <a:latin typeface="Menlo" charset="0"/>
-              </a:rPr>
-              <a:t>.</a:t>
-            </a:r>
-            <a:r>
-              <a:rPr lang="en-US" altLang="ko-KR" sz="1600" b="0" dirty="0" err="1" smtClean="0">
-                <a:solidFill>
-                  <a:srgbClr val="DCDCAA"/>
-                </a:solidFill>
-                <a:effectLst/>
-                <a:latin typeface="Menlo" charset="0"/>
-              </a:rPr>
-              <a:t>context</a:t>
-            </a:r>
-            <a:r>
-              <a:rPr lang="en-US" altLang="ko-KR" sz="1600" b="0" dirty="0" smtClean="0">
-                <a:solidFill>
-                  <a:srgbClr val="D4D4D4"/>
-                </a:solidFill>
-                <a:effectLst/>
-                <a:latin typeface="Menlo" charset="0"/>
-              </a:rPr>
-              <a:t>(</a:t>
-            </a:r>
-            <a:r>
-              <a:rPr lang="en-US" altLang="ko-KR" sz="1600" b="0" dirty="0" smtClean="0">
-                <a:solidFill>
-                  <a:srgbClr val="CE9178"/>
-                </a:solidFill>
-                <a:effectLst/>
-                <a:latin typeface="Menlo" charset="0"/>
-              </a:rPr>
-              <a:t>'./specs'</a:t>
-            </a:r>
-            <a:r>
-              <a:rPr lang="en-US" altLang="ko-KR" sz="1600" b="0" dirty="0" smtClean="0">
-                <a:solidFill>
-                  <a:srgbClr val="D4D4D4"/>
-                </a:solidFill>
-                <a:effectLst/>
-                <a:latin typeface="Menlo" charset="0"/>
-              </a:rPr>
-              <a:t>, </a:t>
-            </a:r>
-            <a:r>
-              <a:rPr lang="en-US" altLang="ko-KR" sz="1600" b="0" dirty="0" smtClean="0">
-                <a:solidFill>
-                  <a:srgbClr val="569CD6"/>
-                </a:solidFill>
-                <a:effectLst/>
-                <a:latin typeface="Menlo" charset="0"/>
-              </a:rPr>
-              <a:t>true</a:t>
-            </a:r>
-            <a:r>
-              <a:rPr lang="en-US" altLang="ko-KR" sz="1600" b="0" dirty="0" smtClean="0">
-                <a:solidFill>
-                  <a:srgbClr val="D4D4D4"/>
-                </a:solidFill>
-                <a:effectLst/>
-                <a:latin typeface="Menlo" charset="0"/>
-              </a:rPr>
-              <a:t>,</a:t>
-            </a:r>
-            <a:r>
-              <a:rPr lang="en-US" altLang="ko-KR" sz="1600" b="0" dirty="0" smtClean="0">
-                <a:solidFill>
-                  <a:srgbClr val="D16969"/>
-                </a:solidFill>
-                <a:effectLst/>
-                <a:latin typeface="Menlo" charset="0"/>
-              </a:rPr>
-              <a:t> /</a:t>
-            </a:r>
-            <a:r>
-              <a:rPr lang="en-US" altLang="ko-KR" sz="1600" b="0" dirty="0" smtClean="0">
-                <a:solidFill>
-                  <a:srgbClr val="D7BA7D"/>
-                </a:solidFill>
-                <a:effectLst/>
-                <a:latin typeface="Menlo" charset="0"/>
-              </a:rPr>
-              <a:t>\.</a:t>
-            </a:r>
-            <a:r>
-              <a:rPr lang="en-US" altLang="ko-KR" sz="1600" b="0" dirty="0" smtClean="0">
-                <a:solidFill>
-                  <a:srgbClr val="D16969"/>
-                </a:solidFill>
-                <a:effectLst/>
-                <a:latin typeface="Menlo" charset="0"/>
-              </a:rPr>
-              <a:t>spec</a:t>
-            </a:r>
-            <a:r>
-              <a:rPr lang="en-US" altLang="ko-KR" sz="1600" b="0" dirty="0" smtClean="0">
-                <a:solidFill>
-                  <a:srgbClr val="DCDCAA"/>
-                </a:solidFill>
-                <a:effectLst/>
-                <a:latin typeface="Menlo" charset="0"/>
-              </a:rPr>
-              <a:t>$</a:t>
-            </a:r>
-            <a:r>
-              <a:rPr lang="en-US" altLang="ko-KR" sz="1600" b="0" dirty="0" smtClean="0">
-                <a:solidFill>
-                  <a:srgbClr val="D16969"/>
-                </a:solidFill>
-                <a:effectLst/>
-                <a:latin typeface="Menlo" charset="0"/>
-              </a:rPr>
-              <a:t>/</a:t>
-            </a:r>
-            <a:r>
-              <a:rPr lang="en-US" altLang="ko-KR" sz="1600" b="0" dirty="0" smtClean="0">
-                <a:solidFill>
-                  <a:srgbClr val="D4D4D4"/>
-                </a:solidFill>
-                <a:effectLst/>
-                <a:latin typeface="Menlo" charset="0"/>
-              </a:rPr>
-              <a:t>)</a:t>
-            </a:r>
-          </a:p>
-          <a:p>
-            <a:r>
-              <a:rPr lang="en-US" altLang="ko-KR" sz="1600" b="0" dirty="0" err="1" smtClean="0">
-                <a:solidFill>
-                  <a:srgbClr val="9CDCFE"/>
-                </a:solidFill>
-                <a:effectLst/>
-                <a:latin typeface="Menlo" charset="0"/>
-              </a:rPr>
-              <a:t>testsContext</a:t>
-            </a:r>
-            <a:r>
-              <a:rPr lang="en-US" altLang="ko-KR" sz="1600" b="0" dirty="0" err="1" smtClean="0">
-                <a:solidFill>
-                  <a:srgbClr val="D4D4D4"/>
-                </a:solidFill>
-                <a:effectLst/>
-                <a:latin typeface="Menlo" charset="0"/>
-              </a:rPr>
-              <a:t>.</a:t>
-            </a:r>
-            <a:r>
-              <a:rPr lang="en-US" altLang="ko-KR" sz="1600" b="0" dirty="0" err="1" smtClean="0">
-                <a:solidFill>
-                  <a:srgbClr val="DCDCAA"/>
-                </a:solidFill>
-                <a:effectLst/>
-                <a:latin typeface="Menlo" charset="0"/>
-              </a:rPr>
-              <a:t>keys</a:t>
-            </a:r>
-            <a:r>
-              <a:rPr lang="en-US" altLang="ko-KR" sz="1600" b="0" dirty="0" smtClean="0">
-                <a:solidFill>
-                  <a:srgbClr val="D4D4D4"/>
-                </a:solidFill>
-                <a:effectLst/>
-                <a:latin typeface="Menlo" charset="0"/>
-              </a:rPr>
-              <a:t>().</a:t>
-            </a:r>
-            <a:r>
-              <a:rPr lang="en-US" altLang="ko-KR" sz="1600" b="0" dirty="0" err="1" smtClean="0">
-                <a:solidFill>
-                  <a:srgbClr val="DCDCAA"/>
-                </a:solidFill>
-                <a:effectLst/>
-                <a:latin typeface="Menlo" charset="0"/>
-              </a:rPr>
-              <a:t>forEach</a:t>
-            </a:r>
-            <a:r>
-              <a:rPr lang="en-US" altLang="ko-KR" sz="1600" b="0" dirty="0" smtClean="0">
-                <a:solidFill>
-                  <a:srgbClr val="D4D4D4"/>
-                </a:solidFill>
-                <a:effectLst/>
-                <a:latin typeface="Menlo" charset="0"/>
-              </a:rPr>
-              <a:t>(</a:t>
-            </a:r>
-            <a:r>
-              <a:rPr lang="en-US" altLang="ko-KR" sz="1600" b="0" dirty="0" err="1" smtClean="0">
-                <a:solidFill>
-                  <a:srgbClr val="9CDCFE"/>
-                </a:solidFill>
-                <a:effectLst/>
-                <a:latin typeface="Menlo" charset="0"/>
-              </a:rPr>
-              <a:t>testsContext</a:t>
-            </a:r>
-            <a:r>
-              <a:rPr lang="en-US" altLang="ko-KR" sz="1600" b="0" dirty="0" smtClean="0">
-                <a:solidFill>
-                  <a:srgbClr val="D4D4D4"/>
-                </a:solidFill>
-                <a:effectLst/>
-                <a:latin typeface="Menlo" charset="0"/>
-              </a:rPr>
-              <a:t>)</a:t>
-            </a:r>
-          </a:p>
-          <a:p>
-            <a:r>
-              <a:rPr lang="en-US" altLang="ko-KR" sz="1600" b="0" dirty="0" smtClean="0">
-                <a:solidFill>
-                  <a:srgbClr val="D4D4D4"/>
-                </a:solidFill>
-                <a:effectLst/>
-                <a:latin typeface="Menlo" charset="0"/>
-              </a:rPr>
-              <a:t/>
-            </a:r>
-            <a:br>
-              <a:rPr lang="en-US" altLang="ko-KR" sz="1600" b="0" dirty="0" smtClean="0">
-                <a:solidFill>
-                  <a:srgbClr val="D4D4D4"/>
-                </a:solidFill>
-                <a:effectLst/>
-                <a:latin typeface="Menlo" charset="0"/>
-              </a:rPr>
-            </a:br>
-            <a:r>
-              <a:rPr lang="en-US" altLang="ko-KR" sz="1600" b="0" dirty="0" smtClean="0">
-                <a:solidFill>
-                  <a:srgbClr val="6A9955"/>
-                </a:solidFill>
-                <a:effectLst/>
-                <a:latin typeface="Menlo" charset="0"/>
-              </a:rPr>
-              <a:t>// require all </a:t>
-            </a:r>
-            <a:r>
-              <a:rPr lang="en-US" altLang="ko-KR" sz="1600" b="0" dirty="0" err="1" smtClean="0">
-                <a:solidFill>
-                  <a:srgbClr val="6A9955"/>
-                </a:solidFill>
-                <a:effectLst/>
-                <a:latin typeface="Menlo" charset="0"/>
-              </a:rPr>
-              <a:t>src</a:t>
-            </a:r>
-            <a:r>
-              <a:rPr lang="en-US" altLang="ko-KR" sz="1600" b="0" dirty="0" smtClean="0">
-                <a:solidFill>
-                  <a:srgbClr val="6A9955"/>
-                </a:solidFill>
-                <a:effectLst/>
-                <a:latin typeface="Menlo" charset="0"/>
-              </a:rPr>
-              <a:t> files except </a:t>
-            </a:r>
-            <a:r>
-              <a:rPr lang="en-US" altLang="ko-KR" sz="1600" b="0" dirty="0" err="1" smtClean="0">
-                <a:solidFill>
-                  <a:srgbClr val="6A9955"/>
-                </a:solidFill>
-                <a:effectLst/>
-                <a:latin typeface="Menlo" charset="0"/>
-              </a:rPr>
-              <a:t>main.js</a:t>
-            </a:r>
-            <a:r>
-              <a:rPr lang="en-US" altLang="ko-KR" sz="1600" b="0" dirty="0" smtClean="0">
-                <a:solidFill>
-                  <a:srgbClr val="6A9955"/>
-                </a:solidFill>
-                <a:effectLst/>
-                <a:latin typeface="Menlo" charset="0"/>
-              </a:rPr>
-              <a:t> for coverage.</a:t>
-            </a:r>
-            <a:endParaRPr lang="en-US" altLang="ko-KR" sz="1600" b="0" dirty="0" smtClean="0">
-              <a:solidFill>
-                <a:srgbClr val="D4D4D4"/>
-              </a:solidFill>
-              <a:effectLst/>
-              <a:latin typeface="Menlo" charset="0"/>
-            </a:endParaRPr>
-          </a:p>
-          <a:p>
-            <a:r>
-              <a:rPr lang="en-US" altLang="ko-KR" sz="1600" b="0" dirty="0" smtClean="0">
-                <a:solidFill>
-                  <a:srgbClr val="6A9955"/>
-                </a:solidFill>
-                <a:effectLst/>
-                <a:latin typeface="Menlo" charset="0"/>
-              </a:rPr>
-              <a:t>// you can also change this to match only the subset of files that</a:t>
-            </a:r>
-            <a:endParaRPr lang="en-US" altLang="ko-KR" sz="1600" b="0" dirty="0" smtClean="0">
-              <a:solidFill>
-                <a:srgbClr val="D4D4D4"/>
-              </a:solidFill>
-              <a:effectLst/>
-              <a:latin typeface="Menlo" charset="0"/>
-            </a:endParaRPr>
-          </a:p>
-          <a:p>
-            <a:r>
-              <a:rPr lang="en-US" altLang="ko-KR" sz="1600" b="0" dirty="0" smtClean="0">
-                <a:solidFill>
-                  <a:srgbClr val="6A9955"/>
-                </a:solidFill>
-                <a:effectLst/>
-                <a:latin typeface="Menlo" charset="0"/>
-              </a:rPr>
-              <a:t>// you want coverage for.</a:t>
-            </a:r>
-            <a:endParaRPr lang="en-US" altLang="ko-KR" sz="1600" b="0" dirty="0" smtClean="0">
-              <a:solidFill>
-                <a:srgbClr val="D4D4D4"/>
-              </a:solidFill>
-              <a:effectLst/>
-              <a:latin typeface="Menlo" charset="0"/>
-            </a:endParaRPr>
-          </a:p>
-          <a:p>
-            <a:r>
-              <a:rPr lang="en-US" altLang="ko-KR" sz="1600" b="0" dirty="0" err="1" smtClean="0">
-                <a:solidFill>
-                  <a:srgbClr val="569CD6"/>
-                </a:solidFill>
-                <a:effectLst/>
-                <a:latin typeface="Menlo" charset="0"/>
-              </a:rPr>
-              <a:t>const</a:t>
-            </a:r>
-            <a:r>
-              <a:rPr lang="en-US" altLang="ko-KR" sz="1600" b="0" dirty="0" smtClean="0">
-                <a:solidFill>
-                  <a:srgbClr val="D4D4D4"/>
-                </a:solidFill>
-                <a:effectLst/>
-                <a:latin typeface="Menlo" charset="0"/>
-              </a:rPr>
-              <a:t> </a:t>
-            </a:r>
-            <a:r>
-              <a:rPr lang="en-US" altLang="ko-KR" sz="1600" b="0" dirty="0" err="1" smtClean="0">
-                <a:solidFill>
-                  <a:srgbClr val="9CDCFE"/>
-                </a:solidFill>
-                <a:effectLst/>
-                <a:latin typeface="Menlo" charset="0"/>
-              </a:rPr>
-              <a:t>srcContext</a:t>
-            </a:r>
-            <a:r>
-              <a:rPr lang="en-US" altLang="ko-KR" sz="1600" b="0" dirty="0" smtClean="0">
-                <a:solidFill>
-                  <a:srgbClr val="D4D4D4"/>
-                </a:solidFill>
-                <a:effectLst/>
-                <a:latin typeface="Menlo" charset="0"/>
-              </a:rPr>
-              <a:t> = </a:t>
-            </a:r>
-            <a:r>
-              <a:rPr lang="en-US" altLang="ko-KR" sz="1600" b="0" dirty="0" err="1" smtClean="0">
-                <a:solidFill>
-                  <a:srgbClr val="9CDCFE"/>
-                </a:solidFill>
-                <a:effectLst/>
-                <a:latin typeface="Menlo" charset="0"/>
-              </a:rPr>
-              <a:t>require</a:t>
-            </a:r>
-            <a:r>
-              <a:rPr lang="en-US" altLang="ko-KR" sz="1600" b="0" dirty="0" err="1" smtClean="0">
-                <a:solidFill>
-                  <a:srgbClr val="D4D4D4"/>
-                </a:solidFill>
-                <a:effectLst/>
-                <a:latin typeface="Menlo" charset="0"/>
-              </a:rPr>
-              <a:t>.</a:t>
-            </a:r>
-            <a:r>
-              <a:rPr lang="en-US" altLang="ko-KR" sz="1600" b="0" dirty="0" err="1" smtClean="0">
-                <a:solidFill>
-                  <a:srgbClr val="DCDCAA"/>
-                </a:solidFill>
-                <a:effectLst/>
-                <a:latin typeface="Menlo" charset="0"/>
-              </a:rPr>
-              <a:t>context</a:t>
-            </a:r>
-            <a:r>
-              <a:rPr lang="en-US" altLang="ko-KR" sz="1600" b="0" dirty="0" smtClean="0">
-                <a:solidFill>
-                  <a:srgbClr val="D4D4D4"/>
-                </a:solidFill>
-                <a:effectLst/>
-                <a:latin typeface="Menlo" charset="0"/>
-              </a:rPr>
-              <a:t>(</a:t>
-            </a:r>
-            <a:r>
-              <a:rPr lang="en-US" altLang="ko-KR" sz="1600" b="0" dirty="0" smtClean="0">
-                <a:solidFill>
-                  <a:srgbClr val="CE9178"/>
-                </a:solidFill>
-                <a:effectLst/>
-                <a:latin typeface="Menlo" charset="0"/>
-              </a:rPr>
-              <a:t>'../../</a:t>
-            </a:r>
-            <a:r>
-              <a:rPr lang="en-US" altLang="ko-KR" sz="1600" b="0" dirty="0" err="1" smtClean="0">
-                <a:solidFill>
-                  <a:srgbClr val="CE9178"/>
-                </a:solidFill>
-                <a:effectLst/>
-                <a:latin typeface="Menlo" charset="0"/>
-              </a:rPr>
-              <a:t>src</a:t>
-            </a:r>
-            <a:r>
-              <a:rPr lang="en-US" altLang="ko-KR" sz="1600" b="0" dirty="0" smtClean="0">
-                <a:solidFill>
-                  <a:srgbClr val="CE9178"/>
-                </a:solidFill>
-                <a:effectLst/>
-                <a:latin typeface="Menlo" charset="0"/>
-              </a:rPr>
-              <a:t>'</a:t>
-            </a:r>
-            <a:r>
-              <a:rPr lang="en-US" altLang="ko-KR" sz="1600" b="0" dirty="0" smtClean="0">
-                <a:solidFill>
-                  <a:srgbClr val="D4D4D4"/>
-                </a:solidFill>
-                <a:effectLst/>
-                <a:latin typeface="Menlo" charset="0"/>
-              </a:rPr>
-              <a:t>, </a:t>
-            </a:r>
-            <a:r>
-              <a:rPr lang="en-US" altLang="ko-KR" sz="1600" b="0" dirty="0" smtClean="0">
-                <a:solidFill>
-                  <a:srgbClr val="569CD6"/>
-                </a:solidFill>
-                <a:effectLst/>
-                <a:latin typeface="Menlo" charset="0"/>
-              </a:rPr>
-              <a:t>true</a:t>
-            </a:r>
-            <a:r>
-              <a:rPr lang="en-US" altLang="ko-KR" sz="1600" b="0" dirty="0" smtClean="0">
-                <a:solidFill>
-                  <a:srgbClr val="D4D4D4"/>
-                </a:solidFill>
-                <a:effectLst/>
-                <a:latin typeface="Menlo" charset="0"/>
-              </a:rPr>
-              <a:t>,</a:t>
-            </a:r>
-            <a:r>
-              <a:rPr lang="en-US" altLang="ko-KR" sz="1600" b="0" dirty="0" smtClean="0">
-                <a:solidFill>
-                  <a:srgbClr val="D16969"/>
-                </a:solidFill>
-                <a:effectLst/>
-                <a:latin typeface="Menlo" charset="0"/>
-              </a:rPr>
-              <a:t> /</a:t>
-            </a:r>
-            <a:r>
-              <a:rPr lang="en-US" altLang="ko-KR" sz="1600" b="0" dirty="0" smtClean="0">
-                <a:solidFill>
-                  <a:srgbClr val="DCDCAA"/>
-                </a:solidFill>
-                <a:effectLst/>
-                <a:latin typeface="Menlo" charset="0"/>
-              </a:rPr>
-              <a:t>^</a:t>
-            </a:r>
-            <a:r>
-              <a:rPr lang="en-US" altLang="ko-KR" sz="1600" b="0" dirty="0" smtClean="0">
-                <a:solidFill>
-                  <a:srgbClr val="D7BA7D"/>
-                </a:solidFill>
-                <a:effectLst/>
-                <a:latin typeface="Menlo" charset="0"/>
-              </a:rPr>
-              <a:t>\.\/</a:t>
-            </a:r>
-            <a:r>
-              <a:rPr lang="en-US" altLang="ko-KR" sz="1600" b="0" dirty="0" smtClean="0">
-                <a:solidFill>
-                  <a:srgbClr val="CE9178"/>
-                </a:solidFill>
-                <a:effectLst/>
-                <a:latin typeface="Menlo" charset="0"/>
-              </a:rPr>
-              <a:t>(?!</a:t>
-            </a:r>
-            <a:r>
-              <a:rPr lang="en-US" altLang="ko-KR" sz="1600" b="0" dirty="0" smtClean="0">
-                <a:solidFill>
-                  <a:srgbClr val="D16969"/>
-                </a:solidFill>
-                <a:effectLst/>
-                <a:latin typeface="Menlo" charset="0"/>
-              </a:rPr>
-              <a:t>main</a:t>
-            </a:r>
-            <a:r>
-              <a:rPr lang="en-US" altLang="ko-KR" sz="1600" b="0" dirty="0" smtClean="0">
-                <a:solidFill>
-                  <a:srgbClr val="CE9178"/>
-                </a:solidFill>
-                <a:effectLst/>
-                <a:latin typeface="Menlo" charset="0"/>
-              </a:rPr>
-              <a:t>(</a:t>
-            </a:r>
-            <a:r>
-              <a:rPr lang="en-US" altLang="ko-KR" sz="1600" b="0" dirty="0" smtClean="0">
-                <a:solidFill>
-                  <a:srgbClr val="D7BA7D"/>
-                </a:solidFill>
-                <a:effectLst/>
-                <a:latin typeface="Menlo" charset="0"/>
-              </a:rPr>
-              <a:t>\.</a:t>
-            </a:r>
-            <a:r>
-              <a:rPr lang="en-US" altLang="ko-KR" sz="1600" b="0" dirty="0" err="1" smtClean="0">
-                <a:solidFill>
-                  <a:srgbClr val="D16969"/>
-                </a:solidFill>
-                <a:effectLst/>
-                <a:latin typeface="Menlo" charset="0"/>
-              </a:rPr>
-              <a:t>js</a:t>
-            </a:r>
-            <a:r>
-              <a:rPr lang="en-US" altLang="ko-KR" sz="1600" b="0" dirty="0" smtClean="0">
-                <a:solidFill>
-                  <a:srgbClr val="CE9178"/>
-                </a:solidFill>
-                <a:effectLst/>
-                <a:latin typeface="Menlo" charset="0"/>
-              </a:rPr>
-              <a:t>)</a:t>
-            </a:r>
-            <a:r>
-              <a:rPr lang="en-US" altLang="ko-KR" sz="1600" b="0" dirty="0" smtClean="0">
-                <a:solidFill>
-                  <a:srgbClr val="D7BA7D"/>
-                </a:solidFill>
-                <a:effectLst/>
-                <a:latin typeface="Menlo" charset="0"/>
-              </a:rPr>
-              <a:t>?</a:t>
-            </a:r>
-            <a:r>
-              <a:rPr lang="en-US" altLang="ko-KR" sz="1600" b="0" dirty="0" smtClean="0">
-                <a:solidFill>
-                  <a:srgbClr val="DCDCAA"/>
-                </a:solidFill>
-                <a:effectLst/>
-                <a:latin typeface="Menlo" charset="0"/>
-              </a:rPr>
-              <a:t>$</a:t>
-            </a:r>
-            <a:r>
-              <a:rPr lang="en-US" altLang="ko-KR" sz="1600" b="0" dirty="0" smtClean="0">
-                <a:solidFill>
-                  <a:srgbClr val="CE9178"/>
-                </a:solidFill>
-                <a:effectLst/>
-                <a:latin typeface="Menlo" charset="0"/>
-              </a:rPr>
-              <a:t>)</a:t>
-            </a:r>
-            <a:r>
-              <a:rPr lang="en-US" altLang="ko-KR" sz="1600" b="0" dirty="0" smtClean="0">
-                <a:solidFill>
-                  <a:srgbClr val="D16969"/>
-                </a:solidFill>
-                <a:effectLst/>
-                <a:latin typeface="Menlo" charset="0"/>
-              </a:rPr>
-              <a:t>/</a:t>
-            </a:r>
-            <a:r>
-              <a:rPr lang="en-US" altLang="ko-KR" sz="1600" b="0" dirty="0" smtClean="0">
-                <a:solidFill>
-                  <a:srgbClr val="D4D4D4"/>
-                </a:solidFill>
-                <a:effectLst/>
-                <a:latin typeface="Menlo" charset="0"/>
-              </a:rPr>
-              <a:t>)</a:t>
-            </a:r>
-          </a:p>
-          <a:p>
-            <a:r>
-              <a:rPr lang="en-US" altLang="ko-KR" sz="1600" b="0" dirty="0" err="1" smtClean="0">
-                <a:solidFill>
-                  <a:srgbClr val="9CDCFE"/>
-                </a:solidFill>
-                <a:effectLst/>
-                <a:latin typeface="Menlo" charset="0"/>
-              </a:rPr>
-              <a:t>srcContext</a:t>
-            </a:r>
-            <a:r>
-              <a:rPr lang="en-US" altLang="ko-KR" sz="1600" b="0" dirty="0" err="1" smtClean="0">
-                <a:solidFill>
-                  <a:srgbClr val="D4D4D4"/>
-                </a:solidFill>
-                <a:effectLst/>
-                <a:latin typeface="Menlo" charset="0"/>
-              </a:rPr>
-              <a:t>.</a:t>
-            </a:r>
-            <a:r>
-              <a:rPr lang="en-US" altLang="ko-KR" sz="1600" b="0" dirty="0" err="1" smtClean="0">
-                <a:solidFill>
-                  <a:srgbClr val="DCDCAA"/>
-                </a:solidFill>
-                <a:effectLst/>
-                <a:latin typeface="Menlo" charset="0"/>
-              </a:rPr>
-              <a:t>keys</a:t>
-            </a:r>
-            <a:r>
-              <a:rPr lang="en-US" altLang="ko-KR" sz="1600" b="0" dirty="0" smtClean="0">
-                <a:solidFill>
-                  <a:srgbClr val="D4D4D4"/>
-                </a:solidFill>
-                <a:effectLst/>
-                <a:latin typeface="Menlo" charset="0"/>
-              </a:rPr>
-              <a:t>().</a:t>
-            </a:r>
-            <a:r>
-              <a:rPr lang="en-US" altLang="ko-KR" sz="1600" b="0" dirty="0" err="1" smtClean="0">
-                <a:solidFill>
-                  <a:srgbClr val="DCDCAA"/>
-                </a:solidFill>
-                <a:effectLst/>
-                <a:latin typeface="Menlo" charset="0"/>
-              </a:rPr>
-              <a:t>forEach</a:t>
-            </a:r>
-            <a:r>
-              <a:rPr lang="en-US" altLang="ko-KR" sz="1600" b="0" dirty="0" smtClean="0">
-                <a:solidFill>
-                  <a:srgbClr val="D4D4D4"/>
-                </a:solidFill>
-                <a:effectLst/>
-                <a:latin typeface="Menlo" charset="0"/>
-              </a:rPr>
-              <a:t>(</a:t>
-            </a:r>
-            <a:r>
-              <a:rPr lang="en-US" altLang="ko-KR" sz="1600" b="0" dirty="0" err="1" smtClean="0">
-                <a:solidFill>
-                  <a:srgbClr val="9CDCFE"/>
-                </a:solidFill>
-                <a:effectLst/>
-                <a:latin typeface="Menlo" charset="0"/>
-              </a:rPr>
-              <a:t>srcContext</a:t>
-            </a:r>
-            <a:r>
-              <a:rPr lang="en-US" altLang="ko-KR" sz="1600" b="0" dirty="0" smtClean="0">
-                <a:solidFill>
-                  <a:srgbClr val="D4D4D4"/>
-                </a:solidFill>
-                <a:effectLst/>
-                <a:latin typeface="Menlo" charset="0"/>
-              </a:rPr>
-              <a:t>)</a:t>
-            </a:r>
-          </a:p>
-          <a:p>
-            <a:r>
-              <a:rPr lang="en-US" altLang="ko-KR" sz="1600" b="0" dirty="0" smtClean="0">
-                <a:solidFill>
-                  <a:srgbClr val="D4D4D4"/>
-                </a:solidFill>
-                <a:effectLst/>
-                <a:latin typeface="Menlo" charset="0"/>
-              </a:rPr>
-              <a:t/>
-            </a:r>
-            <a:br>
-              <a:rPr lang="en-US" altLang="ko-KR" sz="1600" b="0" dirty="0" smtClean="0">
-                <a:solidFill>
-                  <a:srgbClr val="D4D4D4"/>
-                </a:solidFill>
-                <a:effectLst/>
-                <a:latin typeface="Menlo" charset="0"/>
-              </a:rPr>
-            </a:br>
-            <a:endParaRPr lang="en-US" altLang="ko-KR" sz="1600" b="0" dirty="0">
-              <a:solidFill>
-                <a:srgbClr val="D4D4D4"/>
-              </a:solidFill>
-              <a:effectLst/>
-              <a:latin typeface="Menlo" charset="0"/>
-            </a:endParaRPr>
-          </a:p>
-        </p:txBody>
-      </p:sp>
+      </p:pic>
     </p:spTree>
     <p:extLst>
       <p:ext uri="{BB962C8B-B14F-4D97-AF65-F5344CB8AC3E}">
-        <p14:creationId xmlns:p14="http://schemas.microsoft.com/office/powerpoint/2010/main" val="2121824847"/>
+        <p14:creationId xmlns:p14="http://schemas.microsoft.com/office/powerpoint/2010/main" val="520780507"/>
       </p:ext>
     </p:extLst>
   </p:cSld>
@@ -10513,7 +10796,7 @@
           <a:p>
             <a:r>
               <a:rPr kumimoji="1" lang="en-US" altLang="ko-KR" dirty="0" smtClean="0"/>
-              <a:t>Specs in Jasmine</a:t>
+              <a:t>Specs</a:t>
             </a:r>
             <a:endParaRPr kumimoji="1" lang="ko-KR" altLang="en-US" dirty="0"/>
           </a:p>

--- a/Vue Unit Test.pptx
+++ b/Vue Unit Test.pptx
@@ -12572,7 +12572,7 @@
           <a:lstStyle/>
           <a:p>
             <a:r>
-              <a:rPr kumimoji="1" lang="en-US" altLang="ko-KR" sz="4000" smtClean="0"/>
+              <a:rPr kumimoji="1" lang="en-US" altLang="ko-KR" sz="4000" dirty="0" smtClean="0"/>
               <a:t>Writing Test </a:t>
             </a:r>
             <a:r>
@@ -12580,7 +12580,7 @@
               <a:t>S</a:t>
             </a:r>
             <a:r>
-              <a:rPr kumimoji="1" lang="en-US" altLang="ko-KR" sz="4000" smtClean="0"/>
+              <a:rPr kumimoji="1" lang="en-US" altLang="ko-KR" sz="4000" dirty="0" smtClean="0"/>
               <a:t>tatements</a:t>
             </a:r>
             <a:endParaRPr kumimoji="1" lang="ko-KR" altLang="en-US" sz="4000" dirty="0"/>
